--- a/Group_slides_v2.pptx
+++ b/Group_slides_v2.pptx
@@ -2,10 +2,10 @@
 <file path=ppt/presentation.xml><?xml version="1.0" encoding="utf-8"?>
 <p:presentation xmlns:a="http://schemas.openxmlformats.org/drawingml/2006/main" xmlns:r="http://schemas.openxmlformats.org/officeDocument/2006/relationships" xmlns:p="http://schemas.openxmlformats.org/presentationml/2006/main" autoCompressPictures="0">
   <p:sldMasterIdLst>
-    <p:sldMasterId id="2147483874" r:id="rId1"/>
+    <p:sldMasterId id="2147483886" r:id="rId1"/>
   </p:sldMasterIdLst>
   <p:notesMasterIdLst>
-    <p:notesMasterId r:id="rId16"/>
+    <p:notesMasterId r:id="rId23"/>
   </p:notesMasterIdLst>
   <p:sldIdLst>
     <p:sldId id="260" r:id="rId2"/>
@@ -21,7 +21,14 @@
     <p:sldId id="266" r:id="rId12"/>
     <p:sldId id="264" r:id="rId13"/>
     <p:sldId id="269" r:id="rId14"/>
-    <p:sldId id="270" r:id="rId15"/>
+    <p:sldId id="271" r:id="rId15"/>
+    <p:sldId id="272" r:id="rId16"/>
+    <p:sldId id="273" r:id="rId17"/>
+    <p:sldId id="274" r:id="rId18"/>
+    <p:sldId id="275" r:id="rId19"/>
+    <p:sldId id="276" r:id="rId20"/>
+    <p:sldId id="277" r:id="rId21"/>
+    <p:sldId id="270" r:id="rId22"/>
   </p:sldIdLst>
   <p:sldSz cx="12192000" cy="6858000"/>
   <p:notesSz cx="6858000" cy="9144000"/>
@@ -154,6 +161,13 @@
           <p14:sldIdLst>
             <p14:sldId id="264"/>
             <p14:sldId id="269"/>
+            <p14:sldId id="271"/>
+            <p14:sldId id="272"/>
+            <p14:sldId id="273"/>
+            <p14:sldId id="274"/>
+            <p14:sldId id="275"/>
+            <p14:sldId id="276"/>
+            <p14:sldId id="277"/>
             <p14:sldId id="270"/>
           </p14:sldIdLst>
         </p14:section>
@@ -215,7 +229,7 @@
             </a:lvl1pPr>
           </a:lstStyle>
           <a:p>
-            <a:endParaRPr lang="en-US"/>
+            <a:endParaRPr lang="en-US" dirty="0"/>
           </a:p>
         </p:txBody>
       </p:sp>
@@ -248,9 +262,9 @@
           <a:p>
             <a:fld id="{80D6C236-2D96-4B10-ADAE-6DEEABCAF7BE}" type="datetimeFigureOut">
               <a:rPr lang="en-US" smtClean="0"/>
-              <a:t>1/20/2019</a:t>
+              <a:t>1/21/2019</a:t>
             </a:fld>
-            <a:endParaRPr lang="en-US"/>
+            <a:endParaRPr lang="en-US" dirty="0"/>
           </a:p>
         </p:txBody>
       </p:sp>
@@ -283,7 +297,7 @@
           <a:bodyPr vert="horz" lIns="91440" tIns="45720" rIns="91440" bIns="45720" rtlCol="0" anchor="ctr"/>
           <a:lstStyle/>
           <a:p>
-            <a:endParaRPr lang="en-US"/>
+            <a:endParaRPr lang="en-US" dirty="0"/>
           </a:p>
         </p:txBody>
       </p:sp>
@@ -373,7 +387,7 @@
             </a:lvl1pPr>
           </a:lstStyle>
           <a:p>
-            <a:endParaRPr lang="en-US"/>
+            <a:endParaRPr lang="en-US" dirty="0"/>
           </a:p>
         </p:txBody>
       </p:sp>
@@ -408,7 +422,7 @@
               <a:rPr lang="en-US" smtClean="0"/>
               <a:t>‹#›</a:t>
             </a:fld>
-            <a:endParaRPr lang="en-US"/>
+            <a:endParaRPr lang="en-US" dirty="0"/>
           </a:p>
         </p:txBody>
       </p:sp>
@@ -600,7 +614,7 @@
               <a:rPr lang="en-US" smtClean="0"/>
               <a:t>2</a:t>
             </a:fld>
-            <a:endParaRPr lang="en-US"/>
+            <a:endParaRPr lang="en-US" dirty="0"/>
           </a:p>
         </p:txBody>
       </p:sp>
@@ -707,7 +721,7 @@
               <a:rPr lang="en-US" smtClean="0"/>
               <a:t>12</a:t>
             </a:fld>
-            <a:endParaRPr lang="en-US"/>
+            <a:endParaRPr lang="en-US" dirty="0"/>
           </a:p>
         </p:txBody>
       </p:sp>
@@ -803,7 +817,7 @@
               <a:rPr lang="en-US" smtClean="0"/>
               <a:t>13</a:t>
             </a:fld>
-            <a:endParaRPr lang="en-US"/>
+            <a:endParaRPr lang="en-US" dirty="0"/>
           </a:p>
         </p:txBody>
       </p:sp>
@@ -811,6 +825,225 @@
     <p:extLst>
       <p:ext uri="{BB962C8B-B14F-4D97-AF65-F5344CB8AC3E}">
         <p14:creationId xmlns:p14="http://schemas.microsoft.com/office/powerpoint/2010/main" val="1423236848"/>
+      </p:ext>
+    </p:extLst>
+  </p:cSld>
+  <p:clrMapOvr>
+    <a:masterClrMapping/>
+  </p:clrMapOvr>
+</p:notes>
+</file>
+
+<file path=ppt/notesSlides/notesSlide4.xml><?xml version="1.0" encoding="utf-8"?>
+<p:notes xmlns:a="http://schemas.openxmlformats.org/drawingml/2006/main" xmlns:r="http://schemas.openxmlformats.org/officeDocument/2006/relationships" xmlns:p="http://schemas.openxmlformats.org/presentationml/2006/main">
+  <p:cSld>
+    <p:spTree>
+      <p:nvGrpSpPr>
+        <p:cNvPr id="1" name=""/>
+        <p:cNvGrpSpPr/>
+        <p:nvPr/>
+      </p:nvGrpSpPr>
+      <p:grpSpPr>
+        <a:xfrm>
+          <a:off x="0" y="0"/>
+          <a:ext cx="0" cy="0"/>
+          <a:chOff x="0" y="0"/>
+          <a:chExt cx="0" cy="0"/>
+        </a:xfrm>
+      </p:grpSpPr>
+      <p:sp>
+        <p:nvSpPr>
+          <p:cNvPr id="2" name="Slide Image Placeholder 1"/>
+          <p:cNvSpPr>
+            <a:spLocks noGrp="1" noRot="1" noChangeAspect="1"/>
+          </p:cNvSpPr>
+          <p:nvPr>
+            <p:ph type="sldImg"/>
+          </p:nvPr>
+        </p:nvSpPr>
+        <p:spPr/>
+      </p:sp>
+      <p:sp>
+        <p:nvSpPr>
+          <p:cNvPr id="3" name="Notes Placeholder 2"/>
+          <p:cNvSpPr>
+            <a:spLocks noGrp="1"/>
+          </p:cNvSpPr>
+          <p:nvPr>
+            <p:ph type="body" idx="1"/>
+          </p:nvPr>
+        </p:nvSpPr>
+        <p:spPr/>
+        <p:txBody>
+          <a:bodyPr/>
+          <a:lstStyle/>
+          <a:p>
+            <a:pPr marL="0" marR="0" lvl="0" indent="0" algn="l" defTabSz="914400" rtl="0" eaLnBrk="1" fontAlgn="auto" latinLnBrk="0" hangingPunct="1">
+              <a:lnSpc>
+                <a:spcPct val="100000"/>
+              </a:lnSpc>
+              <a:spcBef>
+                <a:spcPts val="0"/>
+              </a:spcBef>
+              <a:spcAft>
+                <a:spcPts val="0"/>
+              </a:spcAft>
+              <a:buClrTx/>
+              <a:buSzTx/>
+              <a:buFontTx/>
+              <a:buNone/>
+              <a:tabLst/>
+              <a:defRPr/>
+            </a:pPr>
+            <a:r>
+              <a:rPr lang="en-US" dirty="0"/>
+              <a:t>Using the collect results function in the searchtweets library we are able to collect tweets . Using the function rule one can put together 1,2,3 or even more parameters to return tweets based on one’s preference, including but not limited to the parameters ; from, keyword, has:media, has:geo, has:video…</a:t>
+            </a:r>
+            <a:r>
+              <a:rPr lang="en-US" dirty="0" err="1"/>
+              <a:t>etc</a:t>
+            </a:r>
+            <a:endParaRPr lang="en-US" dirty="0"/>
+          </a:p>
+          <a:p>
+            <a:endParaRPr lang="en-US" dirty="0"/>
+          </a:p>
+        </p:txBody>
+      </p:sp>
+      <p:sp>
+        <p:nvSpPr>
+          <p:cNvPr id="4" name="Slide Number Placeholder 3"/>
+          <p:cNvSpPr>
+            <a:spLocks noGrp="1"/>
+          </p:cNvSpPr>
+          <p:nvPr>
+            <p:ph type="sldNum" sz="quarter" idx="5"/>
+          </p:nvPr>
+        </p:nvSpPr>
+        <p:spPr/>
+        <p:txBody>
+          <a:bodyPr/>
+          <a:lstStyle/>
+          <a:p>
+            <a:fld id="{E0D39E3B-C552-4F24-B71B-6018F8B445A7}" type="slidenum">
+              <a:rPr lang="en-US" smtClean="0"/>
+              <a:t>15</a:t>
+            </a:fld>
+            <a:endParaRPr lang="en-US"/>
+          </a:p>
+        </p:txBody>
+      </p:sp>
+    </p:spTree>
+    <p:extLst>
+      <p:ext uri="{BB962C8B-B14F-4D97-AF65-F5344CB8AC3E}">
+        <p14:creationId xmlns:p14="http://schemas.microsoft.com/office/powerpoint/2010/main" val="568073027"/>
+      </p:ext>
+    </p:extLst>
+  </p:cSld>
+  <p:clrMapOvr>
+    <a:masterClrMapping/>
+  </p:clrMapOvr>
+</p:notes>
+</file>
+
+<file path=ppt/notesSlides/notesSlide5.xml><?xml version="1.0" encoding="utf-8"?>
+<p:notes xmlns:a="http://schemas.openxmlformats.org/drawingml/2006/main" xmlns:r="http://schemas.openxmlformats.org/officeDocument/2006/relationships" xmlns:p="http://schemas.openxmlformats.org/presentationml/2006/main">
+  <p:cSld>
+    <p:spTree>
+      <p:nvGrpSpPr>
+        <p:cNvPr id="1" name=""/>
+        <p:cNvGrpSpPr/>
+        <p:nvPr/>
+      </p:nvGrpSpPr>
+      <p:grpSpPr>
+        <a:xfrm>
+          <a:off x="0" y="0"/>
+          <a:ext cx="0" cy="0"/>
+          <a:chOff x="0" y="0"/>
+          <a:chExt cx="0" cy="0"/>
+        </a:xfrm>
+      </p:grpSpPr>
+      <p:sp>
+        <p:nvSpPr>
+          <p:cNvPr id="2" name="Slide Image Placeholder 1"/>
+          <p:cNvSpPr>
+            <a:spLocks noGrp="1" noRot="1" noChangeAspect="1"/>
+          </p:cNvSpPr>
+          <p:nvPr>
+            <p:ph type="sldImg"/>
+          </p:nvPr>
+        </p:nvSpPr>
+        <p:spPr/>
+      </p:sp>
+      <p:sp>
+        <p:nvSpPr>
+          <p:cNvPr id="3" name="Notes Placeholder 2"/>
+          <p:cNvSpPr>
+            <a:spLocks noGrp="1"/>
+          </p:cNvSpPr>
+          <p:nvPr>
+            <p:ph type="body" idx="1"/>
+          </p:nvPr>
+        </p:nvSpPr>
+        <p:spPr/>
+        <p:txBody>
+          <a:bodyPr/>
+          <a:lstStyle/>
+          <a:p>
+            <a:pPr marL="0" marR="0" lvl="0" indent="0" algn="l" defTabSz="914400" rtl="0" eaLnBrk="1" fontAlgn="auto" latinLnBrk="0" hangingPunct="1">
+              <a:lnSpc>
+                <a:spcPct val="100000"/>
+              </a:lnSpc>
+              <a:spcBef>
+                <a:spcPts val="0"/>
+              </a:spcBef>
+              <a:spcAft>
+                <a:spcPts val="0"/>
+              </a:spcAft>
+              <a:buClrTx/>
+              <a:buSzTx/>
+              <a:buFontTx/>
+              <a:buNone/>
+              <a:tabLst/>
+              <a:defRPr/>
+            </a:pPr>
+            <a:r>
+              <a:rPr lang="en-US" dirty="0"/>
+              <a:t>This bar graph shows the number of tweets related to tornado watch or weather each day in November 2015. Starting at 0 up to 6000 tweets per day</a:t>
+            </a:r>
+          </a:p>
+          <a:p>
+            <a:endParaRPr lang="en-US" dirty="0"/>
+          </a:p>
+        </p:txBody>
+      </p:sp>
+      <p:sp>
+        <p:nvSpPr>
+          <p:cNvPr id="4" name="Slide Number Placeholder 3"/>
+          <p:cNvSpPr>
+            <a:spLocks noGrp="1"/>
+          </p:cNvSpPr>
+          <p:nvPr>
+            <p:ph type="sldNum" sz="quarter" idx="5"/>
+          </p:nvPr>
+        </p:nvSpPr>
+        <p:spPr/>
+        <p:txBody>
+          <a:bodyPr/>
+          <a:lstStyle/>
+          <a:p>
+            <a:fld id="{E0D39E3B-C552-4F24-B71B-6018F8B445A7}" type="slidenum">
+              <a:rPr lang="en-US" smtClean="0"/>
+              <a:t>18</a:t>
+            </a:fld>
+            <a:endParaRPr lang="en-US"/>
+          </a:p>
+        </p:txBody>
+      </p:sp>
+    </p:spTree>
+    <p:extLst>
+      <p:ext uri="{BB962C8B-B14F-4D97-AF65-F5344CB8AC3E}">
+        <p14:creationId xmlns:p14="http://schemas.microsoft.com/office/powerpoint/2010/main" val="615206336"/>
       </p:ext>
     </p:extLst>
   </p:cSld>
@@ -839,13 +1072,7 @@
       </p:grpSpPr>
       <p:sp>
         <p:nvSpPr>
-          <p:cNvPr id="2" name="Title 1">
-            <a:extLst>
-              <a:ext uri="{FF2B5EF4-FFF2-40B4-BE49-F238E27FC236}">
-                <a16:creationId xmlns:a16="http://schemas.microsoft.com/office/drawing/2014/main" id="{D375A573-99BC-6C45-AB85-EEDF35629ED4}"/>
-              </a:ext>
-            </a:extLst>
-          </p:cNvPr>
+          <p:cNvPr id="2" name="Title 1"/>
           <p:cNvSpPr>
             <a:spLocks noGrp="1"/>
           </p:cNvSpPr>
@@ -855,15 +1082,17 @@
         </p:nvSpPr>
         <p:spPr>
           <a:xfrm>
-            <a:off x="1524000" y="1122363"/>
-            <a:ext cx="9144000" cy="2387600"/>
+            <a:off x="2417779" y="802298"/>
+            <a:ext cx="8637073" cy="2541431"/>
           </a:xfrm>
         </p:spPr>
         <p:txBody>
-          <a:bodyPr anchor="b"/>
+          <a:bodyPr bIns="0" anchor="b">
+            <a:normAutofit/>
+          </a:bodyPr>
           <a:lstStyle>
-            <a:lvl1pPr algn="ctr">
-              <a:defRPr sz="6000"/>
+            <a:lvl1pPr algn="l">
+              <a:defRPr sz="6600"/>
             </a:lvl1pPr>
           </a:lstStyle>
           <a:p>
@@ -871,18 +1100,13 @@
               <a:rPr lang="en-US"/>
               <a:t>Click to edit Master title style</a:t>
             </a:r>
-          </a:p>
-        </p:txBody>
-      </p:sp>
-      <p:sp>
-        <p:nvSpPr>
-          <p:cNvPr id="3" name="Subtitle 2">
-            <a:extLst>
-              <a:ext uri="{FF2B5EF4-FFF2-40B4-BE49-F238E27FC236}">
-                <a16:creationId xmlns:a16="http://schemas.microsoft.com/office/drawing/2014/main" id="{2A8C3F08-C488-7D49-B802-F72B81FB433F}"/>
-              </a:ext>
-            </a:extLst>
-          </p:cNvPr>
+            <a:endParaRPr lang="en-US" dirty="0"/>
+          </a:p>
+        </p:txBody>
+      </p:sp>
+      <p:sp>
+        <p:nvSpPr>
+          <p:cNvPr id="3" name="Subtitle 2"/>
           <p:cNvSpPr>
             <a:spLocks noGrp="1"/>
           </p:cNvSpPr>
@@ -892,20 +1116,26 @@
         </p:nvSpPr>
         <p:spPr>
           <a:xfrm>
-            <a:off x="1524000" y="3602038"/>
-            <a:ext cx="9144000" cy="1655762"/>
+            <a:off x="2417780" y="3531204"/>
+            <a:ext cx="8637072" cy="977621"/>
           </a:xfrm>
         </p:spPr>
         <p:txBody>
-          <a:bodyPr/>
+          <a:bodyPr tIns="91440" bIns="91440">
+            <a:normAutofit/>
+          </a:bodyPr>
           <a:lstStyle>
-            <a:lvl1pPr marL="0" indent="0" algn="ctr">
+            <a:lvl1pPr marL="0" indent="0" algn="l">
               <a:buNone/>
-              <a:defRPr sz="2400"/>
+              <a:defRPr sz="1800" b="0" cap="all" baseline="0">
+                <a:solidFill>
+                  <a:schemeClr val="tx1"/>
+                </a:solidFill>
+              </a:defRPr>
             </a:lvl1pPr>
             <a:lvl2pPr marL="457200" indent="0" algn="ctr">
               <a:buNone/>
-              <a:defRPr sz="2000"/>
+              <a:defRPr sz="1800"/>
             </a:lvl2pPr>
             <a:lvl3pPr marL="914400" indent="0" algn="ctr">
               <a:buNone/>
@@ -941,18 +1171,13 @@
               <a:rPr lang="en-US"/>
               <a:t>Click to edit Master subtitle style</a:t>
             </a:r>
-          </a:p>
-        </p:txBody>
-      </p:sp>
-      <p:sp>
-        <p:nvSpPr>
-          <p:cNvPr id="4" name="Date Placeholder 3">
-            <a:extLst>
-              <a:ext uri="{FF2B5EF4-FFF2-40B4-BE49-F238E27FC236}">
-                <a16:creationId xmlns:a16="http://schemas.microsoft.com/office/drawing/2014/main" id="{A7B6B069-F2D1-A340-A395-AC0CFC892FE2}"/>
-              </a:ext>
-            </a:extLst>
-          </p:cNvPr>
+            <a:endParaRPr lang="en-US" dirty="0"/>
+          </a:p>
+        </p:txBody>
+      </p:sp>
+      <p:sp>
+        <p:nvSpPr>
+          <p:cNvPr id="4" name="Date Placeholder 3"/>
           <p:cNvSpPr>
             <a:spLocks noGrp="1"/>
           </p:cNvSpPr>
@@ -968,7 +1193,7 @@
             <a:fld id="{5923F103-BC34-4FE4-A40E-EDDEECFDA5D0}" type="datetimeFigureOut">
               <a:rPr lang="en-US" smtClean="0"/>
               <a:pPr/>
-              <a:t>1/19/2019</a:t>
+              <a:t>1/21/2019</a:t>
             </a:fld>
             <a:endParaRPr lang="en-US" dirty="0"/>
           </a:p>
@@ -976,13 +1201,7 @@
       </p:sp>
       <p:sp>
         <p:nvSpPr>
-          <p:cNvPr id="5" name="Footer Placeholder 4">
-            <a:extLst>
-              <a:ext uri="{FF2B5EF4-FFF2-40B4-BE49-F238E27FC236}">
-                <a16:creationId xmlns:a16="http://schemas.microsoft.com/office/drawing/2014/main" id="{2C4D415F-DBD1-C74A-8EFB-03661FD61CA8}"/>
-              </a:ext>
-            </a:extLst>
-          </p:cNvPr>
+          <p:cNvPr id="5" name="Footer Placeholder 4"/>
           <p:cNvSpPr>
             <a:spLocks noGrp="1"/>
           </p:cNvSpPr>
@@ -990,7 +1209,12 @@
             <p:ph type="ftr" sz="quarter" idx="11"/>
           </p:nvPr>
         </p:nvSpPr>
-        <p:spPr/>
+        <p:spPr>
+          <a:xfrm>
+            <a:off x="2416500" y="329307"/>
+            <a:ext cx="4973915" cy="309201"/>
+          </a:xfrm>
+        </p:spPr>
         <p:txBody>
           <a:bodyPr/>
           <a:lstStyle/>
@@ -1001,13 +1225,7 @@
       </p:sp>
       <p:sp>
         <p:nvSpPr>
-          <p:cNvPr id="6" name="Slide Number Placeholder 5">
-            <a:extLst>
-              <a:ext uri="{FF2B5EF4-FFF2-40B4-BE49-F238E27FC236}">
-                <a16:creationId xmlns:a16="http://schemas.microsoft.com/office/drawing/2014/main" id="{B064388E-BED8-F24A-814F-5B8B19342F47}"/>
-              </a:ext>
-            </a:extLst>
-          </p:cNvPr>
+          <p:cNvPr id="6" name="Slide Number Placeholder 5"/>
           <p:cNvSpPr>
             <a:spLocks noGrp="1"/>
           </p:cNvSpPr>
@@ -1015,7 +1233,12 @@
             <p:ph type="sldNum" sz="quarter" idx="12"/>
           </p:nvPr>
         </p:nvSpPr>
-        <p:spPr/>
+        <p:spPr>
+          <a:xfrm>
+            <a:off x="1437664" y="798973"/>
+            <a:ext cx="811019" cy="503578"/>
+          </a:xfrm>
+        </p:spPr>
         <p:txBody>
           <a:bodyPr/>
           <a:lstStyle/>
@@ -1029,10 +1252,41 @@
           </a:p>
         </p:txBody>
       </p:sp>
+      <p:cxnSp>
+        <p:nvCxnSpPr>
+          <p:cNvPr id="15" name="Straight Connector 14"/>
+          <p:cNvCxnSpPr/>
+          <p:nvPr/>
+        </p:nvCxnSpPr>
+        <p:spPr>
+          <a:xfrm>
+            <a:off x="2417780" y="3528542"/>
+            <a:ext cx="8637072" cy="0"/>
+          </a:xfrm>
+          <a:prstGeom prst="line">
+            <a:avLst/>
+          </a:prstGeom>
+          <a:ln w="31750"/>
+        </p:spPr>
+        <p:style>
+          <a:lnRef idx="3">
+            <a:schemeClr val="accent1"/>
+          </a:lnRef>
+          <a:fillRef idx="0">
+            <a:schemeClr val="accent1"/>
+          </a:fillRef>
+          <a:effectRef idx="2">
+            <a:schemeClr val="accent1"/>
+          </a:effectRef>
+          <a:fontRef idx="minor">
+            <a:schemeClr val="tx1"/>
+          </a:fontRef>
+        </p:style>
+      </p:cxnSp>
     </p:spTree>
     <p:extLst>
       <p:ext uri="{BB962C8B-B14F-4D97-AF65-F5344CB8AC3E}">
-        <p14:creationId xmlns:p14="http://schemas.microsoft.com/office/powerpoint/2010/main" val="3235300619"/>
+        <p14:creationId xmlns:p14="http://schemas.microsoft.com/office/powerpoint/2010/main" val="249831142"/>
       </p:ext>
     </p:extLst>
   </p:cSld>
@@ -1061,13 +1315,7 @@
       </p:grpSpPr>
       <p:sp>
         <p:nvSpPr>
-          <p:cNvPr id="2" name="Title 1">
-            <a:extLst>
-              <a:ext uri="{FF2B5EF4-FFF2-40B4-BE49-F238E27FC236}">
-                <a16:creationId xmlns:a16="http://schemas.microsoft.com/office/drawing/2014/main" id="{FB89DE1C-AE1C-9842-B6D7-37AB17658ADA}"/>
-              </a:ext>
-            </a:extLst>
-          </p:cNvPr>
+          <p:cNvPr id="2" name="Title 1"/>
           <p:cNvSpPr>
             <a:spLocks noGrp="1"/>
           </p:cNvSpPr>
@@ -1084,18 +1332,13 @@
               <a:rPr lang="en-US"/>
               <a:t>Click to edit Master title style</a:t>
             </a:r>
-          </a:p>
-        </p:txBody>
-      </p:sp>
-      <p:sp>
-        <p:nvSpPr>
-          <p:cNvPr id="3" name="Vertical Text Placeholder 2">
-            <a:extLst>
-              <a:ext uri="{FF2B5EF4-FFF2-40B4-BE49-F238E27FC236}">
-                <a16:creationId xmlns:a16="http://schemas.microsoft.com/office/drawing/2014/main" id="{B2844982-F0C5-8B41-AB78-54A2691CBB0C}"/>
-              </a:ext>
-            </a:extLst>
-          </p:cNvPr>
+            <a:endParaRPr lang="en-US" dirty="0"/>
+          </a:p>
+        </p:txBody>
+      </p:sp>
+      <p:sp>
+        <p:nvSpPr>
+          <p:cNvPr id="3" name="Vertical Text Placeholder 2"/>
           <p:cNvSpPr>
             <a:spLocks noGrp="1"/>
           </p:cNvSpPr>
@@ -1141,18 +1384,13 @@
               <a:rPr lang="en-US"/>
               <a:t>Fifth level</a:t>
             </a:r>
-          </a:p>
-        </p:txBody>
-      </p:sp>
-      <p:sp>
-        <p:nvSpPr>
-          <p:cNvPr id="4" name="Date Placeholder 3">
-            <a:extLst>
-              <a:ext uri="{FF2B5EF4-FFF2-40B4-BE49-F238E27FC236}">
-                <a16:creationId xmlns:a16="http://schemas.microsoft.com/office/drawing/2014/main" id="{65809F06-4C76-C248-9797-F8032510C940}"/>
-              </a:ext>
-            </a:extLst>
-          </p:cNvPr>
+            <a:endParaRPr lang="en-US" dirty="0"/>
+          </a:p>
+        </p:txBody>
+      </p:sp>
+      <p:sp>
+        <p:nvSpPr>
+          <p:cNvPr id="4" name="Date Placeholder 3"/>
           <p:cNvSpPr>
             <a:spLocks noGrp="1"/>
           </p:cNvSpPr>
@@ -1167,7 +1405,7 @@
           <a:p>
             <a:fld id="{53086D93-FCAC-47E0-A2EE-787E62CA814C}" type="datetimeFigureOut">
               <a:rPr lang="en-US" smtClean="0"/>
-              <a:t>1/19/2019</a:t>
+              <a:t>1/21/2019</a:t>
             </a:fld>
             <a:endParaRPr lang="en-US" dirty="0"/>
           </a:p>
@@ -1175,13 +1413,7 @@
       </p:sp>
       <p:sp>
         <p:nvSpPr>
-          <p:cNvPr id="5" name="Footer Placeholder 4">
-            <a:extLst>
-              <a:ext uri="{FF2B5EF4-FFF2-40B4-BE49-F238E27FC236}">
-                <a16:creationId xmlns:a16="http://schemas.microsoft.com/office/drawing/2014/main" id="{88E19597-CE69-AF4B-B3CE-88EBA629B491}"/>
-              </a:ext>
-            </a:extLst>
-          </p:cNvPr>
+          <p:cNvPr id="5" name="Footer Placeholder 4"/>
           <p:cNvSpPr>
             <a:spLocks noGrp="1"/>
           </p:cNvSpPr>
@@ -1200,13 +1432,7 @@
       </p:sp>
       <p:sp>
         <p:nvSpPr>
-          <p:cNvPr id="6" name="Slide Number Placeholder 5">
-            <a:extLst>
-              <a:ext uri="{FF2B5EF4-FFF2-40B4-BE49-F238E27FC236}">
-                <a16:creationId xmlns:a16="http://schemas.microsoft.com/office/drawing/2014/main" id="{F6A4E5C5-1D0B-4D48-965C-A623374C5DF4}"/>
-              </a:ext>
-            </a:extLst>
-          </p:cNvPr>
+          <p:cNvPr id="6" name="Slide Number Placeholder 5"/>
           <p:cNvSpPr>
             <a:spLocks noGrp="1"/>
           </p:cNvSpPr>
@@ -1228,10 +1454,41 @@
           </a:p>
         </p:txBody>
       </p:sp>
+      <p:cxnSp>
+        <p:nvCxnSpPr>
+          <p:cNvPr id="26" name="Straight Connector 25"/>
+          <p:cNvCxnSpPr/>
+          <p:nvPr/>
+        </p:nvCxnSpPr>
+        <p:spPr>
+          <a:xfrm>
+            <a:off x="1453896" y="1847088"/>
+            <a:ext cx="9607522" cy="0"/>
+          </a:xfrm>
+          <a:prstGeom prst="line">
+            <a:avLst/>
+          </a:prstGeom>
+          <a:ln w="31750"/>
+        </p:spPr>
+        <p:style>
+          <a:lnRef idx="3">
+            <a:schemeClr val="accent1"/>
+          </a:lnRef>
+          <a:fillRef idx="0">
+            <a:schemeClr val="accent1"/>
+          </a:fillRef>
+          <a:effectRef idx="2">
+            <a:schemeClr val="accent1"/>
+          </a:effectRef>
+          <a:fontRef idx="minor">
+            <a:schemeClr val="tx1"/>
+          </a:fontRef>
+        </p:style>
+      </p:cxnSp>
     </p:spTree>
     <p:extLst>
       <p:ext uri="{BB962C8B-B14F-4D97-AF65-F5344CB8AC3E}">
-        <p14:creationId xmlns:p14="http://schemas.microsoft.com/office/powerpoint/2010/main" val="1664544506"/>
+        <p14:creationId xmlns:p14="http://schemas.microsoft.com/office/powerpoint/2010/main" val="970753796"/>
       </p:ext>
     </p:extLst>
   </p:cSld>
@@ -1260,13 +1517,7 @@
       </p:grpSpPr>
       <p:sp>
         <p:nvSpPr>
-          <p:cNvPr id="2" name="Vertical Title 1">
-            <a:extLst>
-              <a:ext uri="{FF2B5EF4-FFF2-40B4-BE49-F238E27FC236}">
-                <a16:creationId xmlns:a16="http://schemas.microsoft.com/office/drawing/2014/main" id="{62AC64AF-AD26-A946-8864-09199747F19B}"/>
-              </a:ext>
-            </a:extLst>
-          </p:cNvPr>
+          <p:cNvPr id="2" name="Vertical Title 1"/>
           <p:cNvSpPr>
             <a:spLocks noGrp="1"/>
           </p:cNvSpPr>
@@ -1276,30 +1527,29 @@
         </p:nvSpPr>
         <p:spPr>
           <a:xfrm>
-            <a:off x="8724900" y="365125"/>
-            <a:ext cx="2628900" cy="5811838"/>
+            <a:off x="9439111" y="798973"/>
+            <a:ext cx="1615742" cy="4659889"/>
           </a:xfrm>
         </p:spPr>
         <p:txBody>
           <a:bodyPr vert="eaVert"/>
-          <a:lstStyle/>
+          <a:lstStyle>
+            <a:lvl1pPr algn="l">
+              <a:defRPr/>
+            </a:lvl1pPr>
+          </a:lstStyle>
           <a:p>
             <a:r>
               <a:rPr lang="en-US"/>
               <a:t>Click to edit Master title style</a:t>
             </a:r>
-          </a:p>
-        </p:txBody>
-      </p:sp>
-      <p:sp>
-        <p:nvSpPr>
-          <p:cNvPr id="3" name="Vertical Text Placeholder 2">
-            <a:extLst>
-              <a:ext uri="{FF2B5EF4-FFF2-40B4-BE49-F238E27FC236}">
-                <a16:creationId xmlns:a16="http://schemas.microsoft.com/office/drawing/2014/main" id="{D3537BCB-80F1-A84A-8CE2-5D0898A8819B}"/>
-              </a:ext>
-            </a:extLst>
-          </p:cNvPr>
+            <a:endParaRPr lang="en-US" dirty="0"/>
+          </a:p>
+        </p:txBody>
+      </p:sp>
+      <p:sp>
+        <p:nvSpPr>
+          <p:cNvPr id="3" name="Vertical Text Placeholder 2"/>
           <p:cNvSpPr>
             <a:spLocks noGrp="1"/>
           </p:cNvSpPr>
@@ -1309,8 +1559,8 @@
         </p:nvSpPr>
         <p:spPr>
           <a:xfrm>
-            <a:off x="838200" y="365125"/>
-            <a:ext cx="7734300" cy="5811838"/>
+            <a:off x="1444672" y="798973"/>
+            <a:ext cx="7828830" cy="4659889"/>
           </a:xfrm>
         </p:spPr>
         <p:txBody>
@@ -1350,18 +1600,13 @@
               <a:rPr lang="en-US"/>
               <a:t>Fifth level</a:t>
             </a:r>
-          </a:p>
-        </p:txBody>
-      </p:sp>
-      <p:sp>
-        <p:nvSpPr>
-          <p:cNvPr id="4" name="Date Placeholder 3">
-            <a:extLst>
-              <a:ext uri="{FF2B5EF4-FFF2-40B4-BE49-F238E27FC236}">
-                <a16:creationId xmlns:a16="http://schemas.microsoft.com/office/drawing/2014/main" id="{8BB48536-B3C3-CC4C-918F-78258B69E37A}"/>
-              </a:ext>
-            </a:extLst>
-          </p:cNvPr>
+            <a:endParaRPr lang="en-US" dirty="0"/>
+          </a:p>
+        </p:txBody>
+      </p:sp>
+      <p:sp>
+        <p:nvSpPr>
+          <p:cNvPr id="4" name="Date Placeholder 3"/>
           <p:cNvSpPr>
             <a:spLocks noGrp="1"/>
           </p:cNvSpPr>
@@ -1376,7 +1621,7 @@
           <a:p>
             <a:fld id="{CDA879A6-0FD0-4734-A311-86BFCA472E6E}" type="datetimeFigureOut">
               <a:rPr lang="en-US" smtClean="0"/>
-              <a:t>1/19/2019</a:t>
+              <a:t>1/21/2019</a:t>
             </a:fld>
             <a:endParaRPr lang="en-US" dirty="0"/>
           </a:p>
@@ -1384,13 +1629,7 @@
       </p:sp>
       <p:sp>
         <p:nvSpPr>
-          <p:cNvPr id="5" name="Footer Placeholder 4">
-            <a:extLst>
-              <a:ext uri="{FF2B5EF4-FFF2-40B4-BE49-F238E27FC236}">
-                <a16:creationId xmlns:a16="http://schemas.microsoft.com/office/drawing/2014/main" id="{3359C87F-7738-3943-9ED4-F99D1A38DC94}"/>
-              </a:ext>
-            </a:extLst>
-          </p:cNvPr>
+          <p:cNvPr id="5" name="Footer Placeholder 4"/>
           <p:cNvSpPr>
             <a:spLocks noGrp="1"/>
           </p:cNvSpPr>
@@ -1409,13 +1648,7 @@
       </p:sp>
       <p:sp>
         <p:nvSpPr>
-          <p:cNvPr id="6" name="Slide Number Placeholder 5">
-            <a:extLst>
-              <a:ext uri="{FF2B5EF4-FFF2-40B4-BE49-F238E27FC236}">
-                <a16:creationId xmlns:a16="http://schemas.microsoft.com/office/drawing/2014/main" id="{B0F9468B-5232-5140-A6AE-367FE76C5BAC}"/>
-              </a:ext>
-            </a:extLst>
-          </p:cNvPr>
+          <p:cNvPr id="6" name="Slide Number Placeholder 5"/>
           <p:cNvSpPr>
             <a:spLocks noGrp="1"/>
           </p:cNvSpPr>
@@ -1437,10 +1670,41 @@
           </a:p>
         </p:txBody>
       </p:sp>
+      <p:cxnSp>
+        <p:nvCxnSpPr>
+          <p:cNvPr id="15" name="Straight Connector 14"/>
+          <p:cNvCxnSpPr/>
+          <p:nvPr/>
+        </p:nvCxnSpPr>
+        <p:spPr>
+          <a:xfrm>
+            <a:off x="9439111" y="798973"/>
+            <a:ext cx="0" cy="4659889"/>
+          </a:xfrm>
+          <a:prstGeom prst="line">
+            <a:avLst/>
+          </a:prstGeom>
+          <a:ln w="31750"/>
+        </p:spPr>
+        <p:style>
+          <a:lnRef idx="3">
+            <a:schemeClr val="accent1"/>
+          </a:lnRef>
+          <a:fillRef idx="0">
+            <a:schemeClr val="accent1"/>
+          </a:fillRef>
+          <a:effectRef idx="2">
+            <a:schemeClr val="accent1"/>
+          </a:effectRef>
+          <a:fontRef idx="minor">
+            <a:schemeClr val="tx1"/>
+          </a:fontRef>
+        </p:style>
+      </p:cxnSp>
     </p:spTree>
     <p:extLst>
       <p:ext uri="{BB962C8B-B14F-4D97-AF65-F5344CB8AC3E}">
-        <p14:creationId xmlns:p14="http://schemas.microsoft.com/office/powerpoint/2010/main" val="2980434105"/>
+        <p14:creationId xmlns:p14="http://schemas.microsoft.com/office/powerpoint/2010/main" val="979195236"/>
       </p:ext>
     </p:extLst>
   </p:cSld>
@@ -1469,13 +1733,7 @@
       </p:grpSpPr>
       <p:sp>
         <p:nvSpPr>
-          <p:cNvPr id="2" name="Title 1">
-            <a:extLst>
-              <a:ext uri="{FF2B5EF4-FFF2-40B4-BE49-F238E27FC236}">
-                <a16:creationId xmlns:a16="http://schemas.microsoft.com/office/drawing/2014/main" id="{0D0EDD33-543B-D04E-969E-C0C0C423E901}"/>
-              </a:ext>
-            </a:extLst>
-          </p:cNvPr>
+          <p:cNvPr id="2" name="Title 1"/>
           <p:cNvSpPr>
             <a:spLocks noGrp="1"/>
           </p:cNvSpPr>
@@ -1492,18 +1750,13 @@
               <a:rPr lang="en-US"/>
               <a:t>Click to edit Master title style</a:t>
             </a:r>
-          </a:p>
-        </p:txBody>
-      </p:sp>
-      <p:sp>
-        <p:nvSpPr>
-          <p:cNvPr id="3" name="Content Placeholder 2">
-            <a:extLst>
-              <a:ext uri="{FF2B5EF4-FFF2-40B4-BE49-F238E27FC236}">
-                <a16:creationId xmlns:a16="http://schemas.microsoft.com/office/drawing/2014/main" id="{BBBB9857-D263-484F-832B-6DDD2EB5C641}"/>
-              </a:ext>
-            </a:extLst>
-          </p:cNvPr>
+            <a:endParaRPr lang="en-US" dirty="0"/>
+          </a:p>
+        </p:txBody>
+      </p:sp>
+      <p:sp>
+        <p:nvSpPr>
+          <p:cNvPr id="3" name="Content Placeholder 2"/>
           <p:cNvSpPr>
             <a:spLocks noGrp="1"/>
           </p:cNvSpPr>
@@ -1513,7 +1766,7 @@
         </p:nvSpPr>
         <p:spPr/>
         <p:txBody>
-          <a:bodyPr/>
+          <a:bodyPr anchor="t"/>
           <a:lstStyle/>
           <a:p>
             <a:pPr lvl="0"/>
@@ -1549,18 +1802,13 @@
               <a:rPr lang="en-US"/>
               <a:t>Fifth level</a:t>
             </a:r>
-          </a:p>
-        </p:txBody>
-      </p:sp>
-      <p:sp>
-        <p:nvSpPr>
-          <p:cNvPr id="4" name="Date Placeholder 3">
-            <a:extLst>
-              <a:ext uri="{FF2B5EF4-FFF2-40B4-BE49-F238E27FC236}">
-                <a16:creationId xmlns:a16="http://schemas.microsoft.com/office/drawing/2014/main" id="{733D0856-1232-204E-A275-39E7A6D876BB}"/>
-              </a:ext>
-            </a:extLst>
-          </p:cNvPr>
+            <a:endParaRPr lang="en-US" dirty="0"/>
+          </a:p>
+        </p:txBody>
+      </p:sp>
+      <p:sp>
+        <p:nvSpPr>
+          <p:cNvPr id="4" name="Date Placeholder 3"/>
           <p:cNvSpPr>
             <a:spLocks noGrp="1"/>
           </p:cNvSpPr>
@@ -1575,7 +1823,7 @@
           <a:p>
             <a:fld id="{19C9CA7B-DFD4-44B5-8C60-D14B8CD1FB59}" type="datetimeFigureOut">
               <a:rPr lang="en-US" smtClean="0"/>
-              <a:t>1/19/2019</a:t>
+              <a:t>1/21/2019</a:t>
             </a:fld>
             <a:endParaRPr lang="en-US" dirty="0"/>
           </a:p>
@@ -1583,13 +1831,7 @@
       </p:sp>
       <p:sp>
         <p:nvSpPr>
-          <p:cNvPr id="5" name="Footer Placeholder 4">
-            <a:extLst>
-              <a:ext uri="{FF2B5EF4-FFF2-40B4-BE49-F238E27FC236}">
-                <a16:creationId xmlns:a16="http://schemas.microsoft.com/office/drawing/2014/main" id="{946F8D0D-9332-934F-895E-BB5E0DDC574E}"/>
-              </a:ext>
-            </a:extLst>
-          </p:cNvPr>
+          <p:cNvPr id="5" name="Footer Placeholder 4"/>
           <p:cNvSpPr>
             <a:spLocks noGrp="1"/>
           </p:cNvSpPr>
@@ -1608,13 +1850,7 @@
       </p:sp>
       <p:sp>
         <p:nvSpPr>
-          <p:cNvPr id="6" name="Slide Number Placeholder 5">
-            <a:extLst>
-              <a:ext uri="{FF2B5EF4-FFF2-40B4-BE49-F238E27FC236}">
-                <a16:creationId xmlns:a16="http://schemas.microsoft.com/office/drawing/2014/main" id="{769163C1-E7EB-7C4C-89A5-8344D0053EBE}"/>
-              </a:ext>
-            </a:extLst>
-          </p:cNvPr>
+          <p:cNvPr id="6" name="Slide Number Placeholder 5"/>
           <p:cNvSpPr>
             <a:spLocks noGrp="1"/>
           </p:cNvSpPr>
@@ -1636,10 +1872,41 @@
           </a:p>
         </p:txBody>
       </p:sp>
+      <p:cxnSp>
+        <p:nvCxnSpPr>
+          <p:cNvPr id="33" name="Straight Connector 32"/>
+          <p:cNvCxnSpPr/>
+          <p:nvPr/>
+        </p:nvCxnSpPr>
+        <p:spPr>
+          <a:xfrm>
+            <a:off x="1453896" y="1847088"/>
+            <a:ext cx="9607522" cy="0"/>
+          </a:xfrm>
+          <a:prstGeom prst="line">
+            <a:avLst/>
+          </a:prstGeom>
+          <a:ln w="31750"/>
+        </p:spPr>
+        <p:style>
+          <a:lnRef idx="3">
+            <a:schemeClr val="accent1"/>
+          </a:lnRef>
+          <a:fillRef idx="0">
+            <a:schemeClr val="accent1"/>
+          </a:fillRef>
+          <a:effectRef idx="2">
+            <a:schemeClr val="accent1"/>
+          </a:effectRef>
+          <a:fontRef idx="minor">
+            <a:schemeClr val="tx1"/>
+          </a:fontRef>
+        </p:style>
+      </p:cxnSp>
     </p:spTree>
     <p:extLst>
       <p:ext uri="{BB962C8B-B14F-4D97-AF65-F5344CB8AC3E}">
-        <p14:creationId xmlns:p14="http://schemas.microsoft.com/office/powerpoint/2010/main" val="2717906982"/>
+        <p14:creationId xmlns:p14="http://schemas.microsoft.com/office/powerpoint/2010/main" val="368723540"/>
       </p:ext>
     </p:extLst>
   </p:cSld>
@@ -1668,13 +1935,7 @@
       </p:grpSpPr>
       <p:sp>
         <p:nvSpPr>
-          <p:cNvPr id="2" name="Title 1">
-            <a:extLst>
-              <a:ext uri="{FF2B5EF4-FFF2-40B4-BE49-F238E27FC236}">
-                <a16:creationId xmlns:a16="http://schemas.microsoft.com/office/drawing/2014/main" id="{3C07B766-E5FA-8A4F-80B9-A4605022F9E4}"/>
-              </a:ext>
-            </a:extLst>
-          </p:cNvPr>
+          <p:cNvPr id="2" name="Title 1"/>
           <p:cNvSpPr>
             <a:spLocks noGrp="1"/>
           </p:cNvSpPr>
@@ -1684,15 +1945,17 @@
         </p:nvSpPr>
         <p:spPr>
           <a:xfrm>
-            <a:off x="831850" y="1709738"/>
-            <a:ext cx="10515600" cy="2852737"/>
+            <a:off x="1454239" y="1756130"/>
+            <a:ext cx="8643154" cy="1887950"/>
           </a:xfrm>
         </p:spPr>
         <p:txBody>
-          <a:bodyPr anchor="b"/>
+          <a:bodyPr anchor="b">
+            <a:normAutofit/>
+          </a:bodyPr>
           <a:lstStyle>
-            <a:lvl1pPr>
-              <a:defRPr sz="6000"/>
+            <a:lvl1pPr algn="l">
+              <a:defRPr sz="3600"/>
             </a:lvl1pPr>
           </a:lstStyle>
           <a:p>
@@ -1700,18 +1963,13 @@
               <a:rPr lang="en-US"/>
               <a:t>Click to edit Master title style</a:t>
             </a:r>
-          </a:p>
-        </p:txBody>
-      </p:sp>
-      <p:sp>
-        <p:nvSpPr>
-          <p:cNvPr id="3" name="Text Placeholder 2">
-            <a:extLst>
-              <a:ext uri="{FF2B5EF4-FFF2-40B4-BE49-F238E27FC236}">
-                <a16:creationId xmlns:a16="http://schemas.microsoft.com/office/drawing/2014/main" id="{DD21F90F-A0BE-0E40-B54B-9636F6DB66D7}"/>
-              </a:ext>
-            </a:extLst>
-          </p:cNvPr>
+            <a:endParaRPr lang="en-US" dirty="0"/>
+          </a:p>
+        </p:txBody>
+      </p:sp>
+      <p:sp>
+        <p:nvSpPr>
+          <p:cNvPr id="3" name="Text Placeholder 2"/>
           <p:cNvSpPr>
             <a:spLocks noGrp="1"/>
           </p:cNvSpPr>
@@ -1721,26 +1979,26 @@
         </p:nvSpPr>
         <p:spPr>
           <a:xfrm>
-            <a:off x="831850" y="4589463"/>
-            <a:ext cx="10515600" cy="1500187"/>
+            <a:off x="1454239" y="3806195"/>
+            <a:ext cx="8630446" cy="1012929"/>
           </a:xfrm>
         </p:spPr>
         <p:txBody>
-          <a:bodyPr/>
+          <a:bodyPr tIns="91440">
+            <a:normAutofit/>
+          </a:bodyPr>
           <a:lstStyle>
-            <a:lvl1pPr marL="0" indent="0">
+            <a:lvl1pPr marL="0" indent="0" algn="l">
               <a:buNone/>
-              <a:defRPr sz="2400">
+              <a:defRPr sz="1800">
                 <a:solidFill>
-                  <a:schemeClr val="tx1">
-                    <a:tint val="75000"/>
-                  </a:schemeClr>
+                  <a:schemeClr val="tx1"/>
                 </a:solidFill>
               </a:defRPr>
             </a:lvl1pPr>
             <a:lvl2pPr marL="457200" indent="0">
               <a:buNone/>
-              <a:defRPr sz="2000">
+              <a:defRPr sz="1800">
                 <a:solidFill>
                   <a:schemeClr val="tx1">
                     <a:tint val="75000"/>
@@ -1830,13 +2088,7 @@
       </p:sp>
       <p:sp>
         <p:nvSpPr>
-          <p:cNvPr id="4" name="Date Placeholder 3">
-            <a:extLst>
-              <a:ext uri="{FF2B5EF4-FFF2-40B4-BE49-F238E27FC236}">
-                <a16:creationId xmlns:a16="http://schemas.microsoft.com/office/drawing/2014/main" id="{8DE8B20E-2FC7-854C-9214-A786FA877921}"/>
-              </a:ext>
-            </a:extLst>
-          </p:cNvPr>
+          <p:cNvPr id="4" name="Date Placeholder 3"/>
           <p:cNvSpPr>
             <a:spLocks noGrp="1"/>
           </p:cNvSpPr>
@@ -1851,7 +2103,7 @@
           <a:p>
             <a:fld id="{F34E6425-0181-43F2-84FC-787E803FD2F8}" type="datetimeFigureOut">
               <a:rPr lang="en-US" smtClean="0"/>
-              <a:t>1/19/2019</a:t>
+              <a:t>1/21/2019</a:t>
             </a:fld>
             <a:endParaRPr lang="en-US" dirty="0"/>
           </a:p>
@@ -1859,13 +2111,7 @@
       </p:sp>
       <p:sp>
         <p:nvSpPr>
-          <p:cNvPr id="5" name="Footer Placeholder 4">
-            <a:extLst>
-              <a:ext uri="{FF2B5EF4-FFF2-40B4-BE49-F238E27FC236}">
-                <a16:creationId xmlns:a16="http://schemas.microsoft.com/office/drawing/2014/main" id="{237DDB92-90EA-1C4B-A456-3A62C5FF478E}"/>
-              </a:ext>
-            </a:extLst>
-          </p:cNvPr>
+          <p:cNvPr id="5" name="Footer Placeholder 4"/>
           <p:cNvSpPr>
             <a:spLocks noGrp="1"/>
           </p:cNvSpPr>
@@ -1884,13 +2130,7 @@
       </p:sp>
       <p:sp>
         <p:nvSpPr>
-          <p:cNvPr id="6" name="Slide Number Placeholder 5">
-            <a:extLst>
-              <a:ext uri="{FF2B5EF4-FFF2-40B4-BE49-F238E27FC236}">
-                <a16:creationId xmlns:a16="http://schemas.microsoft.com/office/drawing/2014/main" id="{366B24DC-5762-9548-BAF5-67508ABB083C}"/>
-              </a:ext>
-            </a:extLst>
-          </p:cNvPr>
+          <p:cNvPr id="6" name="Slide Number Placeholder 5"/>
           <p:cNvSpPr>
             <a:spLocks noGrp="1"/>
           </p:cNvSpPr>
@@ -1912,10 +2152,41 @@
           </a:p>
         </p:txBody>
       </p:sp>
+      <p:cxnSp>
+        <p:nvCxnSpPr>
+          <p:cNvPr id="15" name="Straight Connector 14"/>
+          <p:cNvCxnSpPr/>
+          <p:nvPr/>
+        </p:nvCxnSpPr>
+        <p:spPr>
+          <a:xfrm>
+            <a:off x="1454239" y="3804985"/>
+            <a:ext cx="8630446" cy="0"/>
+          </a:xfrm>
+          <a:prstGeom prst="line">
+            <a:avLst/>
+          </a:prstGeom>
+          <a:ln w="31750"/>
+        </p:spPr>
+        <p:style>
+          <a:lnRef idx="3">
+            <a:schemeClr val="accent1"/>
+          </a:lnRef>
+          <a:fillRef idx="0">
+            <a:schemeClr val="accent1"/>
+          </a:fillRef>
+          <a:effectRef idx="2">
+            <a:schemeClr val="accent1"/>
+          </a:effectRef>
+          <a:fontRef idx="minor">
+            <a:schemeClr val="tx1"/>
+          </a:fontRef>
+        </p:style>
+      </p:cxnSp>
     </p:spTree>
     <p:extLst>
       <p:ext uri="{BB962C8B-B14F-4D97-AF65-F5344CB8AC3E}">
-        <p14:creationId xmlns:p14="http://schemas.microsoft.com/office/powerpoint/2010/main" val="3181349070"/>
+        <p14:creationId xmlns:p14="http://schemas.microsoft.com/office/powerpoint/2010/main" val="2657871042"/>
       </p:ext>
     </p:extLst>
   </p:cSld>
@@ -1944,13 +2215,7 @@
       </p:grpSpPr>
       <p:sp>
         <p:nvSpPr>
-          <p:cNvPr id="2" name="Title 1">
-            <a:extLst>
-              <a:ext uri="{FF2B5EF4-FFF2-40B4-BE49-F238E27FC236}">
-                <a16:creationId xmlns:a16="http://schemas.microsoft.com/office/drawing/2014/main" id="{B6EC470E-AAD2-D240-93BB-DB1E9F2ACC5B}"/>
-              </a:ext>
-            </a:extLst>
-          </p:cNvPr>
+          <p:cNvPr id="2" name="Title 1"/>
           <p:cNvSpPr>
             <a:spLocks noGrp="1"/>
           </p:cNvSpPr>
@@ -1958,7 +2223,12 @@
             <p:ph type="title"/>
           </p:nvPr>
         </p:nvSpPr>
-        <p:spPr/>
+        <p:spPr>
+          <a:xfrm>
+            <a:off x="1449217" y="804889"/>
+            <a:ext cx="9605635" cy="1059305"/>
+          </a:xfrm>
+        </p:spPr>
         <p:txBody>
           <a:bodyPr/>
           <a:lstStyle/>
@@ -1967,18 +2237,13 @@
               <a:rPr lang="en-US"/>
               <a:t>Click to edit Master title style</a:t>
             </a:r>
-          </a:p>
-        </p:txBody>
-      </p:sp>
-      <p:sp>
-        <p:nvSpPr>
-          <p:cNvPr id="3" name="Content Placeholder 2">
-            <a:extLst>
-              <a:ext uri="{FF2B5EF4-FFF2-40B4-BE49-F238E27FC236}">
-                <a16:creationId xmlns:a16="http://schemas.microsoft.com/office/drawing/2014/main" id="{CBF55EE2-4BAD-3841-810A-58F52406CB0F}"/>
-              </a:ext>
-            </a:extLst>
-          </p:cNvPr>
+            <a:endParaRPr lang="en-US" dirty="0"/>
+          </a:p>
+        </p:txBody>
+      </p:sp>
+      <p:sp>
+        <p:nvSpPr>
+          <p:cNvPr id="3" name="Content Placeholder 2"/>
           <p:cNvSpPr>
             <a:spLocks noGrp="1"/>
           </p:cNvSpPr>
@@ -1988,8 +2253,8 @@
         </p:nvSpPr>
         <p:spPr>
           <a:xfrm>
-            <a:off x="838200" y="1825625"/>
-            <a:ext cx="5181600" cy="4351338"/>
+            <a:off x="1447331" y="2010878"/>
+            <a:ext cx="4645152" cy="3448595"/>
           </a:xfrm>
         </p:spPr>
         <p:txBody>
@@ -2029,18 +2294,13 @@
               <a:rPr lang="en-US"/>
               <a:t>Fifth level</a:t>
             </a:r>
-          </a:p>
-        </p:txBody>
-      </p:sp>
-      <p:sp>
-        <p:nvSpPr>
-          <p:cNvPr id="4" name="Content Placeholder 3">
-            <a:extLst>
-              <a:ext uri="{FF2B5EF4-FFF2-40B4-BE49-F238E27FC236}">
-                <a16:creationId xmlns:a16="http://schemas.microsoft.com/office/drawing/2014/main" id="{0EB4AEE3-E82E-F745-9ACA-13158E284F05}"/>
-              </a:ext>
-            </a:extLst>
-          </p:cNvPr>
+            <a:endParaRPr lang="en-US" dirty="0"/>
+          </a:p>
+        </p:txBody>
+      </p:sp>
+      <p:sp>
+        <p:nvSpPr>
+          <p:cNvPr id="4" name="Content Placeholder 3"/>
           <p:cNvSpPr>
             <a:spLocks noGrp="1"/>
           </p:cNvSpPr>
@@ -2050,8 +2310,8 @@
         </p:nvSpPr>
         <p:spPr>
           <a:xfrm>
-            <a:off x="6172200" y="1825625"/>
-            <a:ext cx="5181600" cy="4351338"/>
+            <a:off x="6413771" y="2017343"/>
+            <a:ext cx="4645152" cy="3441520"/>
           </a:xfrm>
         </p:spPr>
         <p:txBody>
@@ -2091,18 +2351,13 @@
               <a:rPr lang="en-US"/>
               <a:t>Fifth level</a:t>
             </a:r>
-          </a:p>
-        </p:txBody>
-      </p:sp>
-      <p:sp>
-        <p:nvSpPr>
-          <p:cNvPr id="5" name="Date Placeholder 4">
-            <a:extLst>
-              <a:ext uri="{FF2B5EF4-FFF2-40B4-BE49-F238E27FC236}">
-                <a16:creationId xmlns:a16="http://schemas.microsoft.com/office/drawing/2014/main" id="{647A996C-17F6-5444-8716-A57CFC67239C}"/>
-              </a:ext>
-            </a:extLst>
-          </p:cNvPr>
+            <a:endParaRPr lang="en-US" dirty="0"/>
+          </a:p>
+        </p:txBody>
+      </p:sp>
+      <p:sp>
+        <p:nvSpPr>
+          <p:cNvPr id="5" name="Date Placeholder 4"/>
           <p:cNvSpPr>
             <a:spLocks noGrp="1"/>
           </p:cNvSpPr>
@@ -2117,7 +2372,7 @@
           <a:p>
             <a:fld id="{3BDB8791-F1B0-41E7-B7FD-A781E65C4266}" type="datetimeFigureOut">
               <a:rPr lang="en-US" smtClean="0"/>
-              <a:t>1/19/2019</a:t>
+              <a:t>1/21/2019</a:t>
             </a:fld>
             <a:endParaRPr lang="en-US" dirty="0"/>
           </a:p>
@@ -2125,13 +2380,7 @@
       </p:sp>
       <p:sp>
         <p:nvSpPr>
-          <p:cNvPr id="6" name="Footer Placeholder 5">
-            <a:extLst>
-              <a:ext uri="{FF2B5EF4-FFF2-40B4-BE49-F238E27FC236}">
-                <a16:creationId xmlns:a16="http://schemas.microsoft.com/office/drawing/2014/main" id="{C1F90059-E1BB-9743-B2FA-13F896DE5FE9}"/>
-              </a:ext>
-            </a:extLst>
-          </p:cNvPr>
+          <p:cNvPr id="6" name="Footer Placeholder 5"/>
           <p:cNvSpPr>
             <a:spLocks noGrp="1"/>
           </p:cNvSpPr>
@@ -2150,13 +2399,7 @@
       </p:sp>
       <p:sp>
         <p:nvSpPr>
-          <p:cNvPr id="7" name="Slide Number Placeholder 6">
-            <a:extLst>
-              <a:ext uri="{FF2B5EF4-FFF2-40B4-BE49-F238E27FC236}">
-                <a16:creationId xmlns:a16="http://schemas.microsoft.com/office/drawing/2014/main" id="{7E8B1308-3749-F242-803C-77DF0F8EE6EA}"/>
-              </a:ext>
-            </a:extLst>
-          </p:cNvPr>
+          <p:cNvPr id="7" name="Slide Number Placeholder 6"/>
           <p:cNvSpPr>
             <a:spLocks noGrp="1"/>
           </p:cNvSpPr>
@@ -2178,10 +2421,41 @@
           </a:p>
         </p:txBody>
       </p:sp>
+      <p:cxnSp>
+        <p:nvCxnSpPr>
+          <p:cNvPr id="35" name="Straight Connector 34"/>
+          <p:cNvCxnSpPr/>
+          <p:nvPr/>
+        </p:nvCxnSpPr>
+        <p:spPr>
+          <a:xfrm>
+            <a:off x="1453896" y="1847088"/>
+            <a:ext cx="9607522" cy="0"/>
+          </a:xfrm>
+          <a:prstGeom prst="line">
+            <a:avLst/>
+          </a:prstGeom>
+          <a:ln w="31750"/>
+        </p:spPr>
+        <p:style>
+          <a:lnRef idx="3">
+            <a:schemeClr val="accent1"/>
+          </a:lnRef>
+          <a:fillRef idx="0">
+            <a:schemeClr val="accent1"/>
+          </a:fillRef>
+          <a:effectRef idx="2">
+            <a:schemeClr val="accent1"/>
+          </a:effectRef>
+          <a:fontRef idx="minor">
+            <a:schemeClr val="tx1"/>
+          </a:fontRef>
+        </p:style>
+      </p:cxnSp>
     </p:spTree>
     <p:extLst>
       <p:ext uri="{BB962C8B-B14F-4D97-AF65-F5344CB8AC3E}">
-        <p14:creationId xmlns:p14="http://schemas.microsoft.com/office/powerpoint/2010/main" val="1118599345"/>
+        <p14:creationId xmlns:p14="http://schemas.microsoft.com/office/powerpoint/2010/main" val="2466962146"/>
       </p:ext>
     </p:extLst>
   </p:cSld>
@@ -2210,13 +2484,7 @@
       </p:grpSpPr>
       <p:sp>
         <p:nvSpPr>
-          <p:cNvPr id="2" name="Title 1">
-            <a:extLst>
-              <a:ext uri="{FF2B5EF4-FFF2-40B4-BE49-F238E27FC236}">
-                <a16:creationId xmlns:a16="http://schemas.microsoft.com/office/drawing/2014/main" id="{F6C2A539-29F6-E64A-969A-33253FF9217E}"/>
-              </a:ext>
-            </a:extLst>
-          </p:cNvPr>
+          <p:cNvPr id="2" name="Title 1"/>
           <p:cNvSpPr>
             <a:spLocks noGrp="1"/>
           </p:cNvSpPr>
@@ -2226,8 +2494,8 @@
         </p:nvSpPr>
         <p:spPr>
           <a:xfrm>
-            <a:off x="839788" y="365125"/>
-            <a:ext cx="10515600" cy="1325563"/>
+            <a:off x="1447191" y="804163"/>
+            <a:ext cx="9607661" cy="1056319"/>
           </a:xfrm>
         </p:spPr>
         <p:txBody>
@@ -2238,18 +2506,13 @@
               <a:rPr lang="en-US"/>
               <a:t>Click to edit Master title style</a:t>
             </a:r>
-          </a:p>
-        </p:txBody>
-      </p:sp>
-      <p:sp>
-        <p:nvSpPr>
-          <p:cNvPr id="3" name="Text Placeholder 2">
-            <a:extLst>
-              <a:ext uri="{FF2B5EF4-FFF2-40B4-BE49-F238E27FC236}">
-                <a16:creationId xmlns:a16="http://schemas.microsoft.com/office/drawing/2014/main" id="{148E480E-227C-5B41-A664-8CED84FD6333}"/>
-              </a:ext>
-            </a:extLst>
-          </p:cNvPr>
+            <a:endParaRPr lang="en-US" dirty="0"/>
+          </a:p>
+        </p:txBody>
+      </p:sp>
+      <p:sp>
+        <p:nvSpPr>
+          <p:cNvPr id="3" name="Text Placeholder 2"/>
           <p:cNvSpPr>
             <a:spLocks noGrp="1"/>
           </p:cNvSpPr>
@@ -2259,16 +2522,25 @@
         </p:nvSpPr>
         <p:spPr>
           <a:xfrm>
-            <a:off x="839788" y="1681163"/>
-            <a:ext cx="5157787" cy="823912"/>
+            <a:off x="1447191" y="2019549"/>
+            <a:ext cx="4645152" cy="801943"/>
           </a:xfrm>
         </p:spPr>
         <p:txBody>
-          <a:bodyPr anchor="b"/>
+          <a:bodyPr anchor="b">
+            <a:normAutofit/>
+          </a:bodyPr>
           <a:lstStyle>
             <a:lvl1pPr marL="0" indent="0">
+              <a:lnSpc>
+                <a:spcPct val="100000"/>
+              </a:lnSpc>
               <a:buNone/>
-              <a:defRPr sz="2400" b="1"/>
+              <a:defRPr sz="2200" b="0" cap="all" baseline="0">
+                <a:solidFill>
+                  <a:schemeClr val="accent1"/>
+                </a:solidFill>
+              </a:defRPr>
             </a:lvl1pPr>
             <a:lvl2pPr marL="457200" indent="0">
               <a:buNone/>
@@ -2314,13 +2586,7 @@
       </p:sp>
       <p:sp>
         <p:nvSpPr>
-          <p:cNvPr id="4" name="Content Placeholder 3">
-            <a:extLst>
-              <a:ext uri="{FF2B5EF4-FFF2-40B4-BE49-F238E27FC236}">
-                <a16:creationId xmlns:a16="http://schemas.microsoft.com/office/drawing/2014/main" id="{F8FE3B52-8DA6-4A45-8D47-12E48481F036}"/>
-              </a:ext>
-            </a:extLst>
-          </p:cNvPr>
+          <p:cNvPr id="4" name="Content Placeholder 3"/>
           <p:cNvSpPr>
             <a:spLocks noGrp="1"/>
           </p:cNvSpPr>
@@ -2330,8 +2596,8 @@
         </p:nvSpPr>
         <p:spPr>
           <a:xfrm>
-            <a:off x="839788" y="2505075"/>
-            <a:ext cx="5157787" cy="3684588"/>
+            <a:off x="1447191" y="2824269"/>
+            <a:ext cx="4645152" cy="2644457"/>
           </a:xfrm>
         </p:spPr>
         <p:txBody>
@@ -2371,18 +2637,13 @@
               <a:rPr lang="en-US"/>
               <a:t>Fifth level</a:t>
             </a:r>
-          </a:p>
-        </p:txBody>
-      </p:sp>
-      <p:sp>
-        <p:nvSpPr>
-          <p:cNvPr id="5" name="Text Placeholder 4">
-            <a:extLst>
-              <a:ext uri="{FF2B5EF4-FFF2-40B4-BE49-F238E27FC236}">
-                <a16:creationId xmlns:a16="http://schemas.microsoft.com/office/drawing/2014/main" id="{0A286082-85C1-6045-AF1C-268C9A82A5B3}"/>
-              </a:ext>
-            </a:extLst>
-          </p:cNvPr>
+            <a:endParaRPr lang="en-US" dirty="0"/>
+          </a:p>
+        </p:txBody>
+      </p:sp>
+      <p:sp>
+        <p:nvSpPr>
+          <p:cNvPr id="5" name="Text Placeholder 4"/>
           <p:cNvSpPr>
             <a:spLocks noGrp="1"/>
           </p:cNvSpPr>
@@ -2392,16 +2653,25 @@
         </p:nvSpPr>
         <p:spPr>
           <a:xfrm>
-            <a:off x="6172200" y="1681163"/>
-            <a:ext cx="5183188" cy="823912"/>
+            <a:off x="6412362" y="2023003"/>
+            <a:ext cx="4645152" cy="802237"/>
           </a:xfrm>
         </p:spPr>
         <p:txBody>
-          <a:bodyPr anchor="b"/>
+          <a:bodyPr anchor="b">
+            <a:normAutofit/>
+          </a:bodyPr>
           <a:lstStyle>
             <a:lvl1pPr marL="0" indent="0">
+              <a:lnSpc>
+                <a:spcPct val="100000"/>
+              </a:lnSpc>
               <a:buNone/>
-              <a:defRPr sz="2400" b="1"/>
+              <a:defRPr sz="2200" b="0" cap="all" baseline="0">
+                <a:solidFill>
+                  <a:schemeClr val="accent1"/>
+                </a:solidFill>
+              </a:defRPr>
             </a:lvl1pPr>
             <a:lvl2pPr marL="457200" indent="0">
               <a:buNone/>
@@ -2447,13 +2717,7 @@
       </p:sp>
       <p:sp>
         <p:nvSpPr>
-          <p:cNvPr id="6" name="Content Placeholder 5">
-            <a:extLst>
-              <a:ext uri="{FF2B5EF4-FFF2-40B4-BE49-F238E27FC236}">
-                <a16:creationId xmlns:a16="http://schemas.microsoft.com/office/drawing/2014/main" id="{0852668C-FEA1-1E47-8CF4-89E96AAE42FB}"/>
-              </a:ext>
-            </a:extLst>
-          </p:cNvPr>
+          <p:cNvPr id="6" name="Content Placeholder 5"/>
           <p:cNvSpPr>
             <a:spLocks noGrp="1"/>
           </p:cNvSpPr>
@@ -2463,8 +2727,8 @@
         </p:nvSpPr>
         <p:spPr>
           <a:xfrm>
-            <a:off x="6172200" y="2505075"/>
-            <a:ext cx="5183188" cy="3684588"/>
+            <a:off x="6412362" y="2821491"/>
+            <a:ext cx="4645152" cy="2637371"/>
           </a:xfrm>
         </p:spPr>
         <p:txBody>
@@ -2504,18 +2768,13 @@
               <a:rPr lang="en-US"/>
               <a:t>Fifth level</a:t>
             </a:r>
-          </a:p>
-        </p:txBody>
-      </p:sp>
-      <p:sp>
-        <p:nvSpPr>
-          <p:cNvPr id="7" name="Date Placeholder 6">
-            <a:extLst>
-              <a:ext uri="{FF2B5EF4-FFF2-40B4-BE49-F238E27FC236}">
-                <a16:creationId xmlns:a16="http://schemas.microsoft.com/office/drawing/2014/main" id="{D3F9077B-D8BE-AF4D-B6D3-4D53C9CE6AF8}"/>
-              </a:ext>
-            </a:extLst>
-          </p:cNvPr>
+            <a:endParaRPr lang="en-US" dirty="0"/>
+          </a:p>
+        </p:txBody>
+      </p:sp>
+      <p:sp>
+        <p:nvSpPr>
+          <p:cNvPr id="7" name="Date Placeholder 6"/>
           <p:cNvSpPr>
             <a:spLocks noGrp="1"/>
           </p:cNvSpPr>
@@ -2530,7 +2789,7 @@
           <a:p>
             <a:fld id="{2BE451C3-0FF4-47C4-B829-773ADF60F88C}" type="datetimeFigureOut">
               <a:rPr lang="en-US" smtClean="0"/>
-              <a:t>1/19/2019</a:t>
+              <a:t>1/21/2019</a:t>
             </a:fld>
             <a:endParaRPr lang="en-US" dirty="0"/>
           </a:p>
@@ -2538,13 +2797,7 @@
       </p:sp>
       <p:sp>
         <p:nvSpPr>
-          <p:cNvPr id="8" name="Footer Placeholder 7">
-            <a:extLst>
-              <a:ext uri="{FF2B5EF4-FFF2-40B4-BE49-F238E27FC236}">
-                <a16:creationId xmlns:a16="http://schemas.microsoft.com/office/drawing/2014/main" id="{7DB81980-A586-EA42-9BA2-7F8AA0B5EBA6}"/>
-              </a:ext>
-            </a:extLst>
-          </p:cNvPr>
+          <p:cNvPr id="8" name="Footer Placeholder 7"/>
           <p:cNvSpPr>
             <a:spLocks noGrp="1"/>
           </p:cNvSpPr>
@@ -2563,13 +2816,7 @@
       </p:sp>
       <p:sp>
         <p:nvSpPr>
-          <p:cNvPr id="9" name="Slide Number Placeholder 8">
-            <a:extLst>
-              <a:ext uri="{FF2B5EF4-FFF2-40B4-BE49-F238E27FC236}">
-                <a16:creationId xmlns:a16="http://schemas.microsoft.com/office/drawing/2014/main" id="{ABE00879-AC66-4044-B6F7-B9C011D4B153}"/>
-              </a:ext>
-            </a:extLst>
-          </p:cNvPr>
+          <p:cNvPr id="9" name="Slide Number Placeholder 8"/>
           <p:cNvSpPr>
             <a:spLocks noGrp="1"/>
           </p:cNvSpPr>
@@ -2591,10 +2838,41 @@
           </a:p>
         </p:txBody>
       </p:sp>
+      <p:cxnSp>
+        <p:nvCxnSpPr>
+          <p:cNvPr id="29" name="Straight Connector 28"/>
+          <p:cNvCxnSpPr/>
+          <p:nvPr/>
+        </p:nvCxnSpPr>
+        <p:spPr>
+          <a:xfrm>
+            <a:off x="1453896" y="1847088"/>
+            <a:ext cx="9607522" cy="0"/>
+          </a:xfrm>
+          <a:prstGeom prst="line">
+            <a:avLst/>
+          </a:prstGeom>
+          <a:ln w="31750"/>
+        </p:spPr>
+        <p:style>
+          <a:lnRef idx="3">
+            <a:schemeClr val="accent1"/>
+          </a:lnRef>
+          <a:fillRef idx="0">
+            <a:schemeClr val="accent1"/>
+          </a:fillRef>
+          <a:effectRef idx="2">
+            <a:schemeClr val="accent1"/>
+          </a:effectRef>
+          <a:fontRef idx="minor">
+            <a:schemeClr val="tx1"/>
+          </a:fontRef>
+        </p:style>
+      </p:cxnSp>
     </p:spTree>
     <p:extLst>
       <p:ext uri="{BB962C8B-B14F-4D97-AF65-F5344CB8AC3E}">
-        <p14:creationId xmlns:p14="http://schemas.microsoft.com/office/powerpoint/2010/main" val="153666096"/>
+        <p14:creationId xmlns:p14="http://schemas.microsoft.com/office/powerpoint/2010/main" val="857044874"/>
       </p:ext>
     </p:extLst>
   </p:cSld>
@@ -2624,13 +2902,7 @@
       </p:grpSpPr>
       <p:sp>
         <p:nvSpPr>
-          <p:cNvPr id="2" name="Title 1">
-            <a:extLst>
-              <a:ext uri="{FF2B5EF4-FFF2-40B4-BE49-F238E27FC236}">
-                <a16:creationId xmlns:a16="http://schemas.microsoft.com/office/drawing/2014/main" id="{149DAA23-4052-F141-A72B-6DD07740A52B}"/>
-              </a:ext>
-            </a:extLst>
-          </p:cNvPr>
+          <p:cNvPr id="2" name="Title 1"/>
           <p:cNvSpPr>
             <a:spLocks noGrp="1"/>
           </p:cNvSpPr>
@@ -2647,18 +2919,13 @@
               <a:rPr lang="en-US"/>
               <a:t>Click to edit Master title style</a:t>
             </a:r>
-          </a:p>
-        </p:txBody>
-      </p:sp>
-      <p:sp>
-        <p:nvSpPr>
-          <p:cNvPr id="3" name="Date Placeholder 2">
-            <a:extLst>
-              <a:ext uri="{FF2B5EF4-FFF2-40B4-BE49-F238E27FC236}">
-                <a16:creationId xmlns:a16="http://schemas.microsoft.com/office/drawing/2014/main" id="{DE02D59C-08A0-974B-A55C-000A2508511E}"/>
-              </a:ext>
-            </a:extLst>
-          </p:cNvPr>
+            <a:endParaRPr lang="en-US" dirty="0"/>
+          </a:p>
+        </p:txBody>
+      </p:sp>
+      <p:sp>
+        <p:nvSpPr>
+          <p:cNvPr id="3" name="Date Placeholder 2"/>
           <p:cNvSpPr>
             <a:spLocks noGrp="1"/>
           </p:cNvSpPr>
@@ -2673,7 +2940,7 @@
           <a:p>
             <a:fld id="{7AA18ACC-A947-437B-A130-35BD54FDF1E9}" type="datetimeFigureOut">
               <a:rPr lang="en-US" smtClean="0"/>
-              <a:t>1/19/2019</a:t>
+              <a:t>1/21/2019</a:t>
             </a:fld>
             <a:endParaRPr lang="en-US" dirty="0"/>
           </a:p>
@@ -2681,13 +2948,7 @@
       </p:sp>
       <p:sp>
         <p:nvSpPr>
-          <p:cNvPr id="4" name="Footer Placeholder 3">
-            <a:extLst>
-              <a:ext uri="{FF2B5EF4-FFF2-40B4-BE49-F238E27FC236}">
-                <a16:creationId xmlns:a16="http://schemas.microsoft.com/office/drawing/2014/main" id="{E2E9BC22-9097-1848-B841-234320E852E9}"/>
-              </a:ext>
-            </a:extLst>
-          </p:cNvPr>
+          <p:cNvPr id="4" name="Footer Placeholder 3"/>
           <p:cNvSpPr>
             <a:spLocks noGrp="1"/>
           </p:cNvSpPr>
@@ -2706,13 +2967,7 @@
       </p:sp>
       <p:sp>
         <p:nvSpPr>
-          <p:cNvPr id="5" name="Slide Number Placeholder 4">
-            <a:extLst>
-              <a:ext uri="{FF2B5EF4-FFF2-40B4-BE49-F238E27FC236}">
-                <a16:creationId xmlns:a16="http://schemas.microsoft.com/office/drawing/2014/main" id="{432ABFF5-4C95-C640-8410-FF5DD99F8E70}"/>
-              </a:ext>
-            </a:extLst>
-          </p:cNvPr>
+          <p:cNvPr id="5" name="Slide Number Placeholder 4"/>
           <p:cNvSpPr>
             <a:spLocks noGrp="1"/>
           </p:cNvSpPr>
@@ -2734,10 +2989,41 @@
           </a:p>
         </p:txBody>
       </p:sp>
+      <p:cxnSp>
+        <p:nvCxnSpPr>
+          <p:cNvPr id="25" name="Straight Connector 24"/>
+          <p:cNvCxnSpPr/>
+          <p:nvPr/>
+        </p:nvCxnSpPr>
+        <p:spPr>
+          <a:xfrm>
+            <a:off x="1453896" y="1847088"/>
+            <a:ext cx="9607522" cy="0"/>
+          </a:xfrm>
+          <a:prstGeom prst="line">
+            <a:avLst/>
+          </a:prstGeom>
+          <a:ln w="31750"/>
+        </p:spPr>
+        <p:style>
+          <a:lnRef idx="3">
+            <a:schemeClr val="accent1"/>
+          </a:lnRef>
+          <a:fillRef idx="0">
+            <a:schemeClr val="accent1"/>
+          </a:fillRef>
+          <a:effectRef idx="2">
+            <a:schemeClr val="accent1"/>
+          </a:effectRef>
+          <a:fontRef idx="minor">
+            <a:schemeClr val="tx1"/>
+          </a:fontRef>
+        </p:style>
+      </p:cxnSp>
     </p:spTree>
     <p:extLst>
       <p:ext uri="{BB962C8B-B14F-4D97-AF65-F5344CB8AC3E}">
-        <p14:creationId xmlns:p14="http://schemas.microsoft.com/office/powerpoint/2010/main" val="2967327272"/>
+        <p14:creationId xmlns:p14="http://schemas.microsoft.com/office/powerpoint/2010/main" val="3726151885"/>
       </p:ext>
     </p:extLst>
   </p:cSld>
@@ -2766,13 +3052,7 @@
       </p:grpSpPr>
       <p:sp>
         <p:nvSpPr>
-          <p:cNvPr id="2" name="Date Placeholder 1">
-            <a:extLst>
-              <a:ext uri="{FF2B5EF4-FFF2-40B4-BE49-F238E27FC236}">
-                <a16:creationId xmlns:a16="http://schemas.microsoft.com/office/drawing/2014/main" id="{74E00AB0-9193-ED44-9D70-A09D733F2E81}"/>
-              </a:ext>
-            </a:extLst>
-          </p:cNvPr>
+          <p:cNvPr id="2" name="Date Placeholder 1"/>
           <p:cNvSpPr>
             <a:spLocks noGrp="1"/>
           </p:cNvSpPr>
@@ -2787,7 +3067,7 @@
           <a:p>
             <a:fld id="{7C8D7E02-BCB8-4D50-A234-369438C08659}" type="datetimeFigureOut">
               <a:rPr lang="en-US" smtClean="0"/>
-              <a:t>1/19/2019</a:t>
+              <a:t>1/21/2019</a:t>
             </a:fld>
             <a:endParaRPr lang="en-US" dirty="0"/>
           </a:p>
@@ -2795,13 +3075,7 @@
       </p:sp>
       <p:sp>
         <p:nvSpPr>
-          <p:cNvPr id="3" name="Footer Placeholder 2">
-            <a:extLst>
-              <a:ext uri="{FF2B5EF4-FFF2-40B4-BE49-F238E27FC236}">
-                <a16:creationId xmlns:a16="http://schemas.microsoft.com/office/drawing/2014/main" id="{FFBAEEF2-6EA3-244C-92A9-AE9FD12DE903}"/>
-              </a:ext>
-            </a:extLst>
-          </p:cNvPr>
+          <p:cNvPr id="3" name="Footer Placeholder 2"/>
           <p:cNvSpPr>
             <a:spLocks noGrp="1"/>
           </p:cNvSpPr>
@@ -2820,13 +3094,7 @@
       </p:sp>
       <p:sp>
         <p:nvSpPr>
-          <p:cNvPr id="4" name="Slide Number Placeholder 3">
-            <a:extLst>
-              <a:ext uri="{FF2B5EF4-FFF2-40B4-BE49-F238E27FC236}">
-                <a16:creationId xmlns:a16="http://schemas.microsoft.com/office/drawing/2014/main" id="{ED6A7E5A-F032-4940-BBD5-E63D51DD9233}"/>
-              </a:ext>
-            </a:extLst>
-          </p:cNvPr>
+          <p:cNvPr id="4" name="Slide Number Placeholder 3"/>
           <p:cNvSpPr>
             <a:spLocks noGrp="1"/>
           </p:cNvSpPr>
@@ -2851,7 +3119,7 @@
     </p:spTree>
     <p:extLst>
       <p:ext uri="{BB962C8B-B14F-4D97-AF65-F5344CB8AC3E}">
-        <p14:creationId xmlns:p14="http://schemas.microsoft.com/office/powerpoint/2010/main" val="1760535228"/>
+        <p14:creationId xmlns:p14="http://schemas.microsoft.com/office/powerpoint/2010/main" val="276809479"/>
       </p:ext>
     </p:extLst>
   </p:cSld>
@@ -2880,13 +3148,7 @@
       </p:grpSpPr>
       <p:sp>
         <p:nvSpPr>
-          <p:cNvPr id="2" name="Title 1">
-            <a:extLst>
-              <a:ext uri="{FF2B5EF4-FFF2-40B4-BE49-F238E27FC236}">
-                <a16:creationId xmlns:a16="http://schemas.microsoft.com/office/drawing/2014/main" id="{1960832D-C415-6D4B-9F11-B514249E7A19}"/>
-              </a:ext>
-            </a:extLst>
-          </p:cNvPr>
+          <p:cNvPr id="2" name="Title 1"/>
           <p:cNvSpPr>
             <a:spLocks noGrp="1"/>
           </p:cNvSpPr>
@@ -2896,15 +3158,17 @@
         </p:nvSpPr>
         <p:spPr>
           <a:xfrm>
-            <a:off x="839788" y="457200"/>
-            <a:ext cx="3932237" cy="1600200"/>
+            <a:off x="1444671" y="798973"/>
+            <a:ext cx="3273099" cy="2247117"/>
           </a:xfrm>
         </p:spPr>
         <p:txBody>
-          <a:bodyPr anchor="b"/>
+          <a:bodyPr anchor="b">
+            <a:normAutofit/>
+          </a:bodyPr>
           <a:lstStyle>
-            <a:lvl1pPr>
-              <a:defRPr sz="3200"/>
+            <a:lvl1pPr algn="l">
+              <a:defRPr sz="2400"/>
             </a:lvl1pPr>
           </a:lstStyle>
           <a:p>
@@ -2912,18 +3176,13 @@
               <a:rPr lang="en-US"/>
               <a:t>Click to edit Master title style</a:t>
             </a:r>
-          </a:p>
-        </p:txBody>
-      </p:sp>
-      <p:sp>
-        <p:nvSpPr>
-          <p:cNvPr id="3" name="Content Placeholder 2">
-            <a:extLst>
-              <a:ext uri="{FF2B5EF4-FFF2-40B4-BE49-F238E27FC236}">
-                <a16:creationId xmlns:a16="http://schemas.microsoft.com/office/drawing/2014/main" id="{ECCC85FE-0794-704D-BD6F-1DB3D934A447}"/>
-              </a:ext>
-            </a:extLst>
-          </p:cNvPr>
+            <a:endParaRPr lang="en-US" dirty="0"/>
+          </a:p>
+        </p:txBody>
+      </p:sp>
+      <p:sp>
+        <p:nvSpPr>
+          <p:cNvPr id="3" name="Content Placeholder 2"/>
           <p:cNvSpPr>
             <a:spLocks noGrp="1"/>
           </p:cNvSpPr>
@@ -2933,41 +3192,13 @@
         </p:nvSpPr>
         <p:spPr>
           <a:xfrm>
-            <a:off x="5183188" y="987425"/>
-            <a:ext cx="6172200" cy="4873625"/>
+            <a:off x="5043714" y="798974"/>
+            <a:ext cx="6012470" cy="4658826"/>
           </a:xfrm>
         </p:spPr>
         <p:txBody>
-          <a:bodyPr/>
-          <a:lstStyle>
-            <a:lvl1pPr>
-              <a:defRPr sz="3200"/>
-            </a:lvl1pPr>
-            <a:lvl2pPr>
-              <a:defRPr sz="2800"/>
-            </a:lvl2pPr>
-            <a:lvl3pPr>
-              <a:defRPr sz="2400"/>
-            </a:lvl3pPr>
-            <a:lvl4pPr>
-              <a:defRPr sz="2000"/>
-            </a:lvl4pPr>
-            <a:lvl5pPr>
-              <a:defRPr sz="2000"/>
-            </a:lvl5pPr>
-            <a:lvl6pPr>
-              <a:defRPr sz="2000"/>
-            </a:lvl6pPr>
-            <a:lvl7pPr>
-              <a:defRPr sz="2000"/>
-            </a:lvl7pPr>
-            <a:lvl8pPr>
-              <a:defRPr sz="2000"/>
-            </a:lvl8pPr>
-            <a:lvl9pPr>
-              <a:defRPr sz="2000"/>
-            </a:lvl9pPr>
-          </a:lstStyle>
+          <a:bodyPr anchor="ctr"/>
+          <a:lstStyle/>
           <a:p>
             <a:pPr lvl="0"/>
             <a:r>
@@ -3002,18 +3233,13 @@
               <a:rPr lang="en-US"/>
               <a:t>Fifth level</a:t>
             </a:r>
-          </a:p>
-        </p:txBody>
-      </p:sp>
-      <p:sp>
-        <p:nvSpPr>
-          <p:cNvPr id="4" name="Text Placeholder 3">
-            <a:extLst>
-              <a:ext uri="{FF2B5EF4-FFF2-40B4-BE49-F238E27FC236}">
-                <a16:creationId xmlns:a16="http://schemas.microsoft.com/office/drawing/2014/main" id="{5BB2E565-0A54-784A-8352-A49B757FBFE7}"/>
-              </a:ext>
-            </a:extLst>
-          </p:cNvPr>
+            <a:endParaRPr lang="en-US" dirty="0"/>
+          </a:p>
+        </p:txBody>
+      </p:sp>
+      <p:sp>
+        <p:nvSpPr>
+          <p:cNvPr id="4" name="Text Placeholder 3"/>
           <p:cNvSpPr>
             <a:spLocks noGrp="1"/>
           </p:cNvSpPr>
@@ -3023,14 +3249,14 @@
         </p:nvSpPr>
         <p:spPr>
           <a:xfrm>
-            <a:off x="839788" y="2057400"/>
-            <a:ext cx="3932237" cy="3811588"/>
+            <a:off x="1444671" y="3205491"/>
+            <a:ext cx="3275013" cy="2248181"/>
           </a:xfrm>
         </p:spPr>
         <p:txBody>
           <a:bodyPr/>
           <a:lstStyle>
-            <a:lvl1pPr marL="0" indent="0">
+            <a:lvl1pPr marL="0" indent="0" algn="l">
               <a:buNone/>
               <a:defRPr sz="1600"/>
             </a:lvl1pPr>
@@ -3078,13 +3304,7 @@
       </p:sp>
       <p:sp>
         <p:nvSpPr>
-          <p:cNvPr id="5" name="Date Placeholder 4">
-            <a:extLst>
-              <a:ext uri="{FF2B5EF4-FFF2-40B4-BE49-F238E27FC236}">
-                <a16:creationId xmlns:a16="http://schemas.microsoft.com/office/drawing/2014/main" id="{CEF1DB96-4D6E-DC46-9A17-DB9FCDDE3F9B}"/>
-              </a:ext>
-            </a:extLst>
-          </p:cNvPr>
+          <p:cNvPr id="5" name="Date Placeholder 4"/>
           <p:cNvSpPr>
             <a:spLocks noGrp="1"/>
           </p:cNvSpPr>
@@ -3099,7 +3319,7 @@
           <a:p>
             <a:fld id="{76E86A4C-8E40-4F87-A4F0-01A0687C5742}" type="datetimeFigureOut">
               <a:rPr lang="en-US" smtClean="0"/>
-              <a:t>1/19/2019</a:t>
+              <a:t>1/21/2019</a:t>
             </a:fld>
             <a:endParaRPr lang="en-US" dirty="0"/>
           </a:p>
@@ -3107,13 +3327,7 @@
       </p:sp>
       <p:sp>
         <p:nvSpPr>
-          <p:cNvPr id="6" name="Footer Placeholder 5">
-            <a:extLst>
-              <a:ext uri="{FF2B5EF4-FFF2-40B4-BE49-F238E27FC236}">
-                <a16:creationId xmlns:a16="http://schemas.microsoft.com/office/drawing/2014/main" id="{80538CDC-4F30-2846-8239-714E549D32C4}"/>
-              </a:ext>
-            </a:extLst>
-          </p:cNvPr>
+          <p:cNvPr id="6" name="Footer Placeholder 5"/>
           <p:cNvSpPr>
             <a:spLocks noGrp="1"/>
           </p:cNvSpPr>
@@ -3132,13 +3346,7 @@
       </p:sp>
       <p:sp>
         <p:nvSpPr>
-          <p:cNvPr id="7" name="Slide Number Placeholder 6">
-            <a:extLst>
-              <a:ext uri="{FF2B5EF4-FFF2-40B4-BE49-F238E27FC236}">
-                <a16:creationId xmlns:a16="http://schemas.microsoft.com/office/drawing/2014/main" id="{345DF95E-310C-6C4D-9E76-0CACF51ED563}"/>
-              </a:ext>
-            </a:extLst>
-          </p:cNvPr>
+          <p:cNvPr id="7" name="Slide Number Placeholder 6"/>
           <p:cNvSpPr>
             <a:spLocks noGrp="1"/>
           </p:cNvSpPr>
@@ -3160,10 +3368,41 @@
           </a:p>
         </p:txBody>
       </p:sp>
+      <p:cxnSp>
+        <p:nvCxnSpPr>
+          <p:cNvPr id="17" name="Straight Connector 16"/>
+          <p:cNvCxnSpPr/>
+          <p:nvPr/>
+        </p:nvCxnSpPr>
+        <p:spPr>
+          <a:xfrm>
+            <a:off x="1448280" y="3205491"/>
+            <a:ext cx="3269490" cy="0"/>
+          </a:xfrm>
+          <a:prstGeom prst="line">
+            <a:avLst/>
+          </a:prstGeom>
+          <a:ln w="31750"/>
+        </p:spPr>
+        <p:style>
+          <a:lnRef idx="3">
+            <a:schemeClr val="accent1"/>
+          </a:lnRef>
+          <a:fillRef idx="0">
+            <a:schemeClr val="accent1"/>
+          </a:fillRef>
+          <a:effectRef idx="2">
+            <a:schemeClr val="accent1"/>
+          </a:effectRef>
+          <a:fontRef idx="minor">
+            <a:schemeClr val="tx1"/>
+          </a:fontRef>
+        </p:style>
+      </p:cxnSp>
     </p:spTree>
     <p:extLst>
       <p:ext uri="{BB962C8B-B14F-4D97-AF65-F5344CB8AC3E}">
-        <p14:creationId xmlns:p14="http://schemas.microsoft.com/office/powerpoint/2010/main" val="1554677270"/>
+        <p14:creationId xmlns:p14="http://schemas.microsoft.com/office/powerpoint/2010/main" val="1210158320"/>
       </p:ext>
     </p:extLst>
   </p:cSld>
@@ -3190,15 +3429,143 @@
           <a:chExt cx="0" cy="0"/>
         </a:xfrm>
       </p:grpSpPr>
-      <p:sp>
-        <p:nvSpPr>
-          <p:cNvPr id="2" name="Title 1">
-            <a:extLst>
-              <a:ext uri="{FF2B5EF4-FFF2-40B4-BE49-F238E27FC236}">
-                <a16:creationId xmlns:a16="http://schemas.microsoft.com/office/drawing/2014/main" id="{CB731763-FB2F-8A4D-913E-DA7BD49F2485}"/>
-              </a:ext>
-            </a:extLst>
-          </p:cNvPr>
+      <p:grpSp>
+        <p:nvGrpSpPr>
+          <p:cNvPr id="8" name="Group 7"/>
+          <p:cNvGrpSpPr/>
+          <p:nvPr/>
+        </p:nvGrpSpPr>
+        <p:grpSpPr>
+          <a:xfrm>
+            <a:off x="7477387" y="482170"/>
+            <a:ext cx="4074533" cy="5149101"/>
+            <a:chOff x="7477387" y="482170"/>
+            <a:chExt cx="4074533" cy="5149101"/>
+          </a:xfrm>
+        </p:grpSpPr>
+        <p:sp>
+          <p:nvSpPr>
+            <p:cNvPr id="18" name="Rectangle 17"/>
+            <p:cNvSpPr/>
+            <p:nvPr/>
+          </p:nvSpPr>
+          <p:spPr bwMode="black">
+            <a:xfrm>
+              <a:off x="7477387" y="482170"/>
+              <a:ext cx="4074533" cy="5149101"/>
+            </a:xfrm>
+            <a:prstGeom prst="rect">
+              <a:avLst/>
+            </a:prstGeom>
+            <a:gradFill>
+              <a:gsLst>
+                <a:gs pos="0">
+                  <a:srgbClr val="000001"/>
+                </a:gs>
+                <a:gs pos="100000">
+                  <a:srgbClr val="191919"/>
+                </a:gs>
+              </a:gsLst>
+            </a:gradFill>
+            <a:ln w="76200" cmpd="sng">
+              <a:noFill/>
+              <a:miter lim="800000"/>
+            </a:ln>
+            <a:effectLst>
+              <a:outerShdw blurRad="127000" dist="228600" dir="4740000" sx="98000" sy="98000" algn="tl" rotWithShape="0">
+                <a:srgbClr val="000000">
+                  <a:alpha val="34000"/>
+                </a:srgbClr>
+              </a:outerShdw>
+            </a:effectLst>
+            <a:scene3d>
+              <a:camera prst="orthographicFront"/>
+              <a:lightRig rig="threePt" dir="t"/>
+            </a:scene3d>
+            <a:sp3d>
+              <a:bevelT w="152400" h="50800" prst="softRound"/>
+            </a:sp3d>
+          </p:spPr>
+          <p:style>
+            <a:lnRef idx="1">
+              <a:schemeClr val="accent1"/>
+            </a:lnRef>
+            <a:fillRef idx="3">
+              <a:schemeClr val="accent1"/>
+            </a:fillRef>
+            <a:effectRef idx="2">
+              <a:schemeClr val="accent1"/>
+            </a:effectRef>
+            <a:fontRef idx="minor">
+              <a:schemeClr val="lt1"/>
+            </a:fontRef>
+          </p:style>
+        </p:sp>
+        <p:sp>
+          <p:nvSpPr>
+            <p:cNvPr id="19" name="Rectangle 18"/>
+            <p:cNvSpPr/>
+            <p:nvPr/>
+          </p:nvSpPr>
+          <p:spPr bwMode="blackWhite">
+            <a:xfrm>
+              <a:off x="7790446" y="812506"/>
+              <a:ext cx="3450289" cy="4466452"/>
+            </a:xfrm>
+            <a:prstGeom prst="rect">
+              <a:avLst/>
+            </a:prstGeom>
+            <a:gradFill>
+              <a:gsLst>
+                <a:gs pos="0">
+                  <a:srgbClr val="DADADA"/>
+                </a:gs>
+                <a:gs pos="100000">
+                  <a:srgbClr val="FFFFFE"/>
+                </a:gs>
+              </a:gsLst>
+              <a:lin ang="16200000" scaled="0"/>
+            </a:gradFill>
+            <a:ln w="50800" cmpd="sng">
+              <a:solidFill>
+                <a:srgbClr val="191919"/>
+              </a:solidFill>
+              <a:miter lim="800000"/>
+            </a:ln>
+            <a:effectLst>
+              <a:innerShdw blurRad="63500" dist="88900" dir="14100000">
+                <a:srgbClr val="000000">
+                  <a:alpha val="30000"/>
+                </a:srgbClr>
+              </a:innerShdw>
+            </a:effectLst>
+            <a:scene3d>
+              <a:camera prst="orthographicFront"/>
+              <a:lightRig rig="threePt" dir="t"/>
+            </a:scene3d>
+            <a:sp3d>
+              <a:bevelT prst="relaxedInset"/>
+            </a:sp3d>
+          </p:spPr>
+          <p:style>
+            <a:lnRef idx="1">
+              <a:schemeClr val="accent1"/>
+            </a:lnRef>
+            <a:fillRef idx="3">
+              <a:schemeClr val="accent1"/>
+            </a:fillRef>
+            <a:effectRef idx="2">
+              <a:schemeClr val="accent1"/>
+            </a:effectRef>
+            <a:fontRef idx="minor">
+              <a:schemeClr val="lt1"/>
+            </a:fontRef>
+          </p:style>
+        </p:sp>
+      </p:grpSp>
+      <p:sp>
+        <p:nvSpPr>
+          <p:cNvPr id="2" name="Title 1"/>
           <p:cNvSpPr>
             <a:spLocks noGrp="1"/>
           </p:cNvSpPr>
@@ -3208,12 +3575,14 @@
         </p:nvSpPr>
         <p:spPr>
           <a:xfrm>
-            <a:off x="839788" y="457200"/>
-            <a:ext cx="3932237" cy="1600200"/>
+            <a:off x="1451206" y="1129513"/>
+            <a:ext cx="5532328" cy="1830584"/>
           </a:xfrm>
         </p:spPr>
         <p:txBody>
-          <a:bodyPr anchor="b"/>
+          <a:bodyPr anchor="b">
+            <a:normAutofit/>
+          </a:bodyPr>
           <a:lstStyle>
             <a:lvl1pPr>
               <a:defRPr sz="3200"/>
@@ -3224,20 +3593,15 @@
               <a:rPr lang="en-US"/>
               <a:t>Click to edit Master title style</a:t>
             </a:r>
-          </a:p>
-        </p:txBody>
-      </p:sp>
-      <p:sp>
-        <p:nvSpPr>
-          <p:cNvPr id="3" name="Picture Placeholder 2">
-            <a:extLst>
-              <a:ext uri="{FF2B5EF4-FFF2-40B4-BE49-F238E27FC236}">
-                <a16:creationId xmlns:a16="http://schemas.microsoft.com/office/drawing/2014/main" id="{4FE9D5E8-8B08-044F-A5B3-DD66CAEAF707}"/>
-              </a:ext>
-            </a:extLst>
-          </p:cNvPr>
+            <a:endParaRPr lang="en-US" dirty="0"/>
+          </a:p>
+        </p:txBody>
+      </p:sp>
+      <p:sp>
+        <p:nvSpPr>
+          <p:cNvPr id="3" name="Picture Placeholder 2"/>
           <p:cNvSpPr>
-            <a:spLocks noGrp="1"/>
+            <a:spLocks noGrp="1" noChangeAspect="1"/>
           </p:cNvSpPr>
           <p:nvPr>
             <p:ph type="pic" idx="1"/>
@@ -3245,14 +3609,24 @@
         </p:nvSpPr>
         <p:spPr>
           <a:xfrm>
-            <a:off x="5183188" y="987425"/>
-            <a:ext cx="6172200" cy="4873625"/>
-          </a:xfrm>
+            <a:off x="8124389" y="1122542"/>
+            <a:ext cx="2791171" cy="3866327"/>
+          </a:xfrm>
+          <a:solidFill>
+            <a:schemeClr val="bg1">
+              <a:lumMod val="85000"/>
+            </a:schemeClr>
+          </a:solidFill>
+          <a:ln w="9525" cap="sq">
+            <a:noFill/>
+            <a:miter lim="800000"/>
+          </a:ln>
+          <a:effectLst/>
         </p:spPr>
         <p:txBody>
-          <a:bodyPr/>
+          <a:bodyPr anchor="t"/>
           <a:lstStyle>
-            <a:lvl1pPr marL="0" indent="0">
+            <a:lvl1pPr marL="0" indent="0" algn="ctr">
               <a:buNone/>
               <a:defRPr sz="3200"/>
             </a:lvl1pPr>
@@ -3290,19 +3664,16 @@
             </a:lvl9pPr>
           </a:lstStyle>
           <a:p>
-            <a:endParaRPr lang="en-US"/>
-          </a:p>
-        </p:txBody>
-      </p:sp>
-      <p:sp>
-        <p:nvSpPr>
-          <p:cNvPr id="4" name="Text Placeholder 3">
-            <a:extLst>
-              <a:ext uri="{FF2B5EF4-FFF2-40B4-BE49-F238E27FC236}">
-                <a16:creationId xmlns:a16="http://schemas.microsoft.com/office/drawing/2014/main" id="{94A0BBDE-3636-9E46-AA2F-94BDC4EB00CD}"/>
-              </a:ext>
-            </a:extLst>
-          </p:cNvPr>
+            <a:r>
+              <a:rPr lang="en-US" dirty="0"/>
+              <a:t>Click icon to add picture</a:t>
+            </a:r>
+          </a:p>
+        </p:txBody>
+      </p:sp>
+      <p:sp>
+        <p:nvSpPr>
+          <p:cNvPr id="4" name="Text Placeholder 3"/>
           <p:cNvSpPr>
             <a:spLocks noGrp="1"/>
           </p:cNvSpPr>
@@ -3312,16 +3683,18 @@
         </p:nvSpPr>
         <p:spPr>
           <a:xfrm>
-            <a:off x="839788" y="2057400"/>
-            <a:ext cx="3932237" cy="3811588"/>
+            <a:off x="1450329" y="3145992"/>
+            <a:ext cx="5524404" cy="2003742"/>
           </a:xfrm>
         </p:spPr>
         <p:txBody>
-          <a:bodyPr/>
+          <a:bodyPr>
+            <a:normAutofit/>
+          </a:bodyPr>
           <a:lstStyle>
-            <a:lvl1pPr marL="0" indent="0">
+            <a:lvl1pPr marL="0" indent="0" algn="l">
               <a:buNone/>
-              <a:defRPr sz="1600"/>
+              <a:defRPr sz="1800"/>
             </a:lvl1pPr>
             <a:lvl2pPr marL="457200" indent="0">
               <a:buNone/>
@@ -3367,13 +3740,7 @@
       </p:sp>
       <p:sp>
         <p:nvSpPr>
-          <p:cNvPr id="5" name="Date Placeholder 4">
-            <a:extLst>
-              <a:ext uri="{FF2B5EF4-FFF2-40B4-BE49-F238E27FC236}">
-                <a16:creationId xmlns:a16="http://schemas.microsoft.com/office/drawing/2014/main" id="{7A221C8E-240C-C342-AD27-DBB82F2A7A62}"/>
-              </a:ext>
-            </a:extLst>
-          </p:cNvPr>
+          <p:cNvPr id="5" name="Date Placeholder 4"/>
           <p:cNvSpPr>
             <a:spLocks noGrp="1"/>
           </p:cNvSpPr>
@@ -3381,14 +3748,23 @@
             <p:ph type="dt" sz="half" idx="10"/>
           </p:nvPr>
         </p:nvSpPr>
-        <p:spPr/>
+        <p:spPr>
+          <a:xfrm>
+            <a:off x="1447382" y="5469856"/>
+            <a:ext cx="5527351" cy="320123"/>
+          </a:xfrm>
+        </p:spPr>
         <p:txBody>
           <a:bodyPr/>
-          <a:lstStyle/>
+          <a:lstStyle>
+            <a:lvl1pPr algn="l">
+              <a:defRPr/>
+            </a:lvl1pPr>
+          </a:lstStyle>
           <a:p>
             <a:fld id="{35E72C73-2D91-4E12-BA25-F0AA0C03599B}" type="datetimeFigureOut">
               <a:rPr lang="en-US" smtClean="0"/>
-              <a:t>1/19/2019</a:t>
+              <a:t>1/21/2019</a:t>
             </a:fld>
             <a:endParaRPr lang="en-US" dirty="0"/>
           </a:p>
@@ -3396,13 +3772,7 @@
       </p:sp>
       <p:sp>
         <p:nvSpPr>
-          <p:cNvPr id="6" name="Footer Placeholder 5">
-            <a:extLst>
-              <a:ext uri="{FF2B5EF4-FFF2-40B4-BE49-F238E27FC236}">
-                <a16:creationId xmlns:a16="http://schemas.microsoft.com/office/drawing/2014/main" id="{03832DCC-8BD3-4346-AED4-AD2788746238}"/>
-              </a:ext>
-            </a:extLst>
-          </p:cNvPr>
+          <p:cNvPr id="6" name="Footer Placeholder 5"/>
           <p:cNvSpPr>
             <a:spLocks noGrp="1"/>
           </p:cNvSpPr>
@@ -3410,7 +3780,12 @@
             <p:ph type="ftr" sz="quarter" idx="11"/>
           </p:nvPr>
         </p:nvSpPr>
-        <p:spPr/>
+        <p:spPr>
+          <a:xfrm>
+            <a:off x="1447382" y="318640"/>
+            <a:ext cx="5541004" cy="320931"/>
+          </a:xfrm>
+        </p:spPr>
         <p:txBody>
           <a:bodyPr/>
           <a:lstStyle/>
@@ -3421,13 +3796,7 @@
       </p:sp>
       <p:sp>
         <p:nvSpPr>
-          <p:cNvPr id="7" name="Slide Number Placeholder 6">
-            <a:extLst>
-              <a:ext uri="{FF2B5EF4-FFF2-40B4-BE49-F238E27FC236}">
-                <a16:creationId xmlns:a16="http://schemas.microsoft.com/office/drawing/2014/main" id="{3815BC84-3ED9-4F45-870A-A31AF5C9DEFB}"/>
-              </a:ext>
-            </a:extLst>
-          </p:cNvPr>
+          <p:cNvPr id="7" name="Slide Number Placeholder 6"/>
           <p:cNvSpPr>
             <a:spLocks noGrp="1"/>
           </p:cNvSpPr>
@@ -3449,10 +3818,41 @@
           </a:p>
         </p:txBody>
       </p:sp>
+      <p:cxnSp>
+        <p:nvCxnSpPr>
+          <p:cNvPr id="31" name="Straight Connector 30"/>
+          <p:cNvCxnSpPr/>
+          <p:nvPr/>
+        </p:nvCxnSpPr>
+        <p:spPr>
+          <a:xfrm>
+            <a:off x="1447382" y="3143605"/>
+            <a:ext cx="5527351" cy="0"/>
+          </a:xfrm>
+          <a:prstGeom prst="line">
+            <a:avLst/>
+          </a:prstGeom>
+          <a:ln w="31750"/>
+        </p:spPr>
+        <p:style>
+          <a:lnRef idx="3">
+            <a:schemeClr val="accent1"/>
+          </a:lnRef>
+          <a:fillRef idx="0">
+            <a:schemeClr val="accent1"/>
+          </a:fillRef>
+          <a:effectRef idx="2">
+            <a:schemeClr val="accent1"/>
+          </a:effectRef>
+          <a:fontRef idx="minor">
+            <a:schemeClr val="tx1"/>
+          </a:fontRef>
+        </p:style>
+      </p:cxnSp>
     </p:spTree>
     <p:extLst>
       <p:ext uri="{BB962C8B-B14F-4D97-AF65-F5344CB8AC3E}">
-        <p14:creationId xmlns:p14="http://schemas.microsoft.com/office/powerpoint/2010/main" val="975106865"/>
+        <p14:creationId xmlns:p14="http://schemas.microsoft.com/office/powerpoint/2010/main" val="2528172205"/>
       </p:ext>
     </p:extLst>
   </p:cSld>
@@ -3466,8 +3866,8 @@
 <p:sldMaster xmlns:a="http://schemas.openxmlformats.org/drawingml/2006/main" xmlns:r="http://schemas.openxmlformats.org/officeDocument/2006/relationships" xmlns:p="http://schemas.openxmlformats.org/presentationml/2006/main">
   <p:cSld>
     <p:bg>
-      <p:bgRef idx="1001">
-        <a:schemeClr val="bg1"/>
+      <p:bgRef idx="1003">
+        <a:schemeClr val="bg2"/>
       </p:bgRef>
     </p:bg>
     <p:spTree>
@@ -3486,13 +3886,85 @@
       </p:grpSpPr>
       <p:sp>
         <p:nvSpPr>
-          <p:cNvPr id="2" name="Title Placeholder 1">
+          <p:cNvPr id="8" name="Rectangle 7"/>
+          <p:cNvSpPr/>
+          <p:nvPr/>
+        </p:nvSpPr>
+        <p:spPr>
+          <a:xfrm>
+            <a:off x="0" y="2019476"/>
+            <a:ext cx="12192000" cy="4105941"/>
+          </a:xfrm>
+          <a:prstGeom prst="rect">
+            <a:avLst/>
+          </a:prstGeom>
+          <a:gradFill flip="none" rotWithShape="1">
+            <a:gsLst>
+              <a:gs pos="0">
+                <a:schemeClr val="bg2">
+                  <a:alpha val="0"/>
+                </a:schemeClr>
+              </a:gs>
+              <a:gs pos="100000">
+                <a:schemeClr val="bg2"/>
+              </a:gs>
+            </a:gsLst>
+            <a:lin ang="5400000" scaled="0"/>
+            <a:tileRect/>
+          </a:gradFill>
+          <a:ln>
+            <a:noFill/>
+          </a:ln>
+        </p:spPr>
+        <p:style>
+          <a:lnRef idx="2">
+            <a:schemeClr val="accent1">
+              <a:shade val="50000"/>
+            </a:schemeClr>
+          </a:lnRef>
+          <a:fillRef idx="1">
+            <a:schemeClr val="accent1"/>
+          </a:fillRef>
+          <a:effectRef idx="0">
+            <a:schemeClr val="accent1"/>
+          </a:effectRef>
+          <a:fontRef idx="minor">
+            <a:schemeClr val="lt1"/>
+          </a:fontRef>
+        </p:style>
+      </p:sp>
+      <p:pic>
+        <p:nvPicPr>
+          <p:cNvPr id="7" name="Picture 6"/>
+          <p:cNvPicPr>
+            <a:picLocks noChangeAspect="1"/>
+          </p:cNvPicPr>
+          <p:nvPr/>
+        </p:nvPicPr>
+        <p:blipFill rotWithShape="1">
+          <a:blip r:embed="rId13">
             <a:extLst>
-              <a:ext uri="{FF2B5EF4-FFF2-40B4-BE49-F238E27FC236}">
-                <a16:creationId xmlns:a16="http://schemas.microsoft.com/office/drawing/2014/main" id="{0558A25F-443F-B442-AC82-C64DA8ED1F64}"/>
+              <a:ext uri="{28A0092B-C50C-407E-A947-70E740481C1C}">
+                <a14:useLocalDpi xmlns:a14="http://schemas.microsoft.com/office/drawing/2010/main" val="0"/>
               </a:ext>
             </a:extLst>
-          </p:cNvPr>
+          </a:blip>
+          <a:srcRect t="1538" b="-1538"/>
+          <a:stretch/>
+        </p:blipFill>
+        <p:spPr bwMode="black">
+          <a:xfrm>
+            <a:off x="0" y="6126480"/>
+            <a:ext cx="12192000" cy="742950"/>
+          </a:xfrm>
+          <a:prstGeom prst="rect">
+            <a:avLst/>
+          </a:prstGeom>
+        </p:spPr>
+      </p:pic>
+      <p:sp>
+        <p:nvSpPr>
+          <p:cNvPr id="2" name="Title Placeholder 1"/>
           <p:cNvSpPr>
             <a:spLocks noGrp="1"/>
           </p:cNvSpPr>
@@ -3502,15 +3974,15 @@
         </p:nvSpPr>
         <p:spPr>
           <a:xfrm>
-            <a:off x="838200" y="365125"/>
-            <a:ext cx="10515600" cy="1325563"/>
+            <a:off x="1451579" y="804519"/>
+            <a:ext cx="9603275" cy="1049235"/>
           </a:xfrm>
           <a:prstGeom prst="rect">
             <a:avLst/>
           </a:prstGeom>
         </p:spPr>
         <p:txBody>
-          <a:bodyPr vert="horz" lIns="91440" tIns="45720" rIns="91440" bIns="45720" rtlCol="0" anchor="ctr">
+          <a:bodyPr vert="horz" lIns="91440" tIns="45720" rIns="91440" bIns="45720" rtlCol="0" anchor="t">
             <a:normAutofit/>
           </a:bodyPr>
           <a:lstStyle/>
@@ -3519,18 +3991,13 @@
               <a:rPr lang="en-US"/>
               <a:t>Click to edit Master title style</a:t>
             </a:r>
-          </a:p>
-        </p:txBody>
-      </p:sp>
-      <p:sp>
-        <p:nvSpPr>
-          <p:cNvPr id="3" name="Text Placeholder 2">
-            <a:extLst>
-              <a:ext uri="{FF2B5EF4-FFF2-40B4-BE49-F238E27FC236}">
-                <a16:creationId xmlns:a16="http://schemas.microsoft.com/office/drawing/2014/main" id="{CE65F821-9443-F845-B7CE-308F67E9CD04}"/>
-              </a:ext>
-            </a:extLst>
-          </p:cNvPr>
+            <a:endParaRPr lang="en-US" dirty="0"/>
+          </a:p>
+        </p:txBody>
+      </p:sp>
+      <p:sp>
+        <p:nvSpPr>
+          <p:cNvPr id="3" name="Text Placeholder 2"/>
           <p:cNvSpPr>
             <a:spLocks noGrp="1"/>
           </p:cNvSpPr>
@@ -3540,8 +4007,8 @@
         </p:nvSpPr>
         <p:spPr>
           <a:xfrm>
-            <a:off x="838200" y="1825625"/>
-            <a:ext cx="10515600" cy="4351338"/>
+            <a:off x="1451579" y="2015732"/>
+            <a:ext cx="9603275" cy="3450613"/>
           </a:xfrm>
           <a:prstGeom prst="rect">
             <a:avLst/>
@@ -3555,35 +4022,35 @@
           <a:p>
             <a:pPr lvl="0"/>
             <a:r>
-              <a:rPr lang="en-US"/>
+              <a:rPr lang="en-US" dirty="0"/>
               <a:t>Edit Master text styles</a:t>
             </a:r>
           </a:p>
           <a:p>
             <a:pPr lvl="1"/>
             <a:r>
-              <a:rPr lang="en-US"/>
+              <a:rPr lang="en-US" dirty="0"/>
               <a:t>Second level</a:t>
             </a:r>
           </a:p>
           <a:p>
             <a:pPr lvl="2"/>
             <a:r>
-              <a:rPr lang="en-US"/>
+              <a:rPr lang="en-US" dirty="0"/>
               <a:t>Third level</a:t>
             </a:r>
           </a:p>
           <a:p>
             <a:pPr lvl="3"/>
             <a:r>
-              <a:rPr lang="en-US"/>
+              <a:rPr lang="en-US" dirty="0"/>
               <a:t>Fourth level</a:t>
             </a:r>
           </a:p>
           <a:p>
             <a:pPr lvl="4"/>
             <a:r>
-              <a:rPr lang="en-US"/>
+              <a:rPr lang="en-US" dirty="0"/>
               <a:t>Fifth level</a:t>
             </a:r>
           </a:p>
@@ -3591,13 +4058,7 @@
       </p:sp>
       <p:sp>
         <p:nvSpPr>
-          <p:cNvPr id="4" name="Date Placeholder 3">
-            <a:extLst>
-              <a:ext uri="{FF2B5EF4-FFF2-40B4-BE49-F238E27FC236}">
-                <a16:creationId xmlns:a16="http://schemas.microsoft.com/office/drawing/2014/main" id="{AEC52F74-4B30-9B4F-9A8F-5B32C10EF472}"/>
-              </a:ext>
-            </a:extLst>
-          </p:cNvPr>
+          <p:cNvPr id="4" name="Date Placeholder 3"/>
           <p:cNvSpPr>
             <a:spLocks noGrp="1"/>
           </p:cNvSpPr>
@@ -3607,8 +4068,8 @@
         </p:nvSpPr>
         <p:spPr>
           <a:xfrm>
-            <a:off x="838200" y="6356350"/>
-            <a:ext cx="2743200" cy="365125"/>
+            <a:off x="7554138" y="330370"/>
+            <a:ext cx="3500715" cy="309201"/>
           </a:xfrm>
           <a:prstGeom prst="rect">
             <a:avLst/>
@@ -3617,8 +4078,8 @@
         <p:txBody>
           <a:bodyPr vert="horz" lIns="91440" tIns="45720" rIns="91440" bIns="45720" rtlCol="0" anchor="ctr"/>
           <a:lstStyle>
-            <a:lvl1pPr algn="l">
-              <a:defRPr sz="1200">
+            <a:lvl1pPr algn="r">
+              <a:defRPr sz="1000">
                 <a:solidFill>
                   <a:schemeClr val="tx1">
                     <a:tint val="75000"/>
@@ -3630,7 +4091,7 @@
           <a:p>
             <a:fld id="{2BE451C3-0FF4-47C4-B829-773ADF60F88C}" type="datetimeFigureOut">
               <a:rPr lang="en-US" smtClean="0"/>
-              <a:t>1/19/2019</a:t>
+              <a:t>1/21/2019</a:t>
             </a:fld>
             <a:endParaRPr lang="en-US" dirty="0"/>
           </a:p>
@@ -3638,13 +4099,7 @@
       </p:sp>
       <p:sp>
         <p:nvSpPr>
-          <p:cNvPr id="5" name="Footer Placeholder 4">
-            <a:extLst>
-              <a:ext uri="{FF2B5EF4-FFF2-40B4-BE49-F238E27FC236}">
-                <a16:creationId xmlns:a16="http://schemas.microsoft.com/office/drawing/2014/main" id="{A4A20A94-FDB4-FA49-904C-51114606B6F6}"/>
-              </a:ext>
-            </a:extLst>
-          </p:cNvPr>
+          <p:cNvPr id="5" name="Footer Placeholder 4"/>
           <p:cNvSpPr>
             <a:spLocks noGrp="1"/>
           </p:cNvSpPr>
@@ -3654,8 +4109,8 @@
         </p:nvSpPr>
         <p:spPr>
           <a:xfrm>
-            <a:off x="4038600" y="6356350"/>
-            <a:ext cx="4114800" cy="365125"/>
+            <a:off x="1451579" y="329307"/>
+            <a:ext cx="5938836" cy="309201"/>
           </a:xfrm>
           <a:prstGeom prst="rect">
             <a:avLst/>
@@ -3664,8 +4119,8 @@
         <p:txBody>
           <a:bodyPr vert="horz" lIns="91440" tIns="45720" rIns="91440" bIns="45720" rtlCol="0" anchor="ctr"/>
           <a:lstStyle>
-            <a:lvl1pPr algn="ctr">
-              <a:defRPr sz="1200">
+            <a:lvl1pPr algn="l">
+              <a:defRPr sz="1000">
                 <a:solidFill>
                   <a:schemeClr val="tx1">
                     <a:tint val="75000"/>
@@ -3681,13 +4136,7 @@
       </p:sp>
       <p:sp>
         <p:nvSpPr>
-          <p:cNvPr id="6" name="Slide Number Placeholder 5">
-            <a:extLst>
-              <a:ext uri="{FF2B5EF4-FFF2-40B4-BE49-F238E27FC236}">
-                <a16:creationId xmlns:a16="http://schemas.microsoft.com/office/drawing/2014/main" id="{2CBC90AE-7690-8348-B26D-C553C1909995}"/>
-              </a:ext>
-            </a:extLst>
-          </p:cNvPr>
+          <p:cNvPr id="6" name="Slide Number Placeholder 5"/>
           <p:cNvSpPr>
             <a:spLocks noGrp="1"/>
           </p:cNvSpPr>
@@ -3697,22 +4146,20 @@
         </p:nvSpPr>
         <p:spPr>
           <a:xfrm>
-            <a:off x="8610600" y="6356350"/>
-            <a:ext cx="2743200" cy="365125"/>
+            <a:off x="480060" y="798973"/>
+            <a:ext cx="811019" cy="503578"/>
           </a:xfrm>
           <a:prstGeom prst="rect">
             <a:avLst/>
           </a:prstGeom>
         </p:spPr>
         <p:txBody>
-          <a:bodyPr vert="horz" lIns="91440" tIns="45720" rIns="91440" bIns="45720" rtlCol="0" anchor="ctr"/>
+          <a:bodyPr vert="horz" lIns="91440" tIns="45720" rIns="91440" bIns="45720" rtlCol="0" anchor="t"/>
           <a:lstStyle>
             <a:lvl1pPr algn="r">
-              <a:defRPr sz="1200">
+              <a:defRPr sz="2800">
                 <a:solidFill>
-                  <a:schemeClr val="tx1">
-                    <a:tint val="75000"/>
-                  </a:schemeClr>
+                  <a:schemeClr val="accent1"/>
                 </a:solidFill>
               </a:defRPr>
             </a:lvl1pPr>
@@ -3727,26 +4174,63 @@
           </a:p>
         </p:txBody>
       </p:sp>
+      <p:cxnSp>
+        <p:nvCxnSpPr>
+          <p:cNvPr id="10" name="Straight Connector 9"/>
+          <p:cNvCxnSpPr/>
+          <p:nvPr/>
+        </p:nvCxnSpPr>
+        <p:spPr>
+          <a:xfrm>
+            <a:off x="0" y="6128413"/>
+            <a:ext cx="12192000" cy="0"/>
+          </a:xfrm>
+          <a:prstGeom prst="line">
+            <a:avLst/>
+          </a:prstGeom>
+          <a:ln w="12700">
+            <a:solidFill>
+              <a:srgbClr val="000001">
+                <a:alpha val="20000"/>
+              </a:srgbClr>
+            </a:solidFill>
+          </a:ln>
+        </p:spPr>
+        <p:style>
+          <a:lnRef idx="1">
+            <a:schemeClr val="accent1"/>
+          </a:lnRef>
+          <a:fillRef idx="0">
+            <a:schemeClr val="accent1"/>
+          </a:fillRef>
+          <a:effectRef idx="0">
+            <a:schemeClr val="accent1"/>
+          </a:effectRef>
+          <a:fontRef idx="minor">
+            <a:schemeClr val="tx1"/>
+          </a:fontRef>
+        </p:style>
+      </p:cxnSp>
     </p:spTree>
     <p:extLst>
       <p:ext uri="{BB962C8B-B14F-4D97-AF65-F5344CB8AC3E}">
-        <p14:creationId xmlns:p14="http://schemas.microsoft.com/office/powerpoint/2010/main" val="2597483933"/>
+        <p14:creationId xmlns:p14="http://schemas.microsoft.com/office/powerpoint/2010/main" val="694372068"/>
       </p:ext>
     </p:extLst>
   </p:cSld>
   <p:clrMap bg1="lt1" tx1="dk1" bg2="lt2" tx2="dk2" accent1="accent1" accent2="accent2" accent3="accent3" accent4="accent4" accent5="accent5" accent6="accent6" hlink="hlink" folHlink="folHlink"/>
   <p:sldLayoutIdLst>
-    <p:sldLayoutId id="2147483875" r:id="rId1"/>
-    <p:sldLayoutId id="2147483876" r:id="rId2"/>
-    <p:sldLayoutId id="2147483877" r:id="rId3"/>
-    <p:sldLayoutId id="2147483878" r:id="rId4"/>
-    <p:sldLayoutId id="2147483879" r:id="rId5"/>
-    <p:sldLayoutId id="2147483880" r:id="rId6"/>
-    <p:sldLayoutId id="2147483881" r:id="rId7"/>
-    <p:sldLayoutId id="2147483882" r:id="rId8"/>
-    <p:sldLayoutId id="2147483883" r:id="rId9"/>
-    <p:sldLayoutId id="2147483884" r:id="rId10"/>
-    <p:sldLayoutId id="2147483885" r:id="rId11"/>
+    <p:sldLayoutId id="2147483887" r:id="rId1"/>
+    <p:sldLayoutId id="2147483888" r:id="rId2"/>
+    <p:sldLayoutId id="2147483889" r:id="rId3"/>
+    <p:sldLayoutId id="2147483890" r:id="rId4"/>
+    <p:sldLayoutId id="2147483891" r:id="rId5"/>
+    <p:sldLayoutId id="2147483892" r:id="rId6"/>
+    <p:sldLayoutId id="2147483893" r:id="rId7"/>
+    <p:sldLayoutId id="2147483894" r:id="rId8"/>
+    <p:sldLayoutId id="2147483895" r:id="rId9"/>
+    <p:sldLayoutId id="2147483896" r:id="rId10"/>
+    <p:sldLayoutId id="2147483897" r:id="rId11"/>
   </p:sldLayoutIdLst>
   <p:hf sldNum="0" hdr="0" ftr="0" dt="0"/>
   <p:txStyles>
@@ -3759,10 +4243,11 @@
           <a:spcPct val="0"/>
         </a:spcBef>
         <a:buNone/>
-        <a:defRPr sz="4400" kern="1200">
+        <a:defRPr sz="3200" b="0" i="0" kern="1200" cap="all">
           <a:solidFill>
             <a:schemeClr val="tx1"/>
           </a:solidFill>
+          <a:effectLst/>
           <a:latin typeface="+mj-lt"/>
           <a:ea typeface="+mj-ea"/>
           <a:cs typeface="+mj-cs"/>
@@ -3772,17 +4257,22 @@
     <p:bodyStyle>
       <a:lvl1pPr marL="228600" indent="-228600" algn="l" defTabSz="914400" rtl="0" eaLnBrk="1" latinLnBrk="0" hangingPunct="1">
         <a:lnSpc>
-          <a:spcPct val="90000"/>
+          <a:spcPct val="120000"/>
         </a:lnSpc>
         <a:spcBef>
           <a:spcPts val="1000"/>
         </a:spcBef>
+        <a:buClr>
+          <a:schemeClr val="accent1"/>
+        </a:buClr>
+        <a:buSzPct val="100000"/>
         <a:buFont typeface="Arial" panose="020B0604020202020204" pitchFamily="34" charset="0"/>
         <a:buChar char="•"/>
-        <a:defRPr sz="2800" kern="1200">
+        <a:defRPr sz="2000" kern="1200">
           <a:solidFill>
             <a:schemeClr val="tx1"/>
           </a:solidFill>
+          <a:effectLst/>
           <a:latin typeface="+mn-lt"/>
           <a:ea typeface="+mn-ea"/>
           <a:cs typeface="+mn-cs"/>
@@ -3790,17 +4280,22 @@
       </a:lvl1pPr>
       <a:lvl2pPr marL="685800" indent="-228600" algn="l" defTabSz="914400" rtl="0" eaLnBrk="1" latinLnBrk="0" hangingPunct="1">
         <a:lnSpc>
-          <a:spcPct val="90000"/>
+          <a:spcPct val="120000"/>
         </a:lnSpc>
         <a:spcBef>
           <a:spcPts val="500"/>
         </a:spcBef>
+        <a:buClr>
+          <a:schemeClr val="accent1"/>
+        </a:buClr>
+        <a:buSzPct val="100000"/>
         <a:buFont typeface="Arial" panose="020B0604020202020204" pitchFamily="34" charset="0"/>
         <a:buChar char="•"/>
-        <a:defRPr sz="2400" kern="1200">
+        <a:defRPr sz="1800" kern="1200" cap="none" baseline="0">
           <a:solidFill>
             <a:schemeClr val="tx1"/>
           </a:solidFill>
+          <a:effectLst/>
           <a:latin typeface="+mn-lt"/>
           <a:ea typeface="+mn-ea"/>
           <a:cs typeface="+mn-cs"/>
@@ -3808,17 +4303,22 @@
       </a:lvl2pPr>
       <a:lvl3pPr marL="1143000" indent="-228600" algn="l" defTabSz="914400" rtl="0" eaLnBrk="1" latinLnBrk="0" hangingPunct="1">
         <a:lnSpc>
-          <a:spcPct val="90000"/>
+          <a:spcPct val="120000"/>
         </a:lnSpc>
         <a:spcBef>
           <a:spcPts val="500"/>
         </a:spcBef>
+        <a:buClr>
+          <a:schemeClr val="accent1"/>
+        </a:buClr>
+        <a:buSzPct val="100000"/>
         <a:buFont typeface="Arial" panose="020B0604020202020204" pitchFamily="34" charset="0"/>
         <a:buChar char="•"/>
-        <a:defRPr sz="2000" kern="1200">
+        <a:defRPr sz="1600" kern="1200">
           <a:solidFill>
             <a:schemeClr val="tx1"/>
           </a:solidFill>
+          <a:effectLst/>
           <a:latin typeface="+mn-lt"/>
           <a:ea typeface="+mn-ea"/>
           <a:cs typeface="+mn-cs"/>
@@ -3826,17 +4326,22 @@
       </a:lvl3pPr>
       <a:lvl4pPr marL="1600200" indent="-228600" algn="l" defTabSz="914400" rtl="0" eaLnBrk="1" latinLnBrk="0" hangingPunct="1">
         <a:lnSpc>
-          <a:spcPct val="90000"/>
+          <a:spcPct val="120000"/>
         </a:lnSpc>
         <a:spcBef>
           <a:spcPts val="500"/>
         </a:spcBef>
+        <a:buClr>
+          <a:schemeClr val="accent1"/>
+        </a:buClr>
+        <a:buSzPct val="100000"/>
         <a:buFont typeface="Arial" panose="020B0604020202020204" pitchFamily="34" charset="0"/>
         <a:buChar char="•"/>
-        <a:defRPr sz="1800" kern="1200">
+        <a:defRPr sz="1400" kern="1200" cap="none" baseline="0">
           <a:solidFill>
             <a:schemeClr val="tx1"/>
           </a:solidFill>
+          <a:effectLst/>
           <a:latin typeface="+mn-lt"/>
           <a:ea typeface="+mn-ea"/>
           <a:cs typeface="+mn-cs"/>
@@ -3844,17 +4349,22 @@
       </a:lvl4pPr>
       <a:lvl5pPr marL="2057400" indent="-228600" algn="l" defTabSz="914400" rtl="0" eaLnBrk="1" latinLnBrk="0" hangingPunct="1">
         <a:lnSpc>
-          <a:spcPct val="90000"/>
+          <a:spcPct val="120000"/>
         </a:lnSpc>
         <a:spcBef>
           <a:spcPts val="500"/>
         </a:spcBef>
+        <a:buClr>
+          <a:schemeClr val="accent1"/>
+        </a:buClr>
+        <a:buSzPct val="100000"/>
         <a:buFont typeface="Arial" panose="020B0604020202020204" pitchFamily="34" charset="0"/>
         <a:buChar char="•"/>
-        <a:defRPr sz="1800" kern="1200">
+        <a:defRPr sz="1200" kern="1200">
           <a:solidFill>
             <a:schemeClr val="tx1"/>
           </a:solidFill>
+          <a:effectLst/>
           <a:latin typeface="+mn-lt"/>
           <a:ea typeface="+mn-ea"/>
           <a:cs typeface="+mn-cs"/>
@@ -3862,17 +4372,22 @@
       </a:lvl5pPr>
       <a:lvl6pPr marL="2514600" indent="-228600" algn="l" defTabSz="914400" rtl="0" eaLnBrk="1" latinLnBrk="0" hangingPunct="1">
         <a:lnSpc>
-          <a:spcPct val="90000"/>
+          <a:spcPct val="120000"/>
         </a:lnSpc>
         <a:spcBef>
           <a:spcPts val="500"/>
         </a:spcBef>
+        <a:buClr>
+          <a:schemeClr val="accent1"/>
+        </a:buClr>
+        <a:buSzPct val="100000"/>
         <a:buFont typeface="Arial" panose="020B0604020202020204" pitchFamily="34" charset="0"/>
         <a:buChar char="•"/>
-        <a:defRPr sz="1800" kern="1200">
+        <a:defRPr sz="1200" kern="1200">
           <a:solidFill>
             <a:schemeClr val="tx1"/>
           </a:solidFill>
+          <a:effectLst/>
           <a:latin typeface="+mn-lt"/>
           <a:ea typeface="+mn-ea"/>
           <a:cs typeface="+mn-cs"/>
@@ -3880,17 +4395,22 @@
       </a:lvl6pPr>
       <a:lvl7pPr marL="2971800" indent="-228600" algn="l" defTabSz="914400" rtl="0" eaLnBrk="1" latinLnBrk="0" hangingPunct="1">
         <a:lnSpc>
-          <a:spcPct val="90000"/>
+          <a:spcPct val="120000"/>
         </a:lnSpc>
         <a:spcBef>
           <a:spcPts val="500"/>
         </a:spcBef>
+        <a:buClr>
+          <a:schemeClr val="accent1"/>
+        </a:buClr>
+        <a:buSzPct val="100000"/>
         <a:buFont typeface="Arial" panose="020B0604020202020204" pitchFamily="34" charset="0"/>
         <a:buChar char="•"/>
-        <a:defRPr sz="1800" kern="1200">
+        <a:defRPr sz="1200" kern="1200">
           <a:solidFill>
             <a:schemeClr val="tx1"/>
           </a:solidFill>
+          <a:effectLst/>
           <a:latin typeface="+mn-lt"/>
           <a:ea typeface="+mn-ea"/>
           <a:cs typeface="+mn-cs"/>
@@ -3898,17 +4418,22 @@
       </a:lvl7pPr>
       <a:lvl8pPr marL="3429000" indent="-228600" algn="l" defTabSz="914400" rtl="0" eaLnBrk="1" latinLnBrk="0" hangingPunct="1">
         <a:lnSpc>
-          <a:spcPct val="90000"/>
+          <a:spcPct val="120000"/>
         </a:lnSpc>
         <a:spcBef>
           <a:spcPts val="500"/>
         </a:spcBef>
+        <a:buClr>
+          <a:schemeClr val="accent1"/>
+        </a:buClr>
+        <a:buSzPct val="100000"/>
         <a:buFont typeface="Arial" panose="020B0604020202020204" pitchFamily="34" charset="0"/>
         <a:buChar char="•"/>
-        <a:defRPr sz="1800" kern="1200">
+        <a:defRPr sz="1200" kern="1200" baseline="0">
           <a:solidFill>
             <a:schemeClr val="tx1"/>
           </a:solidFill>
+          <a:effectLst/>
           <a:latin typeface="+mn-lt"/>
           <a:ea typeface="+mn-ea"/>
           <a:cs typeface="+mn-cs"/>
@@ -3916,17 +4441,22 @@
       </a:lvl8pPr>
       <a:lvl9pPr marL="3886200" indent="-228600" algn="l" defTabSz="914400" rtl="0" eaLnBrk="1" latinLnBrk="0" hangingPunct="1">
         <a:lnSpc>
-          <a:spcPct val="90000"/>
+          <a:spcPct val="120000"/>
         </a:lnSpc>
         <a:spcBef>
           <a:spcPts val="500"/>
         </a:spcBef>
+        <a:buClr>
+          <a:schemeClr val="accent1"/>
+        </a:buClr>
+        <a:buSzPct val="100000"/>
         <a:buFont typeface="Arial" panose="020B0604020202020204" pitchFamily="34" charset="0"/>
         <a:buChar char="•"/>
-        <a:defRPr sz="1800" kern="1200">
+        <a:defRPr sz="1200" kern="1200" baseline="0">
           <a:solidFill>
             <a:schemeClr val="tx1"/>
           </a:solidFill>
+          <a:effectLst/>
           <a:latin typeface="+mn-lt"/>
           <a:ea typeface="+mn-ea"/>
           <a:cs typeface="+mn-cs"/>
@@ -4152,7 +4682,7 @@
           <a:lstStyle/>
           <a:p>
             <a:pPr algn="ctr"/>
-            <a:endParaRPr lang="en-US"/>
+            <a:endParaRPr lang="en-US" dirty="0"/>
           </a:p>
         </p:txBody>
       </p:sp>
@@ -4206,7 +4736,7 @@
           <a:lstStyle/>
           <a:p>
             <a:pPr algn="ctr"/>
-            <a:endParaRPr lang="en-US"/>
+            <a:endParaRPr lang="en-US" dirty="0"/>
           </a:p>
         </p:txBody>
       </p:sp>
@@ -4290,7 +4820,7 @@
           <a:lstStyle/>
           <a:p>
             <a:pPr algn="ctr"/>
-            <a:endParaRPr lang="en-US"/>
+            <a:endParaRPr lang="en-US" dirty="0"/>
           </a:p>
         </p:txBody>
       </p:sp>
@@ -4341,7 +4871,7 @@
           <a:lstStyle/>
           <a:p>
             <a:pPr algn="ctr"/>
-            <a:endParaRPr lang="en-US"/>
+            <a:endParaRPr lang="en-US" dirty="0"/>
           </a:p>
         </p:txBody>
       </p:sp>
@@ -4536,6 +5066,18 @@
   <p:clrMapOvr>
     <a:masterClrMapping/>
   </p:clrMapOvr>
+  <mc:AlternateContent xmlns:mc="http://schemas.openxmlformats.org/markup-compatibility/2006">
+    <mc:Choice xmlns:p14="http://schemas.microsoft.com/office/powerpoint/2010/main" Requires="p14">
+      <p:transition p14:dur="250">
+        <p:fade/>
+      </p:transition>
+    </mc:Choice>
+    <mc:Fallback>
+      <p:transition>
+        <p:fade/>
+      </p:transition>
+    </mc:Fallback>
+  </mc:AlternateContent>
 </p:sld>
 </file>
 
@@ -4606,7 +5148,7 @@
           <a:lstStyle/>
           <a:p>
             <a:pPr algn="ctr"/>
-            <a:endParaRPr lang="en-US"/>
+            <a:endParaRPr lang="en-US" dirty="0"/>
           </a:p>
         </p:txBody>
       </p:sp>
@@ -4657,7 +5199,7 @@
           <a:lstStyle/>
           <a:p>
             <a:pPr algn="ctr"/>
-            <a:endParaRPr lang="en-US"/>
+            <a:endParaRPr lang="en-US" dirty="0"/>
           </a:p>
         </p:txBody>
       </p:sp>
@@ -4970,7 +5512,7 @@
           <a:lstStyle/>
           <a:p>
             <a:pPr algn="ctr"/>
-            <a:endParaRPr lang="en-US"/>
+            <a:endParaRPr lang="en-US" dirty="0"/>
           </a:p>
         </p:txBody>
       </p:sp>
@@ -5024,7 +5566,7 @@
           <a:lstStyle/>
           <a:p>
             <a:pPr algn="ctr"/>
-            <a:endParaRPr lang="en-US"/>
+            <a:endParaRPr lang="en-US" dirty="0"/>
           </a:p>
         </p:txBody>
       </p:sp>
@@ -5248,7 +5790,7 @@
           <a:lstStyle/>
           <a:p>
             <a:pPr algn="ctr"/>
-            <a:endParaRPr lang="en-US"/>
+            <a:endParaRPr lang="en-US" dirty="0"/>
           </a:p>
         </p:txBody>
       </p:sp>
@@ -5302,7 +5844,7 @@
           <a:lstStyle/>
           <a:p>
             <a:pPr algn="ctr"/>
-            <a:endParaRPr lang="en-US"/>
+            <a:endParaRPr lang="en-US" dirty="0"/>
           </a:p>
         </p:txBody>
       </p:sp>
@@ -5444,6 +5986,2054 @@
       </p:grpSpPr>
       <p:sp>
         <p:nvSpPr>
+          <p:cNvPr id="2" name="Title 1">
+            <a:extLst>
+              <a:ext uri="{FF2B5EF4-FFF2-40B4-BE49-F238E27FC236}">
+                <a16:creationId xmlns:a16="http://schemas.microsoft.com/office/drawing/2014/main" id="{3E0F2D3D-29A5-45F7-92FB-1DEB75C3CE4C}"/>
+              </a:ext>
+            </a:extLst>
+          </p:cNvPr>
+          <p:cNvSpPr>
+            <a:spLocks noGrp="1"/>
+          </p:cNvSpPr>
+          <p:nvPr>
+            <p:ph type="title"/>
+          </p:nvPr>
+        </p:nvSpPr>
+        <p:spPr/>
+        <p:txBody>
+          <a:bodyPr>
+            <a:normAutofit fontScale="90000"/>
+          </a:bodyPr>
+          <a:lstStyle/>
+          <a:p>
+            <a:r>
+              <a:rPr lang="en-US" dirty="0"/>
+              <a:t>Do all tornadoes get the same new coverage? Twitter API</a:t>
+            </a:r>
+            <a:br>
+              <a:rPr lang="en-US" dirty="0"/>
+            </a:br>
+            <a:endParaRPr lang="en-US" dirty="0"/>
+          </a:p>
+        </p:txBody>
+      </p:sp>
+      <p:sp>
+        <p:nvSpPr>
+          <p:cNvPr id="3" name="Content Placeholder 2">
+            <a:extLst>
+              <a:ext uri="{FF2B5EF4-FFF2-40B4-BE49-F238E27FC236}">
+                <a16:creationId xmlns:a16="http://schemas.microsoft.com/office/drawing/2014/main" id="{6E099404-27B3-46EB-B308-7DC331A832E1}"/>
+              </a:ext>
+            </a:extLst>
+          </p:cNvPr>
+          <p:cNvSpPr>
+            <a:spLocks noGrp="1"/>
+          </p:cNvSpPr>
+          <p:nvPr>
+            <p:ph idx="1"/>
+          </p:nvPr>
+        </p:nvSpPr>
+        <p:spPr/>
+        <p:txBody>
+          <a:bodyPr>
+            <a:normAutofit fontScale="85000" lnSpcReduction="10000"/>
+          </a:bodyPr>
+          <a:lstStyle/>
+          <a:p>
+            <a:r>
+              <a:rPr lang="en-US" dirty="0"/>
+              <a:t>Does it matter where the tornado is supposed to hit or the magnitude of the tornado and how often are twitter users talking about it.</a:t>
+            </a:r>
+          </a:p>
+          <a:p>
+            <a:r>
+              <a:rPr lang="en-US" dirty="0"/>
+              <a:t>Free historical twitter data is not available. There is a free tier to pull tweets for 30days. Anytime longer than that has to be done using either the Premium full archive search or the enterprise paid tier. </a:t>
+            </a:r>
+          </a:p>
+          <a:p>
+            <a:r>
+              <a:rPr lang="en-US" dirty="0"/>
+              <a:t>With this access one can collect, analyze, trace the origin of tweets, how many tweets are sent per day, what people are tweeting about  what news outlets are tweeting, how often are they tweeting and user id etc. There are several parameters to apply to return tweets, this includes but not limited to from: @user_name, has:media, place, has:video, keyword, url,#...etc. All these parameters are embedded in the query string.</a:t>
+            </a:r>
+          </a:p>
+          <a:p>
+            <a:r>
+              <a:rPr lang="en-US" dirty="0"/>
+              <a:t>Using the searchtweets library, we imported collect_results, gen_rule_payload and load_credentials.</a:t>
+            </a:r>
+          </a:p>
+          <a:p>
+            <a:endParaRPr lang="en-US" dirty="0"/>
+          </a:p>
+        </p:txBody>
+      </p:sp>
+    </p:spTree>
+    <p:extLst>
+      <p:ext uri="{BB962C8B-B14F-4D97-AF65-F5344CB8AC3E}">
+        <p14:creationId xmlns:p14="http://schemas.microsoft.com/office/powerpoint/2010/main" val="4198029923"/>
+      </p:ext>
+    </p:extLst>
+  </p:cSld>
+  <p:clrMapOvr>
+    <a:masterClrMapping/>
+  </p:clrMapOvr>
+</p:sld>
+</file>
+
+<file path=ppt/slides/slide15.xml><?xml version="1.0" encoding="utf-8"?>
+<p:sld xmlns:a="http://schemas.openxmlformats.org/drawingml/2006/main" xmlns:r="http://schemas.openxmlformats.org/officeDocument/2006/relationships" xmlns:p="http://schemas.openxmlformats.org/presentationml/2006/main">
+  <p:cSld>
+    <p:spTree>
+      <p:nvGrpSpPr>
+        <p:cNvPr id="1" name=""/>
+        <p:cNvGrpSpPr/>
+        <p:nvPr/>
+      </p:nvGrpSpPr>
+      <p:grpSpPr>
+        <a:xfrm>
+          <a:off x="0" y="0"/>
+          <a:ext cx="0" cy="0"/>
+          <a:chOff x="0" y="0"/>
+          <a:chExt cx="0" cy="0"/>
+        </a:xfrm>
+      </p:grpSpPr>
+      <p:sp>
+        <p:nvSpPr>
+          <p:cNvPr id="2" name="Title 1">
+            <a:extLst>
+              <a:ext uri="{FF2B5EF4-FFF2-40B4-BE49-F238E27FC236}">
+                <a16:creationId xmlns:a16="http://schemas.microsoft.com/office/drawing/2014/main" id="{8C2D2C05-5DC4-4672-8BB5-58DB6D184736}"/>
+              </a:ext>
+            </a:extLst>
+          </p:cNvPr>
+          <p:cNvSpPr>
+            <a:spLocks noGrp="1"/>
+          </p:cNvSpPr>
+          <p:nvPr>
+            <p:ph type="title"/>
+          </p:nvPr>
+        </p:nvSpPr>
+        <p:spPr/>
+        <p:txBody>
+          <a:bodyPr/>
+          <a:lstStyle/>
+          <a:p>
+            <a:r>
+              <a:rPr lang="en-US" dirty="0"/>
+              <a:t>Snippets of tweets collected from @breakingweather, keyword is tornado</a:t>
+            </a:r>
+          </a:p>
+        </p:txBody>
+      </p:sp>
+      <p:sp>
+        <p:nvSpPr>
+          <p:cNvPr id="3" name="Content Placeholder 2">
+            <a:extLst>
+              <a:ext uri="{FF2B5EF4-FFF2-40B4-BE49-F238E27FC236}">
+                <a16:creationId xmlns:a16="http://schemas.microsoft.com/office/drawing/2014/main" id="{B80CC9F5-55ED-43E8-BDB2-ECC51CEE8932}"/>
+              </a:ext>
+            </a:extLst>
+          </p:cNvPr>
+          <p:cNvSpPr>
+            <a:spLocks noGrp="1"/>
+          </p:cNvSpPr>
+          <p:nvPr>
+            <p:ph idx="1"/>
+          </p:nvPr>
+        </p:nvSpPr>
+        <p:spPr/>
+        <p:txBody>
+          <a:bodyPr>
+            <a:normAutofit fontScale="40000" lnSpcReduction="20000"/>
+          </a:bodyPr>
+          <a:lstStyle/>
+          <a:p>
+            <a:pPr fontAlgn="base" latinLnBrk="1"/>
+            <a:r>
+              <a:rPr lang="en-US" dirty="0"/>
+              <a:t> </a:t>
+            </a:r>
+          </a:p>
+          <a:p>
+            <a:pPr fontAlgn="base" latinLnBrk="1"/>
+            <a:r>
+              <a:rPr lang="en-US" dirty="0"/>
+              <a:t>2811 tornado warnings were issued by local forecast offices in 2017. #weatherOf2017 </a:t>
+            </a:r>
+          </a:p>
+          <a:p>
+            <a:pPr fontAlgn="base" latinLnBrk="1"/>
+            <a:r>
+              <a:rPr lang="en-US" dirty="0"/>
+              <a:t>Learn more about tornadoes: https://t.co/N0C7rm48ne https://t.co/G28DBrQ9e2</a:t>
+            </a:r>
+          </a:p>
+          <a:p>
+            <a:pPr fontAlgn="base" latinLnBrk="1"/>
+            <a:r>
+              <a:rPr lang="en-US" dirty="0"/>
+              <a:t> </a:t>
+            </a:r>
+          </a:p>
+          <a:p>
+            <a:pPr fontAlgn="base" latinLnBrk="1"/>
+            <a:r>
+              <a:rPr lang="en-US" dirty="0"/>
+              <a:t>2811 tornado warnings were issued by local forecast offices in 2017. #weatherOf2017 </a:t>
+            </a:r>
+          </a:p>
+          <a:p>
+            <a:pPr fontAlgn="base" latinLnBrk="1"/>
+            <a:r>
+              <a:rPr lang="en-US" dirty="0"/>
+              <a:t>Learn more about tornadoes: https://t.co/N0C7rm48ne https://t.co/G28DBrQ9e2</a:t>
+            </a:r>
+          </a:p>
+          <a:p>
+            <a:pPr fontAlgn="base" latinLnBrk="1"/>
+            <a:r>
+              <a:rPr lang="en-US" dirty="0"/>
+              <a:t> </a:t>
+            </a:r>
+          </a:p>
+          <a:p>
+            <a:pPr fontAlgn="base" latinLnBrk="1"/>
+            <a:r>
+              <a:rPr lang="en-US" dirty="0"/>
+              <a:t>2811 tornado warnings were issued by local forecast offices in 2017. #weatherOf2017 </a:t>
+            </a:r>
+          </a:p>
+          <a:p>
+            <a:pPr fontAlgn="base" latinLnBrk="1"/>
+            <a:r>
+              <a:rPr lang="en-US" dirty="0"/>
+              <a:t>Learn more about tornadoes: https://t.co/N0C7rm48ne https://t.co/G28DBrQ9e2</a:t>
+            </a:r>
+          </a:p>
+          <a:p>
+            <a:pPr fontAlgn="base" latinLnBrk="1"/>
+            <a:r>
+              <a:rPr lang="en-US" dirty="0"/>
+              <a:t> </a:t>
+            </a:r>
+          </a:p>
+          <a:p>
+            <a:pPr fontAlgn="base" latinLnBrk="1"/>
+            <a:r>
+              <a:rPr lang="en-US" dirty="0"/>
+              <a:t>Water spout looks like 'snow tornado' over Grand Traverse Bay https://t.co/YbhW0ylFPK</a:t>
+            </a:r>
+          </a:p>
+          <a:p>
+            <a:pPr fontAlgn="base" latinLnBrk="1"/>
+            <a:r>
+              <a:rPr lang="en-US" dirty="0"/>
+              <a:t> </a:t>
+            </a:r>
+          </a:p>
+          <a:p>
+            <a:pPr fontAlgn="base" latinLnBrk="1"/>
+            <a:r>
+              <a:rPr lang="en-US" dirty="0"/>
+              <a:t>#Water spout looks like 'snow tornado' over Grand Traverse Bay: </a:t>
+            </a:r>
+            <a:r>
+              <a:rPr lang="en-US" dirty="0" err="1"/>
+              <a:t>MLive</a:t>
+            </a:r>
+            <a:r>
+              <a:rPr lang="en-US" dirty="0"/>
+              <a:t> https://t.co/vfZBQSMWJL</a:t>
+            </a:r>
+          </a:p>
+          <a:p>
+            <a:pPr fontAlgn="base" latinLnBrk="1"/>
+            <a:r>
+              <a:rPr lang="en-US" dirty="0"/>
+              <a:t> </a:t>
+            </a:r>
+          </a:p>
+          <a:p>
+            <a:endParaRPr lang="en-US" dirty="0"/>
+          </a:p>
+        </p:txBody>
+      </p:sp>
+    </p:spTree>
+    <p:extLst>
+      <p:ext uri="{BB962C8B-B14F-4D97-AF65-F5344CB8AC3E}">
+        <p14:creationId xmlns:p14="http://schemas.microsoft.com/office/powerpoint/2010/main" val="1257681722"/>
+      </p:ext>
+    </p:extLst>
+  </p:cSld>
+  <p:clrMapOvr>
+    <a:masterClrMapping/>
+  </p:clrMapOvr>
+</p:sld>
+</file>
+
+<file path=ppt/slides/slide16.xml><?xml version="1.0" encoding="utf-8"?>
+<p:sld xmlns:a="http://schemas.openxmlformats.org/drawingml/2006/main" xmlns:r="http://schemas.openxmlformats.org/officeDocument/2006/relationships" xmlns:p="http://schemas.openxmlformats.org/presentationml/2006/main">
+  <p:cSld>
+    <p:spTree>
+      <p:nvGrpSpPr>
+        <p:cNvPr id="1" name=""/>
+        <p:cNvGrpSpPr/>
+        <p:nvPr/>
+      </p:nvGrpSpPr>
+      <p:grpSpPr>
+        <a:xfrm>
+          <a:off x="0" y="0"/>
+          <a:ext cx="0" cy="0"/>
+          <a:chOff x="0" y="0"/>
+          <a:chExt cx="0" cy="0"/>
+        </a:xfrm>
+      </p:grpSpPr>
+      <p:sp>
+        <p:nvSpPr>
+          <p:cNvPr id="2" name="Title 1">
+            <a:extLst>
+              <a:ext uri="{FF2B5EF4-FFF2-40B4-BE49-F238E27FC236}">
+                <a16:creationId xmlns:a16="http://schemas.microsoft.com/office/drawing/2014/main" id="{F7DD39E9-9E7F-448C-A7F9-344B36361594}"/>
+              </a:ext>
+            </a:extLst>
+          </p:cNvPr>
+          <p:cNvSpPr>
+            <a:spLocks noGrp="1"/>
+          </p:cNvSpPr>
+          <p:nvPr>
+            <p:ph type="title"/>
+          </p:nvPr>
+        </p:nvSpPr>
+        <p:spPr/>
+        <p:txBody>
+          <a:bodyPr/>
+          <a:lstStyle/>
+          <a:p>
+            <a:r>
+              <a:rPr lang="en-US" dirty="0"/>
+              <a:t>Tweets Count per Month and Day</a:t>
+            </a:r>
+          </a:p>
+        </p:txBody>
+      </p:sp>
+      <p:graphicFrame>
+        <p:nvGraphicFramePr>
+          <p:cNvPr id="4" name="Content Placeholder 3">
+            <a:extLst>
+              <a:ext uri="{FF2B5EF4-FFF2-40B4-BE49-F238E27FC236}">
+                <a16:creationId xmlns:a16="http://schemas.microsoft.com/office/drawing/2014/main" id="{A1DDBC57-94D4-4A6F-9CEC-5B1F4C859E27}"/>
+              </a:ext>
+            </a:extLst>
+          </p:cNvPr>
+          <p:cNvGraphicFramePr>
+            <a:graphicFrameLocks noGrp="1"/>
+          </p:cNvGraphicFramePr>
+          <p:nvPr>
+            <p:ph idx="1"/>
+            <p:extLst>
+              <p:ext uri="{D42A27DB-BD31-4B8C-83A1-F6EECF244321}">
+                <p14:modId xmlns:p14="http://schemas.microsoft.com/office/powerpoint/2010/main" val="1231518467"/>
+              </p:ext>
+            </p:extLst>
+          </p:nvPr>
+        </p:nvGraphicFramePr>
+        <p:xfrm>
+          <a:off x="1450975" y="2016125"/>
+          <a:ext cx="9604374" cy="2595880"/>
+        </p:xfrm>
+        <a:graphic>
+          <a:graphicData uri="http://schemas.openxmlformats.org/drawingml/2006/table">
+            <a:tbl>
+              <a:tblPr firstRow="1" bandRow="1">
+                <a:tableStyleId>{5C22544A-7EE6-4342-B048-85BDC9FD1C3A}</a:tableStyleId>
+              </a:tblPr>
+              <a:tblGrid>
+                <a:gridCol w="3201458">
+                  <a:extLst>
+                    <a:ext uri="{9D8B030D-6E8A-4147-A177-3AD203B41FA5}">
+                      <a16:colId xmlns:a16="http://schemas.microsoft.com/office/drawing/2014/main" val="40823147"/>
+                    </a:ext>
+                  </a:extLst>
+                </a:gridCol>
+                <a:gridCol w="3201458">
+                  <a:extLst>
+                    <a:ext uri="{9D8B030D-6E8A-4147-A177-3AD203B41FA5}">
+                      <a16:colId xmlns:a16="http://schemas.microsoft.com/office/drawing/2014/main" val="705386892"/>
+                    </a:ext>
+                  </a:extLst>
+                </a:gridCol>
+                <a:gridCol w="3201458">
+                  <a:extLst>
+                    <a:ext uri="{9D8B030D-6E8A-4147-A177-3AD203B41FA5}">
+                      <a16:colId xmlns:a16="http://schemas.microsoft.com/office/drawing/2014/main" val="2558387409"/>
+                    </a:ext>
+                  </a:extLst>
+                </a:gridCol>
+              </a:tblGrid>
+              <a:tr h="370840">
+                <a:tc>
+                  <a:txBody>
+                    <a:bodyPr/>
+                    <a:lstStyle/>
+                    <a:p>
+                      <a:r>
+                        <a:rPr lang="en-US" dirty="0"/>
+                        <a:t>COUNT</a:t>
+                      </a:r>
+                    </a:p>
+                  </a:txBody>
+                  <a:tcPr/>
+                </a:tc>
+                <a:tc>
+                  <a:txBody>
+                    <a:bodyPr/>
+                    <a:lstStyle/>
+                    <a:p>
+                      <a:r>
+                        <a:rPr lang="en-US" dirty="0"/>
+                        <a:t>MONTH</a:t>
+                      </a:r>
+                    </a:p>
+                  </a:txBody>
+                  <a:tcPr/>
+                </a:tc>
+                <a:tc>
+                  <a:txBody>
+                    <a:bodyPr/>
+                    <a:lstStyle/>
+                    <a:p>
+                      <a:r>
+                        <a:rPr lang="en-US" dirty="0"/>
+                        <a:t>DAY</a:t>
+                      </a:r>
+                    </a:p>
+                  </a:txBody>
+                  <a:tcPr/>
+                </a:tc>
+                <a:extLst>
+                  <a:ext uri="{0D108BD9-81ED-4DB2-BD59-A6C34878D82A}">
+                    <a16:rowId xmlns:a16="http://schemas.microsoft.com/office/drawing/2014/main" val="3481848438"/>
+                  </a:ext>
+                </a:extLst>
+              </a:tr>
+              <a:tr h="370840">
+                <a:tc>
+                  <a:txBody>
+                    <a:bodyPr/>
+                    <a:lstStyle/>
+                    <a:p>
+                      <a:pPr algn="r" fontAlgn="b"/>
+                      <a:r>
+                        <a:rPr lang="en-US" sz="1100" b="0" i="0" u="none" strike="noStrike" dirty="0">
+                          <a:solidFill>
+                            <a:srgbClr val="000000"/>
+                          </a:solidFill>
+                          <a:effectLst/>
+                          <a:latin typeface="Calibri" panose="020F0502020204030204" pitchFamily="34" charset="0"/>
+                        </a:rPr>
+                        <a:t>65</a:t>
+                      </a:r>
+                    </a:p>
+                  </a:txBody>
+                  <a:tcPr marL="7620" marR="7620" marT="7620" marB="0" anchor="b"/>
+                </a:tc>
+                <a:tc>
+                  <a:txBody>
+                    <a:bodyPr/>
+                    <a:lstStyle/>
+                    <a:p>
+                      <a:pPr algn="r" fontAlgn="b"/>
+                      <a:r>
+                        <a:rPr lang="en-US" sz="1100" b="0" i="0" u="none" strike="noStrike" dirty="0">
+                          <a:solidFill>
+                            <a:srgbClr val="000000"/>
+                          </a:solidFill>
+                          <a:effectLst/>
+                          <a:latin typeface="Calibri" panose="020F0502020204030204" pitchFamily="34" charset="0"/>
+                        </a:rPr>
+                        <a:t>11</a:t>
+                      </a:r>
+                    </a:p>
+                  </a:txBody>
+                  <a:tcPr marL="7620" marR="7620" marT="7620" marB="0" anchor="b"/>
+                </a:tc>
+                <a:tc>
+                  <a:txBody>
+                    <a:bodyPr/>
+                    <a:lstStyle/>
+                    <a:p>
+                      <a:pPr algn="r" fontAlgn="b"/>
+                      <a:r>
+                        <a:rPr lang="en-US" sz="1100" b="0" i="0" u="none" strike="noStrike" dirty="0">
+                          <a:solidFill>
+                            <a:srgbClr val="000000"/>
+                          </a:solidFill>
+                          <a:effectLst/>
+                          <a:latin typeface="Calibri" panose="020F0502020204030204" pitchFamily="34" charset="0"/>
+                        </a:rPr>
+                        <a:t>30</a:t>
+                      </a:r>
+                    </a:p>
+                  </a:txBody>
+                  <a:tcPr marL="7620" marR="7620" marT="7620" marB="0" anchor="b"/>
+                </a:tc>
+                <a:extLst>
+                  <a:ext uri="{0D108BD9-81ED-4DB2-BD59-A6C34878D82A}">
+                    <a16:rowId xmlns:a16="http://schemas.microsoft.com/office/drawing/2014/main" val="941173270"/>
+                  </a:ext>
+                </a:extLst>
+              </a:tr>
+              <a:tr h="370840">
+                <a:tc>
+                  <a:txBody>
+                    <a:bodyPr/>
+                    <a:lstStyle/>
+                    <a:p>
+                      <a:pPr algn="r" fontAlgn="b"/>
+                      <a:r>
+                        <a:rPr lang="en-US" sz="1100" b="0" i="0" u="none" strike="noStrike" dirty="0">
+                          <a:solidFill>
+                            <a:srgbClr val="000000"/>
+                          </a:solidFill>
+                          <a:effectLst/>
+                          <a:latin typeface="Calibri" panose="020F0502020204030204" pitchFamily="34" charset="0"/>
+                        </a:rPr>
+                        <a:t>241</a:t>
+                      </a:r>
+                    </a:p>
+                  </a:txBody>
+                  <a:tcPr marL="7620" marR="7620" marT="7620" marB="0" anchor="b"/>
+                </a:tc>
+                <a:tc>
+                  <a:txBody>
+                    <a:bodyPr/>
+                    <a:lstStyle/>
+                    <a:p>
+                      <a:pPr algn="r" fontAlgn="b"/>
+                      <a:r>
+                        <a:rPr lang="en-US" sz="1100" b="0" i="0" u="none" strike="noStrike" dirty="0">
+                          <a:solidFill>
+                            <a:srgbClr val="000000"/>
+                          </a:solidFill>
+                          <a:effectLst/>
+                          <a:latin typeface="Calibri" panose="020F0502020204030204" pitchFamily="34" charset="0"/>
+                        </a:rPr>
+                        <a:t>12</a:t>
+                      </a:r>
+                    </a:p>
+                  </a:txBody>
+                  <a:tcPr marL="7620" marR="7620" marT="7620" marB="0" anchor="b"/>
+                </a:tc>
+                <a:tc>
+                  <a:txBody>
+                    <a:bodyPr/>
+                    <a:lstStyle/>
+                    <a:p>
+                      <a:pPr algn="r" fontAlgn="b"/>
+                      <a:r>
+                        <a:rPr lang="en-US" sz="1100" b="0" i="0" u="none" strike="noStrike" dirty="0">
+                          <a:solidFill>
+                            <a:srgbClr val="000000"/>
+                          </a:solidFill>
+                          <a:effectLst/>
+                          <a:latin typeface="Calibri" panose="020F0502020204030204" pitchFamily="34" charset="0"/>
+                        </a:rPr>
+                        <a:t>1</a:t>
+                      </a:r>
+                    </a:p>
+                  </a:txBody>
+                  <a:tcPr marL="7620" marR="7620" marT="7620" marB="0" anchor="b"/>
+                </a:tc>
+                <a:extLst>
+                  <a:ext uri="{0D108BD9-81ED-4DB2-BD59-A6C34878D82A}">
+                    <a16:rowId xmlns:a16="http://schemas.microsoft.com/office/drawing/2014/main" val="2589390214"/>
+                  </a:ext>
+                </a:extLst>
+              </a:tr>
+              <a:tr h="370840">
+                <a:tc>
+                  <a:txBody>
+                    <a:bodyPr/>
+                    <a:lstStyle/>
+                    <a:p>
+                      <a:pPr algn="r" fontAlgn="b"/>
+                      <a:r>
+                        <a:rPr lang="en-US" sz="1100" b="0" i="0" u="none" strike="noStrike" dirty="0">
+                          <a:solidFill>
+                            <a:srgbClr val="000000"/>
+                          </a:solidFill>
+                          <a:effectLst/>
+                          <a:latin typeface="Calibri" panose="020F0502020204030204" pitchFamily="34" charset="0"/>
+                        </a:rPr>
+                        <a:t>87</a:t>
+                      </a:r>
+                    </a:p>
+                  </a:txBody>
+                  <a:tcPr marL="7620" marR="7620" marT="7620" marB="0" anchor="b"/>
+                </a:tc>
+                <a:tc>
+                  <a:txBody>
+                    <a:bodyPr/>
+                    <a:lstStyle/>
+                    <a:p>
+                      <a:pPr algn="r" fontAlgn="b"/>
+                      <a:r>
+                        <a:rPr lang="en-US" sz="1100" b="0" i="0" u="none" strike="noStrike" dirty="0">
+                          <a:solidFill>
+                            <a:srgbClr val="000000"/>
+                          </a:solidFill>
+                          <a:effectLst/>
+                          <a:latin typeface="Calibri" panose="020F0502020204030204" pitchFamily="34" charset="0"/>
+                        </a:rPr>
+                        <a:t>12</a:t>
+                      </a:r>
+                    </a:p>
+                  </a:txBody>
+                  <a:tcPr marL="7620" marR="7620" marT="7620" marB="0" anchor="b"/>
+                </a:tc>
+                <a:tc>
+                  <a:txBody>
+                    <a:bodyPr/>
+                    <a:lstStyle/>
+                    <a:p>
+                      <a:pPr algn="r" fontAlgn="b"/>
+                      <a:r>
+                        <a:rPr lang="en-US" sz="1100" b="0" i="0" u="none" strike="noStrike" dirty="0">
+                          <a:solidFill>
+                            <a:srgbClr val="000000"/>
+                          </a:solidFill>
+                          <a:effectLst/>
+                          <a:latin typeface="Calibri" panose="020F0502020204030204" pitchFamily="34" charset="0"/>
+                        </a:rPr>
+                        <a:t>2</a:t>
+                      </a:r>
+                    </a:p>
+                  </a:txBody>
+                  <a:tcPr marL="7620" marR="7620" marT="7620" marB="0" anchor="b"/>
+                </a:tc>
+                <a:extLst>
+                  <a:ext uri="{0D108BD9-81ED-4DB2-BD59-A6C34878D82A}">
+                    <a16:rowId xmlns:a16="http://schemas.microsoft.com/office/drawing/2014/main" val="1242720638"/>
+                  </a:ext>
+                </a:extLst>
+              </a:tr>
+              <a:tr h="370840">
+                <a:tc>
+                  <a:txBody>
+                    <a:bodyPr/>
+                    <a:lstStyle/>
+                    <a:p>
+                      <a:pPr algn="r" fontAlgn="b"/>
+                      <a:r>
+                        <a:rPr lang="en-US" sz="1100" b="0" i="0" u="none" strike="noStrike" dirty="0">
+                          <a:solidFill>
+                            <a:srgbClr val="000000"/>
+                          </a:solidFill>
+                          <a:effectLst/>
+                          <a:latin typeface="Calibri" panose="020F0502020204030204" pitchFamily="34" charset="0"/>
+                        </a:rPr>
+                        <a:t>34</a:t>
+                      </a:r>
+                    </a:p>
+                  </a:txBody>
+                  <a:tcPr marL="7620" marR="7620" marT="7620" marB="0" anchor="b"/>
+                </a:tc>
+                <a:tc>
+                  <a:txBody>
+                    <a:bodyPr/>
+                    <a:lstStyle/>
+                    <a:p>
+                      <a:pPr algn="r" fontAlgn="b"/>
+                      <a:r>
+                        <a:rPr lang="en-US" sz="1100" b="0" i="0" u="none" strike="noStrike" dirty="0">
+                          <a:solidFill>
+                            <a:srgbClr val="000000"/>
+                          </a:solidFill>
+                          <a:effectLst/>
+                          <a:latin typeface="Calibri" panose="020F0502020204030204" pitchFamily="34" charset="0"/>
+                        </a:rPr>
+                        <a:t>12</a:t>
+                      </a:r>
+                    </a:p>
+                  </a:txBody>
+                  <a:tcPr marL="7620" marR="7620" marT="7620" marB="0" anchor="b"/>
+                </a:tc>
+                <a:tc>
+                  <a:txBody>
+                    <a:bodyPr/>
+                    <a:lstStyle/>
+                    <a:p>
+                      <a:pPr algn="r" fontAlgn="b"/>
+                      <a:r>
+                        <a:rPr lang="en-US" sz="1100" b="0" i="0" u="none" strike="noStrike" dirty="0">
+                          <a:solidFill>
+                            <a:srgbClr val="000000"/>
+                          </a:solidFill>
+                          <a:effectLst/>
+                          <a:latin typeface="Calibri" panose="020F0502020204030204" pitchFamily="34" charset="0"/>
+                        </a:rPr>
+                        <a:t>3</a:t>
+                      </a:r>
+                    </a:p>
+                  </a:txBody>
+                  <a:tcPr marL="7620" marR="7620" marT="7620" marB="0" anchor="b"/>
+                </a:tc>
+                <a:extLst>
+                  <a:ext uri="{0D108BD9-81ED-4DB2-BD59-A6C34878D82A}">
+                    <a16:rowId xmlns:a16="http://schemas.microsoft.com/office/drawing/2014/main" val="3694565848"/>
+                  </a:ext>
+                </a:extLst>
+              </a:tr>
+              <a:tr h="370840">
+                <a:tc>
+                  <a:txBody>
+                    <a:bodyPr/>
+                    <a:lstStyle/>
+                    <a:p>
+                      <a:pPr algn="r" fontAlgn="b"/>
+                      <a:r>
+                        <a:rPr lang="en-US" sz="1100" b="0" i="0" u="none" strike="noStrike" dirty="0">
+                          <a:solidFill>
+                            <a:srgbClr val="000000"/>
+                          </a:solidFill>
+                          <a:effectLst/>
+                          <a:latin typeface="Calibri" panose="020F0502020204030204" pitchFamily="34" charset="0"/>
+                        </a:rPr>
+                        <a:t>18</a:t>
+                      </a:r>
+                    </a:p>
+                  </a:txBody>
+                  <a:tcPr marL="7620" marR="7620" marT="7620" marB="0" anchor="b"/>
+                </a:tc>
+                <a:tc>
+                  <a:txBody>
+                    <a:bodyPr/>
+                    <a:lstStyle/>
+                    <a:p>
+                      <a:pPr algn="r" fontAlgn="b"/>
+                      <a:r>
+                        <a:rPr lang="en-US" sz="1100" b="0" i="0" u="none" strike="noStrike" dirty="0">
+                          <a:solidFill>
+                            <a:srgbClr val="000000"/>
+                          </a:solidFill>
+                          <a:effectLst/>
+                          <a:latin typeface="Calibri" panose="020F0502020204030204" pitchFamily="34" charset="0"/>
+                        </a:rPr>
+                        <a:t>12</a:t>
+                      </a:r>
+                    </a:p>
+                  </a:txBody>
+                  <a:tcPr marL="7620" marR="7620" marT="7620" marB="0" anchor="b"/>
+                </a:tc>
+                <a:tc>
+                  <a:txBody>
+                    <a:bodyPr/>
+                    <a:lstStyle/>
+                    <a:p>
+                      <a:pPr algn="r" fontAlgn="b"/>
+                      <a:r>
+                        <a:rPr lang="en-US" sz="1100" b="0" i="0" u="none" strike="noStrike" dirty="0">
+                          <a:solidFill>
+                            <a:srgbClr val="000000"/>
+                          </a:solidFill>
+                          <a:effectLst/>
+                          <a:latin typeface="Calibri" panose="020F0502020204030204" pitchFamily="34" charset="0"/>
+                        </a:rPr>
+                        <a:t>4</a:t>
+                      </a:r>
+                    </a:p>
+                  </a:txBody>
+                  <a:tcPr marL="7620" marR="7620" marT="7620" marB="0" anchor="b"/>
+                </a:tc>
+                <a:extLst>
+                  <a:ext uri="{0D108BD9-81ED-4DB2-BD59-A6C34878D82A}">
+                    <a16:rowId xmlns:a16="http://schemas.microsoft.com/office/drawing/2014/main" val="3097284472"/>
+                  </a:ext>
+                </a:extLst>
+              </a:tr>
+              <a:tr h="370840">
+                <a:tc>
+                  <a:txBody>
+                    <a:bodyPr/>
+                    <a:lstStyle/>
+                    <a:p>
+                      <a:pPr algn="r" fontAlgn="b"/>
+                      <a:r>
+                        <a:rPr lang="en-US" sz="1100" b="0" i="0" u="none" strike="noStrike" dirty="0">
+                          <a:solidFill>
+                            <a:srgbClr val="000000"/>
+                          </a:solidFill>
+                          <a:effectLst/>
+                          <a:latin typeface="Calibri" panose="020F0502020204030204" pitchFamily="34" charset="0"/>
+                        </a:rPr>
+                        <a:t>9</a:t>
+                      </a:r>
+                    </a:p>
+                  </a:txBody>
+                  <a:tcPr marL="7620" marR="7620" marT="7620" marB="0" anchor="b"/>
+                </a:tc>
+                <a:tc>
+                  <a:txBody>
+                    <a:bodyPr/>
+                    <a:lstStyle/>
+                    <a:p>
+                      <a:pPr algn="r" fontAlgn="b"/>
+                      <a:r>
+                        <a:rPr lang="en-US" sz="1100" b="0" i="0" u="none" strike="noStrike" dirty="0">
+                          <a:solidFill>
+                            <a:srgbClr val="000000"/>
+                          </a:solidFill>
+                          <a:effectLst/>
+                          <a:latin typeface="Calibri" panose="020F0502020204030204" pitchFamily="34" charset="0"/>
+                        </a:rPr>
+                        <a:t>12</a:t>
+                      </a:r>
+                    </a:p>
+                  </a:txBody>
+                  <a:tcPr marL="7620" marR="7620" marT="7620" marB="0" anchor="b"/>
+                </a:tc>
+                <a:tc>
+                  <a:txBody>
+                    <a:bodyPr/>
+                    <a:lstStyle/>
+                    <a:p>
+                      <a:pPr algn="r" fontAlgn="b"/>
+                      <a:r>
+                        <a:rPr lang="en-US" sz="1100" b="0" i="0" u="none" strike="noStrike" dirty="0">
+                          <a:solidFill>
+                            <a:srgbClr val="000000"/>
+                          </a:solidFill>
+                          <a:effectLst/>
+                          <a:latin typeface="Calibri" panose="020F0502020204030204" pitchFamily="34" charset="0"/>
+                        </a:rPr>
+                        <a:t>5</a:t>
+                      </a:r>
+                    </a:p>
+                  </a:txBody>
+                  <a:tcPr marL="7620" marR="7620" marT="7620" marB="0" anchor="b"/>
+                </a:tc>
+                <a:extLst>
+                  <a:ext uri="{0D108BD9-81ED-4DB2-BD59-A6C34878D82A}">
+                    <a16:rowId xmlns:a16="http://schemas.microsoft.com/office/drawing/2014/main" val="1893450340"/>
+                  </a:ext>
+                </a:extLst>
+              </a:tr>
+            </a:tbl>
+          </a:graphicData>
+        </a:graphic>
+      </p:graphicFrame>
+    </p:spTree>
+    <p:extLst>
+      <p:ext uri="{BB962C8B-B14F-4D97-AF65-F5344CB8AC3E}">
+        <p14:creationId xmlns:p14="http://schemas.microsoft.com/office/powerpoint/2010/main" val="531129929"/>
+      </p:ext>
+    </p:extLst>
+  </p:cSld>
+  <p:clrMapOvr>
+    <a:masterClrMapping/>
+  </p:clrMapOvr>
+</p:sld>
+</file>
+
+<file path=ppt/slides/slide17.xml><?xml version="1.0" encoding="utf-8"?>
+<p:sld xmlns:a="http://schemas.openxmlformats.org/drawingml/2006/main" xmlns:r="http://schemas.openxmlformats.org/officeDocument/2006/relationships" xmlns:p="http://schemas.openxmlformats.org/presentationml/2006/main">
+  <p:cSld>
+    <p:spTree>
+      <p:nvGrpSpPr>
+        <p:cNvPr id="1" name=""/>
+        <p:cNvGrpSpPr/>
+        <p:nvPr/>
+      </p:nvGrpSpPr>
+      <p:grpSpPr>
+        <a:xfrm>
+          <a:off x="0" y="0"/>
+          <a:ext cx="0" cy="0"/>
+          <a:chOff x="0" y="0"/>
+          <a:chExt cx="0" cy="0"/>
+        </a:xfrm>
+      </p:grpSpPr>
+      <p:sp>
+        <p:nvSpPr>
+          <p:cNvPr id="2" name="Rectangle 1">
+            <a:extLst>
+              <a:ext uri="{FF2B5EF4-FFF2-40B4-BE49-F238E27FC236}">
+                <a16:creationId xmlns:a16="http://schemas.microsoft.com/office/drawing/2014/main" id="{758310CA-AEBA-4AD9-AD67-B3F0278A5B45}"/>
+              </a:ext>
+            </a:extLst>
+          </p:cNvPr>
+          <p:cNvSpPr/>
+          <p:nvPr/>
+        </p:nvSpPr>
+        <p:spPr>
+          <a:xfrm>
+            <a:off x="2618913" y="-142042"/>
+            <a:ext cx="6525087" cy="6663812"/>
+          </a:xfrm>
+          <a:prstGeom prst="rect">
+            <a:avLst/>
+          </a:prstGeom>
+        </p:spPr>
+        <p:txBody>
+          <a:bodyPr wrap="square">
+            <a:spAutoFit/>
+          </a:bodyPr>
+          <a:lstStyle/>
+          <a:p>
+            <a:pPr fontAlgn="base" latinLnBrk="1">
+              <a:lnSpc>
+                <a:spcPct val="107000"/>
+              </a:lnSpc>
+              <a:tabLst>
+                <a:tab pos="581660" algn="l"/>
+                <a:tab pos="1163320" algn="l"/>
+                <a:tab pos="1744980" algn="l"/>
+                <a:tab pos="2326640" algn="l"/>
+                <a:tab pos="2908300" algn="l"/>
+                <a:tab pos="3489960" algn="l"/>
+                <a:tab pos="4071620" algn="l"/>
+                <a:tab pos="4653280" algn="l"/>
+                <a:tab pos="5234940" algn="l"/>
+                <a:tab pos="5816600" algn="l"/>
+                <a:tab pos="6398260" algn="l"/>
+                <a:tab pos="6979920" algn="l"/>
+                <a:tab pos="7561580" algn="l"/>
+                <a:tab pos="8143240" algn="l"/>
+                <a:tab pos="8724900" algn="l"/>
+                <a:tab pos="9306560" algn="l"/>
+              </a:tabLst>
+            </a:pPr>
+            <a:r>
+              <a:rPr lang="en-US" sz="2400" u="sng" dirty="0">
+                <a:solidFill>
+                  <a:srgbClr val="000000"/>
+                </a:solidFill>
+                <a:latin typeface="Calibri" panose="020F0502020204030204" pitchFamily="34" charset="0"/>
+                <a:ea typeface="Times New Roman" panose="02020603050405020304" pitchFamily="18" charset="0"/>
+                <a:cs typeface="Calibri" panose="020F0502020204030204" pitchFamily="34" charset="0"/>
+              </a:rPr>
+              <a:t>Tweet Generator</a:t>
+            </a:r>
+            <a:endParaRPr lang="en-US" dirty="0">
+              <a:latin typeface="Calibri" panose="020F0502020204030204" pitchFamily="34" charset="0"/>
+              <a:ea typeface="Calibri" panose="020F0502020204030204" pitchFamily="34" charset="0"/>
+              <a:cs typeface="Times New Roman" panose="02020603050405020304" pitchFamily="18" charset="0"/>
+            </a:endParaRPr>
+          </a:p>
+          <a:p>
+            <a:pPr fontAlgn="base" latinLnBrk="1">
+              <a:lnSpc>
+                <a:spcPct val="107000"/>
+              </a:lnSpc>
+              <a:tabLst>
+                <a:tab pos="581660" algn="l"/>
+                <a:tab pos="1163320" algn="l"/>
+                <a:tab pos="1744980" algn="l"/>
+                <a:tab pos="2326640" algn="l"/>
+                <a:tab pos="2908300" algn="l"/>
+                <a:tab pos="3489960" algn="l"/>
+                <a:tab pos="4071620" algn="l"/>
+                <a:tab pos="4653280" algn="l"/>
+                <a:tab pos="5234940" algn="l"/>
+                <a:tab pos="5816600" algn="l"/>
+                <a:tab pos="6398260" algn="l"/>
+                <a:tab pos="6979920" algn="l"/>
+                <a:tab pos="7561580" algn="l"/>
+                <a:tab pos="8143240" algn="l"/>
+                <a:tab pos="8724900" algn="l"/>
+                <a:tab pos="9306560" algn="l"/>
+              </a:tabLst>
+            </a:pPr>
+            <a:r>
+              <a:rPr lang="en-US" sz="1600" dirty="0">
+                <a:solidFill>
+                  <a:srgbClr val="000000"/>
+                </a:solidFill>
+                <a:latin typeface="Courier New" panose="02070309020205020404" pitchFamily="49" charset="0"/>
+                <a:ea typeface="Times New Roman" panose="02020603050405020304" pitchFamily="18" charset="0"/>
+                <a:cs typeface="Times New Roman" panose="02020603050405020304" pitchFamily="18" charset="0"/>
+              </a:rPr>
+              <a:t> </a:t>
+            </a:r>
+            <a:endParaRPr lang="en-US" dirty="0">
+              <a:latin typeface="Calibri" panose="020F0502020204030204" pitchFamily="34" charset="0"/>
+              <a:ea typeface="Calibri" panose="020F0502020204030204" pitchFamily="34" charset="0"/>
+              <a:cs typeface="Times New Roman" panose="02020603050405020304" pitchFamily="18" charset="0"/>
+            </a:endParaRPr>
+          </a:p>
+          <a:p>
+            <a:pPr fontAlgn="base" latinLnBrk="1">
+              <a:lnSpc>
+                <a:spcPct val="107000"/>
+              </a:lnSpc>
+              <a:tabLst>
+                <a:tab pos="581660" algn="l"/>
+                <a:tab pos="1163320" algn="l"/>
+                <a:tab pos="1744980" algn="l"/>
+                <a:tab pos="2326640" algn="l"/>
+                <a:tab pos="2908300" algn="l"/>
+                <a:tab pos="3489960" algn="l"/>
+                <a:tab pos="4071620" algn="l"/>
+                <a:tab pos="4653280" algn="l"/>
+                <a:tab pos="5234940" algn="l"/>
+                <a:tab pos="5816600" algn="l"/>
+                <a:tab pos="6398260" algn="l"/>
+                <a:tab pos="6979920" algn="l"/>
+                <a:tab pos="7561580" algn="l"/>
+                <a:tab pos="8143240" algn="l"/>
+                <a:tab pos="8724900" algn="l"/>
+                <a:tab pos="9306560" algn="l"/>
+              </a:tabLst>
+            </a:pPr>
+            <a:r>
+              <a:rPr lang="en-US" dirty="0">
+                <a:solidFill>
+                  <a:srgbClr val="000000"/>
+                </a:solidFill>
+                <a:latin typeface="Calibri" panose="020F0502020204030204" pitchFamily="34" charset="0"/>
+                <a:ea typeface="Times New Roman" panose="02020603050405020304" pitchFamily="18" charset="0"/>
+                <a:cs typeface="Calibri" panose="020F0502020204030204" pitchFamily="34" charset="0"/>
+              </a:rPr>
+              <a:t>twitterfeed</a:t>
+            </a:r>
+            <a:endParaRPr lang="en-US" dirty="0">
+              <a:latin typeface="Calibri" panose="020F0502020204030204" pitchFamily="34" charset="0"/>
+              <a:ea typeface="Calibri" panose="020F0502020204030204" pitchFamily="34" charset="0"/>
+              <a:cs typeface="Times New Roman" panose="02020603050405020304" pitchFamily="18" charset="0"/>
+            </a:endParaRPr>
+          </a:p>
+          <a:p>
+            <a:pPr fontAlgn="base" latinLnBrk="1">
+              <a:lnSpc>
+                <a:spcPct val="107000"/>
+              </a:lnSpc>
+              <a:tabLst>
+                <a:tab pos="581660" algn="l"/>
+                <a:tab pos="1163320" algn="l"/>
+                <a:tab pos="1744980" algn="l"/>
+                <a:tab pos="2326640" algn="l"/>
+                <a:tab pos="2908300" algn="l"/>
+                <a:tab pos="3489960" algn="l"/>
+                <a:tab pos="4071620" algn="l"/>
+                <a:tab pos="4653280" algn="l"/>
+                <a:tab pos="5234940" algn="l"/>
+                <a:tab pos="5816600" algn="l"/>
+                <a:tab pos="6398260" algn="l"/>
+                <a:tab pos="6979920" algn="l"/>
+                <a:tab pos="7561580" algn="l"/>
+                <a:tab pos="8143240" algn="l"/>
+                <a:tab pos="8724900" algn="l"/>
+                <a:tab pos="9306560" algn="l"/>
+              </a:tabLst>
+            </a:pPr>
+            <a:r>
+              <a:rPr lang="en-US" dirty="0">
+                <a:solidFill>
+                  <a:srgbClr val="000000"/>
+                </a:solidFill>
+                <a:latin typeface="Calibri" panose="020F0502020204030204" pitchFamily="34" charset="0"/>
+                <a:ea typeface="Times New Roman" panose="02020603050405020304" pitchFamily="18" charset="0"/>
+                <a:cs typeface="Calibri" panose="020F0502020204030204" pitchFamily="34" charset="0"/>
+              </a:rPr>
+              <a:t>TweetDeck</a:t>
+            </a:r>
+            <a:endParaRPr lang="en-US" dirty="0">
+              <a:latin typeface="Calibri" panose="020F0502020204030204" pitchFamily="34" charset="0"/>
+              <a:ea typeface="Calibri" panose="020F0502020204030204" pitchFamily="34" charset="0"/>
+              <a:cs typeface="Times New Roman" panose="02020603050405020304" pitchFamily="18" charset="0"/>
+            </a:endParaRPr>
+          </a:p>
+          <a:p>
+            <a:pPr fontAlgn="base" latinLnBrk="1">
+              <a:lnSpc>
+                <a:spcPct val="107000"/>
+              </a:lnSpc>
+              <a:tabLst>
+                <a:tab pos="581660" algn="l"/>
+                <a:tab pos="1163320" algn="l"/>
+                <a:tab pos="1744980" algn="l"/>
+                <a:tab pos="2326640" algn="l"/>
+                <a:tab pos="2908300" algn="l"/>
+                <a:tab pos="3489960" algn="l"/>
+                <a:tab pos="4071620" algn="l"/>
+                <a:tab pos="4653280" algn="l"/>
+                <a:tab pos="5234940" algn="l"/>
+                <a:tab pos="5816600" algn="l"/>
+                <a:tab pos="6398260" algn="l"/>
+                <a:tab pos="6979920" algn="l"/>
+                <a:tab pos="7561580" algn="l"/>
+                <a:tab pos="8143240" algn="l"/>
+                <a:tab pos="8724900" algn="l"/>
+                <a:tab pos="9306560" algn="l"/>
+              </a:tabLst>
+            </a:pPr>
+            <a:r>
+              <a:rPr lang="en-US" dirty="0">
+                <a:solidFill>
+                  <a:srgbClr val="000000"/>
+                </a:solidFill>
+                <a:latin typeface="Calibri" panose="020F0502020204030204" pitchFamily="34" charset="0"/>
+                <a:ea typeface="Times New Roman" panose="02020603050405020304" pitchFamily="18" charset="0"/>
+                <a:cs typeface="Calibri" panose="020F0502020204030204" pitchFamily="34" charset="0"/>
+              </a:rPr>
+              <a:t>Twitter for iPhone</a:t>
+            </a:r>
+            <a:endParaRPr lang="en-US" dirty="0">
+              <a:latin typeface="Calibri" panose="020F0502020204030204" pitchFamily="34" charset="0"/>
+              <a:ea typeface="Calibri" panose="020F0502020204030204" pitchFamily="34" charset="0"/>
+              <a:cs typeface="Times New Roman" panose="02020603050405020304" pitchFamily="18" charset="0"/>
+            </a:endParaRPr>
+          </a:p>
+          <a:p>
+            <a:pPr fontAlgn="base" latinLnBrk="1">
+              <a:lnSpc>
+                <a:spcPct val="107000"/>
+              </a:lnSpc>
+              <a:tabLst>
+                <a:tab pos="581660" algn="l"/>
+                <a:tab pos="1163320" algn="l"/>
+                <a:tab pos="1744980" algn="l"/>
+                <a:tab pos="2326640" algn="l"/>
+                <a:tab pos="2908300" algn="l"/>
+                <a:tab pos="3489960" algn="l"/>
+                <a:tab pos="4071620" algn="l"/>
+                <a:tab pos="4653280" algn="l"/>
+                <a:tab pos="5234940" algn="l"/>
+                <a:tab pos="5816600" algn="l"/>
+                <a:tab pos="6398260" algn="l"/>
+                <a:tab pos="6979920" algn="l"/>
+                <a:tab pos="7561580" algn="l"/>
+                <a:tab pos="8143240" algn="l"/>
+                <a:tab pos="8724900" algn="l"/>
+                <a:tab pos="9306560" algn="l"/>
+              </a:tabLst>
+            </a:pPr>
+            <a:r>
+              <a:rPr lang="en-US" dirty="0">
+                <a:solidFill>
+                  <a:srgbClr val="000000"/>
+                </a:solidFill>
+                <a:latin typeface="Calibri" panose="020F0502020204030204" pitchFamily="34" charset="0"/>
+                <a:ea typeface="Times New Roman" panose="02020603050405020304" pitchFamily="18" charset="0"/>
+                <a:cs typeface="Calibri" panose="020F0502020204030204" pitchFamily="34" charset="0"/>
+              </a:rPr>
+              <a:t>wicked wx bot</a:t>
+            </a:r>
+            <a:endParaRPr lang="en-US" dirty="0">
+              <a:latin typeface="Calibri" panose="020F0502020204030204" pitchFamily="34" charset="0"/>
+              <a:ea typeface="Calibri" panose="020F0502020204030204" pitchFamily="34" charset="0"/>
+              <a:cs typeface="Times New Roman" panose="02020603050405020304" pitchFamily="18" charset="0"/>
+            </a:endParaRPr>
+          </a:p>
+          <a:p>
+            <a:pPr fontAlgn="base" latinLnBrk="1">
+              <a:lnSpc>
+                <a:spcPct val="107000"/>
+              </a:lnSpc>
+              <a:tabLst>
+                <a:tab pos="581660" algn="l"/>
+                <a:tab pos="1163320" algn="l"/>
+                <a:tab pos="1744980" algn="l"/>
+                <a:tab pos="2326640" algn="l"/>
+                <a:tab pos="2908300" algn="l"/>
+                <a:tab pos="3489960" algn="l"/>
+                <a:tab pos="4071620" algn="l"/>
+                <a:tab pos="4653280" algn="l"/>
+                <a:tab pos="5234940" algn="l"/>
+                <a:tab pos="5816600" algn="l"/>
+                <a:tab pos="6398260" algn="l"/>
+                <a:tab pos="6979920" algn="l"/>
+                <a:tab pos="7561580" algn="l"/>
+                <a:tab pos="8143240" algn="l"/>
+                <a:tab pos="8724900" algn="l"/>
+                <a:tab pos="9306560" algn="l"/>
+              </a:tabLst>
+            </a:pPr>
+            <a:r>
+              <a:rPr lang="en-US" dirty="0">
+                <a:solidFill>
+                  <a:srgbClr val="000000"/>
+                </a:solidFill>
+                <a:latin typeface="Calibri" panose="020F0502020204030204" pitchFamily="34" charset="0"/>
+                <a:ea typeface="Times New Roman" panose="02020603050405020304" pitchFamily="18" charset="0"/>
+                <a:cs typeface="Calibri" panose="020F0502020204030204" pitchFamily="34" charset="0"/>
+              </a:rPr>
+              <a:t>TweetDeck</a:t>
+            </a:r>
+            <a:endParaRPr lang="en-US" dirty="0">
+              <a:latin typeface="Calibri" panose="020F0502020204030204" pitchFamily="34" charset="0"/>
+              <a:ea typeface="Calibri" panose="020F0502020204030204" pitchFamily="34" charset="0"/>
+              <a:cs typeface="Times New Roman" panose="02020603050405020304" pitchFamily="18" charset="0"/>
+            </a:endParaRPr>
+          </a:p>
+          <a:p>
+            <a:pPr fontAlgn="base" latinLnBrk="1">
+              <a:lnSpc>
+                <a:spcPct val="107000"/>
+              </a:lnSpc>
+              <a:tabLst>
+                <a:tab pos="581660" algn="l"/>
+                <a:tab pos="1163320" algn="l"/>
+                <a:tab pos="1744980" algn="l"/>
+                <a:tab pos="2326640" algn="l"/>
+                <a:tab pos="2908300" algn="l"/>
+                <a:tab pos="3489960" algn="l"/>
+                <a:tab pos="4071620" algn="l"/>
+                <a:tab pos="4653280" algn="l"/>
+                <a:tab pos="5234940" algn="l"/>
+                <a:tab pos="5816600" algn="l"/>
+                <a:tab pos="6398260" algn="l"/>
+                <a:tab pos="6979920" algn="l"/>
+                <a:tab pos="7561580" algn="l"/>
+                <a:tab pos="8143240" algn="l"/>
+                <a:tab pos="8724900" algn="l"/>
+                <a:tab pos="9306560" algn="l"/>
+              </a:tabLst>
+            </a:pPr>
+            <a:r>
+              <a:rPr lang="en-US" dirty="0">
+                <a:solidFill>
+                  <a:srgbClr val="000000"/>
+                </a:solidFill>
+                <a:latin typeface="Calibri" panose="020F0502020204030204" pitchFamily="34" charset="0"/>
+                <a:ea typeface="Times New Roman" panose="02020603050405020304" pitchFamily="18" charset="0"/>
+                <a:cs typeface="Calibri" panose="020F0502020204030204" pitchFamily="34" charset="0"/>
+              </a:rPr>
+              <a:t>Twitter Web Client</a:t>
+            </a:r>
+            <a:endParaRPr lang="en-US" dirty="0">
+              <a:latin typeface="Calibri" panose="020F0502020204030204" pitchFamily="34" charset="0"/>
+              <a:ea typeface="Calibri" panose="020F0502020204030204" pitchFamily="34" charset="0"/>
+              <a:cs typeface="Times New Roman" panose="02020603050405020304" pitchFamily="18" charset="0"/>
+            </a:endParaRPr>
+          </a:p>
+          <a:p>
+            <a:pPr fontAlgn="base" latinLnBrk="1">
+              <a:lnSpc>
+                <a:spcPct val="107000"/>
+              </a:lnSpc>
+              <a:tabLst>
+                <a:tab pos="581660" algn="l"/>
+                <a:tab pos="1163320" algn="l"/>
+                <a:tab pos="1744980" algn="l"/>
+                <a:tab pos="2326640" algn="l"/>
+                <a:tab pos="2908300" algn="l"/>
+                <a:tab pos="3489960" algn="l"/>
+                <a:tab pos="4071620" algn="l"/>
+                <a:tab pos="4653280" algn="l"/>
+                <a:tab pos="5234940" algn="l"/>
+                <a:tab pos="5816600" algn="l"/>
+                <a:tab pos="6398260" algn="l"/>
+                <a:tab pos="6979920" algn="l"/>
+                <a:tab pos="7561580" algn="l"/>
+                <a:tab pos="8143240" algn="l"/>
+                <a:tab pos="8724900" algn="l"/>
+                <a:tab pos="9306560" algn="l"/>
+              </a:tabLst>
+            </a:pPr>
+            <a:r>
+              <a:rPr lang="en-US" dirty="0">
+                <a:solidFill>
+                  <a:srgbClr val="000000"/>
+                </a:solidFill>
+                <a:latin typeface="Calibri" panose="020F0502020204030204" pitchFamily="34" charset="0"/>
+                <a:ea typeface="Times New Roman" panose="02020603050405020304" pitchFamily="18" charset="0"/>
+                <a:cs typeface="Calibri" panose="020F0502020204030204" pitchFamily="34" charset="0"/>
+              </a:rPr>
+              <a:t>Echofon</a:t>
+            </a:r>
+            <a:endParaRPr lang="en-US" dirty="0">
+              <a:latin typeface="Calibri" panose="020F0502020204030204" pitchFamily="34" charset="0"/>
+              <a:ea typeface="Calibri" panose="020F0502020204030204" pitchFamily="34" charset="0"/>
+              <a:cs typeface="Times New Roman" panose="02020603050405020304" pitchFamily="18" charset="0"/>
+            </a:endParaRPr>
+          </a:p>
+          <a:p>
+            <a:pPr fontAlgn="base" latinLnBrk="1">
+              <a:lnSpc>
+                <a:spcPct val="107000"/>
+              </a:lnSpc>
+              <a:tabLst>
+                <a:tab pos="581660" algn="l"/>
+                <a:tab pos="1163320" algn="l"/>
+                <a:tab pos="1744980" algn="l"/>
+                <a:tab pos="2326640" algn="l"/>
+                <a:tab pos="2908300" algn="l"/>
+                <a:tab pos="3489960" algn="l"/>
+                <a:tab pos="4071620" algn="l"/>
+                <a:tab pos="4653280" algn="l"/>
+                <a:tab pos="5234940" algn="l"/>
+                <a:tab pos="5816600" algn="l"/>
+                <a:tab pos="6398260" algn="l"/>
+                <a:tab pos="6979920" algn="l"/>
+                <a:tab pos="7561580" algn="l"/>
+                <a:tab pos="8143240" algn="l"/>
+                <a:tab pos="8724900" algn="l"/>
+                <a:tab pos="9306560" algn="l"/>
+              </a:tabLst>
+            </a:pPr>
+            <a:r>
+              <a:rPr lang="en-US" dirty="0">
+                <a:solidFill>
+                  <a:srgbClr val="000000"/>
+                </a:solidFill>
+                <a:latin typeface="Calibri" panose="020F0502020204030204" pitchFamily="34" charset="0"/>
+                <a:ea typeface="Times New Roman" panose="02020603050405020304" pitchFamily="18" charset="0"/>
+                <a:cs typeface="Calibri" panose="020F0502020204030204" pitchFamily="34" charset="0"/>
+              </a:rPr>
+              <a:t>Twitter for Websites</a:t>
+            </a:r>
+            <a:endParaRPr lang="en-US" dirty="0">
+              <a:latin typeface="Calibri" panose="020F0502020204030204" pitchFamily="34" charset="0"/>
+              <a:ea typeface="Calibri" panose="020F0502020204030204" pitchFamily="34" charset="0"/>
+              <a:cs typeface="Times New Roman" panose="02020603050405020304" pitchFamily="18" charset="0"/>
+            </a:endParaRPr>
+          </a:p>
+          <a:p>
+            <a:pPr fontAlgn="base" latinLnBrk="1">
+              <a:lnSpc>
+                <a:spcPct val="107000"/>
+              </a:lnSpc>
+              <a:tabLst>
+                <a:tab pos="581660" algn="l"/>
+                <a:tab pos="1163320" algn="l"/>
+                <a:tab pos="1744980" algn="l"/>
+                <a:tab pos="2326640" algn="l"/>
+                <a:tab pos="2908300" algn="l"/>
+                <a:tab pos="3489960" algn="l"/>
+                <a:tab pos="4071620" algn="l"/>
+                <a:tab pos="4653280" algn="l"/>
+                <a:tab pos="5234940" algn="l"/>
+                <a:tab pos="5816600" algn="l"/>
+                <a:tab pos="6398260" algn="l"/>
+                <a:tab pos="6979920" algn="l"/>
+                <a:tab pos="7561580" algn="l"/>
+                <a:tab pos="8143240" algn="l"/>
+                <a:tab pos="8724900" algn="l"/>
+                <a:tab pos="9306560" algn="l"/>
+              </a:tabLst>
+            </a:pPr>
+            <a:r>
+              <a:rPr lang="en-US" dirty="0">
+                <a:solidFill>
+                  <a:srgbClr val="000000"/>
+                </a:solidFill>
+                <a:latin typeface="Calibri" panose="020F0502020204030204" pitchFamily="34" charset="0"/>
+                <a:ea typeface="Times New Roman" panose="02020603050405020304" pitchFamily="18" charset="0"/>
+                <a:cs typeface="Calibri" panose="020F0502020204030204" pitchFamily="34" charset="0"/>
+              </a:rPr>
+              <a:t>UberSocial for BlackBerry</a:t>
+            </a:r>
+            <a:endParaRPr lang="en-US" dirty="0">
+              <a:latin typeface="Calibri" panose="020F0502020204030204" pitchFamily="34" charset="0"/>
+              <a:ea typeface="Calibri" panose="020F0502020204030204" pitchFamily="34" charset="0"/>
+              <a:cs typeface="Times New Roman" panose="02020603050405020304" pitchFamily="18" charset="0"/>
+            </a:endParaRPr>
+          </a:p>
+          <a:p>
+            <a:pPr fontAlgn="base" latinLnBrk="1">
+              <a:lnSpc>
+                <a:spcPct val="107000"/>
+              </a:lnSpc>
+              <a:tabLst>
+                <a:tab pos="581660" algn="l"/>
+                <a:tab pos="1163320" algn="l"/>
+                <a:tab pos="1744980" algn="l"/>
+                <a:tab pos="2326640" algn="l"/>
+                <a:tab pos="2908300" algn="l"/>
+                <a:tab pos="3489960" algn="l"/>
+                <a:tab pos="4071620" algn="l"/>
+                <a:tab pos="4653280" algn="l"/>
+                <a:tab pos="5234940" algn="l"/>
+                <a:tab pos="5816600" algn="l"/>
+                <a:tab pos="6398260" algn="l"/>
+                <a:tab pos="6979920" algn="l"/>
+                <a:tab pos="7561580" algn="l"/>
+                <a:tab pos="8143240" algn="l"/>
+                <a:tab pos="8724900" algn="l"/>
+                <a:tab pos="9306560" algn="l"/>
+              </a:tabLst>
+            </a:pPr>
+            <a:r>
+              <a:rPr lang="en-US" dirty="0">
+                <a:solidFill>
+                  <a:srgbClr val="000000"/>
+                </a:solidFill>
+                <a:latin typeface="Calibri" panose="020F0502020204030204" pitchFamily="34" charset="0"/>
+                <a:ea typeface="Times New Roman" panose="02020603050405020304" pitchFamily="18" charset="0"/>
+                <a:cs typeface="Calibri" panose="020F0502020204030204" pitchFamily="34" charset="0"/>
+              </a:rPr>
+              <a:t>TweetDeck</a:t>
+            </a:r>
+            <a:endParaRPr lang="en-US" dirty="0">
+              <a:latin typeface="Calibri" panose="020F0502020204030204" pitchFamily="34" charset="0"/>
+              <a:ea typeface="Calibri" panose="020F0502020204030204" pitchFamily="34" charset="0"/>
+              <a:cs typeface="Times New Roman" panose="02020603050405020304" pitchFamily="18" charset="0"/>
+            </a:endParaRPr>
+          </a:p>
+          <a:p>
+            <a:pPr fontAlgn="base" latinLnBrk="1">
+              <a:lnSpc>
+                <a:spcPct val="107000"/>
+              </a:lnSpc>
+              <a:tabLst>
+                <a:tab pos="581660" algn="l"/>
+                <a:tab pos="1163320" algn="l"/>
+                <a:tab pos="1744980" algn="l"/>
+                <a:tab pos="2326640" algn="l"/>
+                <a:tab pos="2908300" algn="l"/>
+                <a:tab pos="3489960" algn="l"/>
+                <a:tab pos="4071620" algn="l"/>
+                <a:tab pos="4653280" algn="l"/>
+                <a:tab pos="5234940" algn="l"/>
+                <a:tab pos="5816600" algn="l"/>
+                <a:tab pos="6398260" algn="l"/>
+                <a:tab pos="6979920" algn="l"/>
+                <a:tab pos="7561580" algn="l"/>
+                <a:tab pos="8143240" algn="l"/>
+                <a:tab pos="8724900" algn="l"/>
+                <a:tab pos="9306560" algn="l"/>
+              </a:tabLst>
+            </a:pPr>
+            <a:r>
+              <a:rPr lang="en-US" dirty="0">
+                <a:solidFill>
+                  <a:srgbClr val="000000"/>
+                </a:solidFill>
+                <a:latin typeface="Calibri" panose="020F0502020204030204" pitchFamily="34" charset="0"/>
+                <a:ea typeface="Times New Roman" panose="02020603050405020304" pitchFamily="18" charset="0"/>
+                <a:cs typeface="Calibri" panose="020F0502020204030204" pitchFamily="34" charset="0"/>
+              </a:rPr>
+              <a:t>wicked wx bot</a:t>
+            </a:r>
+            <a:endParaRPr lang="en-US" dirty="0">
+              <a:latin typeface="Calibri" panose="020F0502020204030204" pitchFamily="34" charset="0"/>
+              <a:ea typeface="Calibri" panose="020F0502020204030204" pitchFamily="34" charset="0"/>
+              <a:cs typeface="Times New Roman" panose="02020603050405020304" pitchFamily="18" charset="0"/>
+            </a:endParaRPr>
+          </a:p>
+          <a:p>
+            <a:pPr fontAlgn="base" latinLnBrk="1">
+              <a:lnSpc>
+                <a:spcPct val="107000"/>
+              </a:lnSpc>
+              <a:tabLst>
+                <a:tab pos="581660" algn="l"/>
+                <a:tab pos="1163320" algn="l"/>
+                <a:tab pos="1744980" algn="l"/>
+                <a:tab pos="2326640" algn="l"/>
+                <a:tab pos="2908300" algn="l"/>
+                <a:tab pos="3489960" algn="l"/>
+                <a:tab pos="4071620" algn="l"/>
+                <a:tab pos="4653280" algn="l"/>
+                <a:tab pos="5234940" algn="l"/>
+                <a:tab pos="5816600" algn="l"/>
+                <a:tab pos="6398260" algn="l"/>
+                <a:tab pos="6979920" algn="l"/>
+                <a:tab pos="7561580" algn="l"/>
+                <a:tab pos="8143240" algn="l"/>
+                <a:tab pos="8724900" algn="l"/>
+                <a:tab pos="9306560" algn="l"/>
+              </a:tabLst>
+            </a:pPr>
+            <a:r>
+              <a:rPr lang="en-US" dirty="0">
+                <a:solidFill>
+                  <a:srgbClr val="000000"/>
+                </a:solidFill>
+                <a:latin typeface="Calibri" panose="020F0502020204030204" pitchFamily="34" charset="0"/>
+                <a:ea typeface="Times New Roman" panose="02020603050405020304" pitchFamily="18" charset="0"/>
+                <a:cs typeface="Calibri" panose="020F0502020204030204" pitchFamily="34" charset="0"/>
+              </a:rPr>
+              <a:t>twitterfeed</a:t>
+            </a:r>
+            <a:endParaRPr lang="en-US" dirty="0">
+              <a:latin typeface="Calibri" panose="020F0502020204030204" pitchFamily="34" charset="0"/>
+              <a:ea typeface="Calibri" panose="020F0502020204030204" pitchFamily="34" charset="0"/>
+              <a:cs typeface="Times New Roman" panose="02020603050405020304" pitchFamily="18" charset="0"/>
+            </a:endParaRPr>
+          </a:p>
+          <a:p>
+            <a:pPr fontAlgn="base" latinLnBrk="1">
+              <a:lnSpc>
+                <a:spcPct val="107000"/>
+              </a:lnSpc>
+              <a:tabLst>
+                <a:tab pos="581660" algn="l"/>
+                <a:tab pos="1163320" algn="l"/>
+                <a:tab pos="1744980" algn="l"/>
+                <a:tab pos="2326640" algn="l"/>
+                <a:tab pos="2908300" algn="l"/>
+                <a:tab pos="3489960" algn="l"/>
+                <a:tab pos="4071620" algn="l"/>
+                <a:tab pos="4653280" algn="l"/>
+                <a:tab pos="5234940" algn="l"/>
+                <a:tab pos="5816600" algn="l"/>
+                <a:tab pos="6398260" algn="l"/>
+                <a:tab pos="6979920" algn="l"/>
+                <a:tab pos="7561580" algn="l"/>
+                <a:tab pos="8143240" algn="l"/>
+                <a:tab pos="8724900" algn="l"/>
+                <a:tab pos="9306560" algn="l"/>
+              </a:tabLst>
+            </a:pPr>
+            <a:r>
+              <a:rPr lang="en-US" dirty="0">
+                <a:solidFill>
+                  <a:srgbClr val="000000"/>
+                </a:solidFill>
+                <a:latin typeface="Calibri" panose="020F0502020204030204" pitchFamily="34" charset="0"/>
+                <a:ea typeface="Times New Roman" panose="02020603050405020304" pitchFamily="18" charset="0"/>
+                <a:cs typeface="Calibri" panose="020F0502020204030204" pitchFamily="34" charset="0"/>
+              </a:rPr>
+              <a:t>Cloudhopper</a:t>
+            </a:r>
+            <a:endParaRPr lang="en-US" dirty="0">
+              <a:latin typeface="Calibri" panose="020F0502020204030204" pitchFamily="34" charset="0"/>
+              <a:ea typeface="Calibri" panose="020F0502020204030204" pitchFamily="34" charset="0"/>
+              <a:cs typeface="Times New Roman" panose="02020603050405020304" pitchFamily="18" charset="0"/>
+            </a:endParaRPr>
+          </a:p>
+          <a:p>
+            <a:pPr fontAlgn="base" latinLnBrk="1">
+              <a:lnSpc>
+                <a:spcPct val="107000"/>
+              </a:lnSpc>
+              <a:tabLst>
+                <a:tab pos="581660" algn="l"/>
+                <a:tab pos="1163320" algn="l"/>
+                <a:tab pos="1744980" algn="l"/>
+                <a:tab pos="2326640" algn="l"/>
+                <a:tab pos="2908300" algn="l"/>
+                <a:tab pos="3489960" algn="l"/>
+                <a:tab pos="4071620" algn="l"/>
+                <a:tab pos="4653280" algn="l"/>
+                <a:tab pos="5234940" algn="l"/>
+                <a:tab pos="5816600" algn="l"/>
+                <a:tab pos="6398260" algn="l"/>
+                <a:tab pos="6979920" algn="l"/>
+                <a:tab pos="7561580" algn="l"/>
+                <a:tab pos="8143240" algn="l"/>
+                <a:tab pos="8724900" algn="l"/>
+                <a:tab pos="9306560" algn="l"/>
+              </a:tabLst>
+            </a:pPr>
+            <a:r>
+              <a:rPr lang="en-US" dirty="0">
+                <a:solidFill>
+                  <a:srgbClr val="000000"/>
+                </a:solidFill>
+                <a:latin typeface="Calibri" panose="020F0502020204030204" pitchFamily="34" charset="0"/>
+                <a:ea typeface="Times New Roman" panose="02020603050405020304" pitchFamily="18" charset="0"/>
+                <a:cs typeface="Calibri" panose="020F0502020204030204" pitchFamily="34" charset="0"/>
+              </a:rPr>
+              <a:t>wicked wx bot</a:t>
+            </a:r>
+            <a:endParaRPr lang="en-US" dirty="0">
+              <a:latin typeface="Calibri" panose="020F0502020204030204" pitchFamily="34" charset="0"/>
+              <a:ea typeface="Calibri" panose="020F0502020204030204" pitchFamily="34" charset="0"/>
+              <a:cs typeface="Times New Roman" panose="02020603050405020304" pitchFamily="18" charset="0"/>
+            </a:endParaRPr>
+          </a:p>
+          <a:p>
+            <a:pPr fontAlgn="base" latinLnBrk="1">
+              <a:lnSpc>
+                <a:spcPct val="107000"/>
+              </a:lnSpc>
+              <a:tabLst>
+                <a:tab pos="581660" algn="l"/>
+                <a:tab pos="1163320" algn="l"/>
+                <a:tab pos="1744980" algn="l"/>
+                <a:tab pos="2326640" algn="l"/>
+                <a:tab pos="2908300" algn="l"/>
+                <a:tab pos="3489960" algn="l"/>
+                <a:tab pos="4071620" algn="l"/>
+                <a:tab pos="4653280" algn="l"/>
+                <a:tab pos="5234940" algn="l"/>
+                <a:tab pos="5816600" algn="l"/>
+                <a:tab pos="6398260" algn="l"/>
+                <a:tab pos="6979920" algn="l"/>
+                <a:tab pos="7561580" algn="l"/>
+                <a:tab pos="8143240" algn="l"/>
+                <a:tab pos="8724900" algn="l"/>
+                <a:tab pos="9306560" algn="l"/>
+              </a:tabLst>
+            </a:pPr>
+            <a:r>
+              <a:rPr lang="en-US" dirty="0">
+                <a:solidFill>
+                  <a:srgbClr val="000000"/>
+                </a:solidFill>
+                <a:latin typeface="Calibri" panose="020F0502020204030204" pitchFamily="34" charset="0"/>
+                <a:ea typeface="Times New Roman" panose="02020603050405020304" pitchFamily="18" charset="0"/>
+                <a:cs typeface="Calibri" panose="020F0502020204030204" pitchFamily="34" charset="0"/>
+              </a:rPr>
+              <a:t>Twitter for iPhone</a:t>
+            </a:r>
+            <a:endParaRPr lang="en-US" dirty="0">
+              <a:latin typeface="Calibri" panose="020F0502020204030204" pitchFamily="34" charset="0"/>
+              <a:ea typeface="Calibri" panose="020F0502020204030204" pitchFamily="34" charset="0"/>
+              <a:cs typeface="Times New Roman" panose="02020603050405020304" pitchFamily="18" charset="0"/>
+            </a:endParaRPr>
+          </a:p>
+          <a:p>
+            <a:pPr fontAlgn="base" latinLnBrk="1">
+              <a:lnSpc>
+                <a:spcPct val="107000"/>
+              </a:lnSpc>
+              <a:tabLst>
+                <a:tab pos="581660" algn="l"/>
+                <a:tab pos="1163320" algn="l"/>
+                <a:tab pos="1744980" algn="l"/>
+                <a:tab pos="2326640" algn="l"/>
+                <a:tab pos="2908300" algn="l"/>
+                <a:tab pos="3489960" algn="l"/>
+                <a:tab pos="4071620" algn="l"/>
+                <a:tab pos="4653280" algn="l"/>
+                <a:tab pos="5234940" algn="l"/>
+                <a:tab pos="5816600" algn="l"/>
+                <a:tab pos="6398260" algn="l"/>
+                <a:tab pos="6979920" algn="l"/>
+                <a:tab pos="7561580" algn="l"/>
+                <a:tab pos="8143240" algn="l"/>
+                <a:tab pos="8724900" algn="l"/>
+                <a:tab pos="9306560" algn="l"/>
+              </a:tabLst>
+            </a:pPr>
+            <a:r>
+              <a:rPr lang="en-US" dirty="0">
+                <a:solidFill>
+                  <a:srgbClr val="000000"/>
+                </a:solidFill>
+                <a:latin typeface="Calibri" panose="020F0502020204030204" pitchFamily="34" charset="0"/>
+                <a:ea typeface="Times New Roman" panose="02020603050405020304" pitchFamily="18" charset="0"/>
+                <a:cs typeface="Calibri" panose="020F0502020204030204" pitchFamily="34" charset="0"/>
+              </a:rPr>
+              <a:t>Twitterrific for iOS</a:t>
+            </a:r>
+            <a:endParaRPr lang="en-US" dirty="0">
+              <a:latin typeface="Calibri" panose="020F0502020204030204" pitchFamily="34" charset="0"/>
+              <a:ea typeface="Calibri" panose="020F0502020204030204" pitchFamily="34" charset="0"/>
+              <a:cs typeface="Times New Roman" panose="02020603050405020304" pitchFamily="18" charset="0"/>
+            </a:endParaRPr>
+          </a:p>
+          <a:p>
+            <a:pPr fontAlgn="base" latinLnBrk="1">
+              <a:lnSpc>
+                <a:spcPct val="107000"/>
+              </a:lnSpc>
+              <a:tabLst>
+                <a:tab pos="581660" algn="l"/>
+                <a:tab pos="1163320" algn="l"/>
+                <a:tab pos="1744980" algn="l"/>
+                <a:tab pos="2326640" algn="l"/>
+                <a:tab pos="2908300" algn="l"/>
+                <a:tab pos="3489960" algn="l"/>
+                <a:tab pos="4071620" algn="l"/>
+                <a:tab pos="4653280" algn="l"/>
+                <a:tab pos="5234940" algn="l"/>
+                <a:tab pos="5816600" algn="l"/>
+                <a:tab pos="6398260" algn="l"/>
+                <a:tab pos="6979920" algn="l"/>
+                <a:tab pos="7561580" algn="l"/>
+                <a:tab pos="8143240" algn="l"/>
+                <a:tab pos="8724900" algn="l"/>
+                <a:tab pos="9306560" algn="l"/>
+              </a:tabLst>
+            </a:pPr>
+            <a:r>
+              <a:rPr lang="en-US" dirty="0">
+                <a:solidFill>
+                  <a:srgbClr val="000000"/>
+                </a:solidFill>
+                <a:latin typeface="Calibri" panose="020F0502020204030204" pitchFamily="34" charset="0"/>
+                <a:ea typeface="Times New Roman" panose="02020603050405020304" pitchFamily="18" charset="0"/>
+                <a:cs typeface="Calibri" panose="020F0502020204030204" pitchFamily="34" charset="0"/>
+              </a:rPr>
+              <a:t>twitterfeed</a:t>
+            </a:r>
+            <a:endParaRPr lang="en-US" dirty="0">
+              <a:latin typeface="Calibri" panose="020F0502020204030204" pitchFamily="34" charset="0"/>
+              <a:ea typeface="Calibri" panose="020F0502020204030204" pitchFamily="34" charset="0"/>
+              <a:cs typeface="Times New Roman" panose="02020603050405020304" pitchFamily="18" charset="0"/>
+            </a:endParaRPr>
+          </a:p>
+          <a:p>
+            <a:pPr fontAlgn="base" latinLnBrk="1">
+              <a:lnSpc>
+                <a:spcPct val="107000"/>
+              </a:lnSpc>
+              <a:tabLst>
+                <a:tab pos="581660" algn="l"/>
+                <a:tab pos="1163320" algn="l"/>
+                <a:tab pos="1744980" algn="l"/>
+                <a:tab pos="2326640" algn="l"/>
+                <a:tab pos="2908300" algn="l"/>
+                <a:tab pos="3489960" algn="l"/>
+                <a:tab pos="4071620" algn="l"/>
+                <a:tab pos="4653280" algn="l"/>
+                <a:tab pos="5234940" algn="l"/>
+                <a:tab pos="5816600" algn="l"/>
+                <a:tab pos="6398260" algn="l"/>
+                <a:tab pos="6979920" algn="l"/>
+                <a:tab pos="7561580" algn="l"/>
+                <a:tab pos="8143240" algn="l"/>
+                <a:tab pos="8724900" algn="l"/>
+                <a:tab pos="9306560" algn="l"/>
+              </a:tabLst>
+            </a:pPr>
+            <a:r>
+              <a:rPr lang="en-US" dirty="0">
+                <a:solidFill>
+                  <a:srgbClr val="000000"/>
+                </a:solidFill>
+                <a:latin typeface="Calibri" panose="020F0502020204030204" pitchFamily="34" charset="0"/>
+                <a:ea typeface="Times New Roman" panose="02020603050405020304" pitchFamily="18" charset="0"/>
+                <a:cs typeface="Calibri" panose="020F0502020204030204" pitchFamily="34" charset="0"/>
+              </a:rPr>
+              <a:t>Twitter for Websites</a:t>
+            </a:r>
+            <a:endParaRPr lang="en-US" dirty="0">
+              <a:latin typeface="Calibri" panose="020F0502020204030204" pitchFamily="34" charset="0"/>
+              <a:ea typeface="Calibri" panose="020F0502020204030204" pitchFamily="34" charset="0"/>
+              <a:cs typeface="Times New Roman" panose="02020603050405020304" pitchFamily="18" charset="0"/>
+            </a:endParaRPr>
+          </a:p>
+          <a:p>
+            <a:pPr fontAlgn="base" latinLnBrk="1">
+              <a:lnSpc>
+                <a:spcPct val="107000"/>
+              </a:lnSpc>
+              <a:tabLst>
+                <a:tab pos="581660" algn="l"/>
+                <a:tab pos="1163320" algn="l"/>
+                <a:tab pos="1744980" algn="l"/>
+                <a:tab pos="2326640" algn="l"/>
+                <a:tab pos="2908300" algn="l"/>
+                <a:tab pos="3489960" algn="l"/>
+                <a:tab pos="4071620" algn="l"/>
+                <a:tab pos="4653280" algn="l"/>
+                <a:tab pos="5234940" algn="l"/>
+                <a:tab pos="5816600" algn="l"/>
+                <a:tab pos="6398260" algn="l"/>
+                <a:tab pos="6979920" algn="l"/>
+                <a:tab pos="7561580" algn="l"/>
+                <a:tab pos="8143240" algn="l"/>
+                <a:tab pos="8724900" algn="l"/>
+                <a:tab pos="9306560" algn="l"/>
+              </a:tabLst>
+            </a:pPr>
+            <a:r>
+              <a:rPr lang="en-US" dirty="0">
+                <a:solidFill>
+                  <a:srgbClr val="000000"/>
+                </a:solidFill>
+                <a:latin typeface="Calibri" panose="020F0502020204030204" pitchFamily="34" charset="0"/>
+                <a:ea typeface="Times New Roman" panose="02020603050405020304" pitchFamily="18" charset="0"/>
+                <a:cs typeface="Calibri" panose="020F0502020204030204" pitchFamily="34" charset="0"/>
+              </a:rPr>
+              <a:t>Twitter for</a:t>
+            </a:r>
+            <a:r>
+              <a:rPr lang="en-US" sz="1600" dirty="0">
+                <a:solidFill>
+                  <a:srgbClr val="000000"/>
+                </a:solidFill>
+                <a:latin typeface="Courier New" panose="02070309020205020404" pitchFamily="49" charset="0"/>
+                <a:ea typeface="Times New Roman" panose="02020603050405020304" pitchFamily="18" charset="0"/>
+                <a:cs typeface="Times New Roman" panose="02020603050405020304" pitchFamily="18" charset="0"/>
+              </a:rPr>
+              <a:t> Mac</a:t>
+            </a:r>
+            <a:endParaRPr lang="en-US" dirty="0">
+              <a:latin typeface="Calibri" panose="020F0502020204030204" pitchFamily="34" charset="0"/>
+              <a:ea typeface="Calibri" panose="020F0502020204030204" pitchFamily="34" charset="0"/>
+              <a:cs typeface="Times New Roman" panose="02020603050405020304" pitchFamily="18" charset="0"/>
+            </a:endParaRPr>
+          </a:p>
+          <a:p>
+            <a:pPr>
+              <a:lnSpc>
+                <a:spcPct val="107000"/>
+              </a:lnSpc>
+              <a:spcAft>
+                <a:spcPts val="800"/>
+              </a:spcAft>
+            </a:pPr>
+            <a:r>
+              <a:rPr lang="en-US" dirty="0">
+                <a:latin typeface="Calibri" panose="020F0502020204030204" pitchFamily="34" charset="0"/>
+                <a:ea typeface="Calibri" panose="020F0502020204030204" pitchFamily="34" charset="0"/>
+                <a:cs typeface="Times New Roman" panose="02020603050405020304" pitchFamily="18" charset="0"/>
+              </a:rPr>
+              <a:t> </a:t>
+            </a:r>
+            <a:endParaRPr lang="en-US" dirty="0"/>
+          </a:p>
+        </p:txBody>
+      </p:sp>
+    </p:spTree>
+    <p:extLst>
+      <p:ext uri="{BB962C8B-B14F-4D97-AF65-F5344CB8AC3E}">
+        <p14:creationId xmlns:p14="http://schemas.microsoft.com/office/powerpoint/2010/main" val="1484598201"/>
+      </p:ext>
+    </p:extLst>
+  </p:cSld>
+  <p:clrMapOvr>
+    <a:masterClrMapping/>
+  </p:clrMapOvr>
+  <mc:AlternateContent xmlns:mc="http://schemas.openxmlformats.org/markup-compatibility/2006">
+    <mc:Choice xmlns:p14="http://schemas.microsoft.com/office/powerpoint/2010/main" Requires="p14">
+      <p:transition p14:dur="250">
+        <p:fade thruBlk="1"/>
+        <p:sndAc>
+          <p:stSnd>
+            <p:snd r:embed="rId2" name="CLICK.WAV"/>
+          </p:stSnd>
+        </p:sndAc>
+      </p:transition>
+    </mc:Choice>
+    <mc:Fallback>
+      <p:transition>
+        <p:fade thruBlk="1"/>
+        <p:sndAc>
+          <p:stSnd>
+            <p:snd r:embed="rId2" name="CLICK.WAV"/>
+          </p:stSnd>
+        </p:sndAc>
+      </p:transition>
+    </mc:Fallback>
+  </mc:AlternateContent>
+</p:sld>
+</file>
+
+<file path=ppt/slides/slide18.xml><?xml version="1.0" encoding="utf-8"?>
+<p:sld xmlns:a="http://schemas.openxmlformats.org/drawingml/2006/main" xmlns:r="http://schemas.openxmlformats.org/officeDocument/2006/relationships" xmlns:p="http://schemas.openxmlformats.org/presentationml/2006/main">
+  <p:cSld>
+    <p:spTree>
+      <p:nvGrpSpPr>
+        <p:cNvPr id="1" name=""/>
+        <p:cNvGrpSpPr/>
+        <p:nvPr/>
+      </p:nvGrpSpPr>
+      <p:grpSpPr>
+        <a:xfrm>
+          <a:off x="0" y="0"/>
+          <a:ext cx="0" cy="0"/>
+          <a:chOff x="0" y="0"/>
+          <a:chExt cx="0" cy="0"/>
+        </a:xfrm>
+      </p:grpSpPr>
+      <p:sp>
+        <p:nvSpPr>
+          <p:cNvPr id="2" name="Title 1">
+            <a:extLst>
+              <a:ext uri="{FF2B5EF4-FFF2-40B4-BE49-F238E27FC236}">
+                <a16:creationId xmlns:a16="http://schemas.microsoft.com/office/drawing/2014/main" id="{8A15E095-6B52-4D0D-A9AC-AC061EE93503}"/>
+              </a:ext>
+            </a:extLst>
+          </p:cNvPr>
+          <p:cNvSpPr>
+            <a:spLocks noGrp="1"/>
+          </p:cNvSpPr>
+          <p:nvPr>
+            <p:ph type="title"/>
+          </p:nvPr>
+        </p:nvSpPr>
+        <p:spPr/>
+        <p:txBody>
+          <a:bodyPr>
+            <a:normAutofit/>
+          </a:bodyPr>
+          <a:lstStyle/>
+          <a:p>
+            <a:r>
+              <a:rPr lang="en-US" dirty="0"/>
+              <a:t>Count of tweet per day in December 2015 on the hashtag or keyword tornado </a:t>
+            </a:r>
+          </a:p>
+        </p:txBody>
+      </p:sp>
+      <p:pic>
+        <p:nvPicPr>
+          <p:cNvPr id="4" name="Content Placeholder 3">
+            <a:extLst>
+              <a:ext uri="{FF2B5EF4-FFF2-40B4-BE49-F238E27FC236}">
+                <a16:creationId xmlns:a16="http://schemas.microsoft.com/office/drawing/2014/main" id="{50741610-2B89-4855-B28E-5BE3991F35F8}"/>
+              </a:ext>
+            </a:extLst>
+          </p:cNvPr>
+          <p:cNvPicPr>
+            <a:picLocks noGrp="1" noChangeAspect="1"/>
+          </p:cNvPicPr>
+          <p:nvPr>
+            <p:ph idx="1"/>
+          </p:nvPr>
+        </p:nvPicPr>
+        <p:blipFill>
+          <a:blip r:embed="rId3"/>
+          <a:stretch>
+            <a:fillRect/>
+          </a:stretch>
+        </p:blipFill>
+        <p:spPr>
+          <a:xfrm>
+            <a:off x="1450975" y="3020616"/>
+            <a:ext cx="9604375" cy="1440656"/>
+          </a:xfrm>
+          <a:prstGeom prst="rect">
+            <a:avLst/>
+          </a:prstGeom>
+        </p:spPr>
+      </p:pic>
+    </p:spTree>
+    <p:extLst>
+      <p:ext uri="{BB962C8B-B14F-4D97-AF65-F5344CB8AC3E}">
+        <p14:creationId xmlns:p14="http://schemas.microsoft.com/office/powerpoint/2010/main" val="1035558701"/>
+      </p:ext>
+    </p:extLst>
+  </p:cSld>
+  <p:clrMapOvr>
+    <a:masterClrMapping/>
+  </p:clrMapOvr>
+</p:sld>
+</file>
+
+<file path=ppt/slides/slide19.xml><?xml version="1.0" encoding="utf-8"?>
+<p:sld xmlns:a="http://schemas.openxmlformats.org/drawingml/2006/main" xmlns:r="http://schemas.openxmlformats.org/officeDocument/2006/relationships" xmlns:p="http://schemas.openxmlformats.org/presentationml/2006/main">
+  <p:cSld>
+    <p:spTree>
+      <p:nvGrpSpPr>
+        <p:cNvPr id="1" name=""/>
+        <p:cNvGrpSpPr/>
+        <p:nvPr/>
+      </p:nvGrpSpPr>
+      <p:grpSpPr>
+        <a:xfrm>
+          <a:off x="0" y="0"/>
+          <a:ext cx="0" cy="0"/>
+          <a:chOff x="0" y="0"/>
+          <a:chExt cx="0" cy="0"/>
+        </a:xfrm>
+      </p:grpSpPr>
+      <p:sp>
+        <p:nvSpPr>
+          <p:cNvPr id="2" name="Title 1">
+            <a:extLst>
+              <a:ext uri="{FF2B5EF4-FFF2-40B4-BE49-F238E27FC236}">
+                <a16:creationId xmlns:a16="http://schemas.microsoft.com/office/drawing/2014/main" id="{77396DA1-72DE-41A7-ADA1-B42801C1F5BC}"/>
+              </a:ext>
+            </a:extLst>
+          </p:cNvPr>
+          <p:cNvSpPr>
+            <a:spLocks noGrp="1"/>
+          </p:cNvSpPr>
+          <p:nvPr>
+            <p:ph type="title"/>
+          </p:nvPr>
+        </p:nvSpPr>
+        <p:spPr/>
+        <p:txBody>
+          <a:bodyPr/>
+          <a:lstStyle/>
+          <a:p>
+            <a:r>
+              <a:rPr lang="en-US" dirty="0"/>
+              <a:t>What can we use historical tweets data for?</a:t>
+            </a:r>
+          </a:p>
+        </p:txBody>
+      </p:sp>
+      <p:sp>
+        <p:nvSpPr>
+          <p:cNvPr id="3" name="Content Placeholder 2">
+            <a:extLst>
+              <a:ext uri="{FF2B5EF4-FFF2-40B4-BE49-F238E27FC236}">
+                <a16:creationId xmlns:a16="http://schemas.microsoft.com/office/drawing/2014/main" id="{DBBD1FCE-18A9-4EDE-8B61-F40A8FD5960B}"/>
+              </a:ext>
+            </a:extLst>
+          </p:cNvPr>
+          <p:cNvSpPr>
+            <a:spLocks noGrp="1"/>
+          </p:cNvSpPr>
+          <p:nvPr>
+            <p:ph idx="1"/>
+          </p:nvPr>
+        </p:nvSpPr>
+        <p:spPr/>
+        <p:txBody>
+          <a:bodyPr>
+            <a:normAutofit fontScale="85000" lnSpcReduction="20000"/>
+          </a:bodyPr>
+          <a:lstStyle/>
+          <a:p>
+            <a:r>
+              <a:rPr lang="en-US" dirty="0"/>
+              <a:t>We can track or trace users interest and engagement on certain topics, product, business, organization, government.</a:t>
+            </a:r>
+          </a:p>
+          <a:p>
+            <a:endParaRPr lang="en-US" dirty="0"/>
+          </a:p>
+          <a:p>
+            <a:r>
+              <a:rPr lang="en-US" dirty="0"/>
+              <a:t>This tracks the individual tweets, retweets, hashtags, counts of tweet, minutes, hour, day, month and year on which tweets were created.</a:t>
+            </a:r>
+          </a:p>
+          <a:p>
+            <a:endParaRPr lang="en-US" dirty="0"/>
+          </a:p>
+          <a:p>
+            <a:r>
+              <a:rPr lang="en-US" dirty="0"/>
+              <a:t>The number of times users tweeted or retweeted on the topic tornado watch or tornado shows the level of interest or whether it not it poses a threat to people.</a:t>
+            </a:r>
+          </a:p>
+          <a:p>
+            <a:r>
+              <a:rPr lang="en-US" dirty="0"/>
+              <a:t>What are twitter users saying, how often are they talking about a topic, where they are tweeting from are all questions that helps make good marketing, business, governmental and/or organizational decisions.</a:t>
+            </a:r>
+          </a:p>
+          <a:p>
+            <a:endParaRPr lang="en-US" dirty="0"/>
+          </a:p>
+        </p:txBody>
+      </p:sp>
+    </p:spTree>
+    <p:extLst>
+      <p:ext uri="{BB962C8B-B14F-4D97-AF65-F5344CB8AC3E}">
+        <p14:creationId xmlns:p14="http://schemas.microsoft.com/office/powerpoint/2010/main" val="2877621754"/>
+      </p:ext>
+    </p:extLst>
+  </p:cSld>
+  <p:clrMapOvr>
+    <a:masterClrMapping/>
+  </p:clrMapOvr>
+</p:sld>
+</file>
+
+<file path=ppt/slides/slide2.xml><?xml version="1.0" encoding="utf-8"?>
+<p:sld xmlns:a="http://schemas.openxmlformats.org/drawingml/2006/main" xmlns:r="http://schemas.openxmlformats.org/officeDocument/2006/relationships" xmlns:p="http://schemas.openxmlformats.org/presentationml/2006/main">
+  <p:cSld>
+    <p:spTree>
+      <p:nvGrpSpPr>
+        <p:cNvPr id="1" name=""/>
+        <p:cNvGrpSpPr/>
+        <p:nvPr/>
+      </p:nvGrpSpPr>
+      <p:grpSpPr>
+        <a:xfrm>
+          <a:off x="0" y="0"/>
+          <a:ext cx="0" cy="0"/>
+          <a:chOff x="0" y="0"/>
+          <a:chExt cx="0" cy="0"/>
+        </a:xfrm>
+      </p:grpSpPr>
+      <p:sp>
+        <p:nvSpPr>
           <p:cNvPr id="8" name="Rectangle 7">
             <a:extLst>
               <a:ext uri="{FF2B5EF4-FFF2-40B4-BE49-F238E27FC236}">
@@ -5489,7 +8079,7 @@
           <a:lstStyle/>
           <a:p>
             <a:pPr algn="ctr"/>
-            <a:endParaRPr lang="en-US"/>
+            <a:endParaRPr lang="en-US" dirty="0"/>
           </a:p>
         </p:txBody>
       </p:sp>
@@ -5543,16 +8133,16 @@
           <a:lstStyle/>
           <a:p>
             <a:pPr algn="ctr"/>
-            <a:endParaRPr lang="en-US"/>
-          </a:p>
-        </p:txBody>
-      </p:sp>
-      <p:sp>
-        <p:nvSpPr>
-          <p:cNvPr id="3" name="TextBox 2">
+            <a:endParaRPr lang="en-US" dirty="0"/>
+          </a:p>
+        </p:txBody>
+      </p:sp>
+      <p:sp>
+        <p:nvSpPr>
+          <p:cNvPr id="2" name="TextBox 1">
             <a:extLst>
               <a:ext uri="{FF2B5EF4-FFF2-40B4-BE49-F238E27FC236}">
-                <a16:creationId xmlns:a16="http://schemas.microsoft.com/office/drawing/2014/main" id="{CBFEEEFA-F9E5-40FB-BC79-42FDE8296259}"/>
+                <a16:creationId xmlns:a16="http://schemas.microsoft.com/office/drawing/2014/main" id="{1D5F4890-75C3-438B-A1FD-3170C6E95958}"/>
               </a:ext>
             </a:extLst>
           </p:cNvPr>
@@ -5561,8 +8151,8 @@
         </p:nvSpPr>
         <p:spPr>
           <a:xfrm>
-            <a:off x="190703" y="2303114"/>
-            <a:ext cx="11456895" cy="2139047"/>
+            <a:off x="352068" y="172399"/>
+            <a:ext cx="2806768" cy="584775"/>
           </a:xfrm>
           <a:prstGeom prst="rect">
             <a:avLst/>
@@ -5575,17 +8165,68 @@
           </a:bodyPr>
           <a:lstStyle/>
           <a:p>
-            <a:pPr algn="ctr"/>
-            <a:r>
-              <a:rPr lang="en-US" sz="11500" b="1" dirty="0"/>
-              <a:t>Questions?</a:t>
-            </a:r>
-          </a:p>
-          <a:p>
-            <a:pPr marL="285750" indent="-285750">
-              <a:buFont typeface="Arial" panose="020B0604020202020204" pitchFamily="34" charset="0"/>
-              <a:buChar char="•"/>
-            </a:pPr>
+            <a:r>
+              <a:rPr lang="en-US" sz="3200" b="1" dirty="0"/>
+              <a:t>Summary</a:t>
+            </a:r>
+          </a:p>
+        </p:txBody>
+      </p:sp>
+      <p:sp>
+        <p:nvSpPr>
+          <p:cNvPr id="3" name="TextBox 2">
+            <a:extLst>
+              <a:ext uri="{FF2B5EF4-FFF2-40B4-BE49-F238E27FC236}">
+                <a16:creationId xmlns:a16="http://schemas.microsoft.com/office/drawing/2014/main" id="{BFD160E4-F6C9-4069-9124-7D9239A087D6}"/>
+              </a:ext>
+            </a:extLst>
+          </p:cNvPr>
+          <p:cNvSpPr txBox="1"/>
+          <p:nvPr/>
+        </p:nvSpPr>
+        <p:spPr>
+          <a:xfrm>
+            <a:off x="410747" y="1271358"/>
+            <a:ext cx="10694079" cy="2862322"/>
+          </a:xfrm>
+          <a:prstGeom prst="rect">
+            <a:avLst/>
+          </a:prstGeom>
+          <a:noFill/>
+        </p:spPr>
+        <p:txBody>
+          <a:bodyPr wrap="square" rtlCol="0">
+            <a:spAutoFit/>
+          </a:bodyPr>
+          <a:lstStyle/>
+          <a:p>
+            <a:endParaRPr lang="en-US" dirty="0"/>
+          </a:p>
+          <a:p>
+            <a:endParaRPr lang="en-US" dirty="0"/>
+          </a:p>
+          <a:p>
+            <a:endParaRPr lang="en-US" dirty="0"/>
+          </a:p>
+          <a:p>
+            <a:endParaRPr lang="en-US" dirty="0"/>
+          </a:p>
+          <a:p>
+            <a:endParaRPr lang="en-US" dirty="0"/>
+          </a:p>
+          <a:p>
+            <a:endParaRPr lang="en-US" dirty="0"/>
+          </a:p>
+          <a:p>
+            <a:endParaRPr lang="en-US" dirty="0"/>
+          </a:p>
+          <a:p>
+            <a:endParaRPr lang="en-US" dirty="0"/>
+          </a:p>
+          <a:p>
+            <a:endParaRPr lang="en-US" dirty="0"/>
+          </a:p>
+          <a:p>
             <a:endParaRPr lang="en-US" dirty="0"/>
           </a:p>
         </p:txBody>
@@ -5593,7 +8234,7 @@
     </p:spTree>
     <p:extLst>
       <p:ext uri="{BB962C8B-B14F-4D97-AF65-F5344CB8AC3E}">
-        <p14:creationId xmlns:p14="http://schemas.microsoft.com/office/powerpoint/2010/main" val="497955403"/>
+        <p14:creationId xmlns:p14="http://schemas.microsoft.com/office/powerpoint/2010/main" val="3146639474"/>
       </p:ext>
     </p:extLst>
   </p:cSld>
@@ -5603,7 +8244,111 @@
 </p:sld>
 </file>
 
-<file path=ppt/slides/slide2.xml><?xml version="1.0" encoding="utf-8"?>
+<file path=ppt/slides/slide20.xml><?xml version="1.0" encoding="utf-8"?>
+<p:sld xmlns:a="http://schemas.openxmlformats.org/drawingml/2006/main" xmlns:r="http://schemas.openxmlformats.org/officeDocument/2006/relationships" xmlns:p="http://schemas.openxmlformats.org/presentationml/2006/main">
+  <p:cSld>
+    <p:spTree>
+      <p:nvGrpSpPr>
+        <p:cNvPr id="1" name=""/>
+        <p:cNvGrpSpPr/>
+        <p:nvPr/>
+      </p:nvGrpSpPr>
+      <p:grpSpPr>
+        <a:xfrm>
+          <a:off x="0" y="0"/>
+          <a:ext cx="0" cy="0"/>
+          <a:chOff x="0" y="0"/>
+          <a:chExt cx="0" cy="0"/>
+        </a:xfrm>
+      </p:grpSpPr>
+      <p:sp>
+        <p:nvSpPr>
+          <p:cNvPr id="2" name="Title 1">
+            <a:extLst>
+              <a:ext uri="{FF2B5EF4-FFF2-40B4-BE49-F238E27FC236}">
+                <a16:creationId xmlns:a16="http://schemas.microsoft.com/office/drawing/2014/main" id="{4DA5CC85-A64E-45D4-8279-DC5875E54FEE}"/>
+              </a:ext>
+            </a:extLst>
+          </p:cNvPr>
+          <p:cNvSpPr>
+            <a:spLocks noGrp="1"/>
+          </p:cNvSpPr>
+          <p:nvPr>
+            <p:ph type="title"/>
+          </p:nvPr>
+        </p:nvSpPr>
+        <p:spPr/>
+        <p:txBody>
+          <a:bodyPr/>
+          <a:lstStyle/>
+          <a:p>
+            <a:r>
+              <a:rPr lang="en-US" dirty="0"/>
+              <a:t>Limitations and challenges</a:t>
+            </a:r>
+          </a:p>
+        </p:txBody>
+      </p:sp>
+      <p:sp>
+        <p:nvSpPr>
+          <p:cNvPr id="3" name="Content Placeholder 2">
+            <a:extLst>
+              <a:ext uri="{FF2B5EF4-FFF2-40B4-BE49-F238E27FC236}">
+                <a16:creationId xmlns:a16="http://schemas.microsoft.com/office/drawing/2014/main" id="{5DED2CD4-6D6F-44E5-B788-1EC849BD6DA3}"/>
+              </a:ext>
+            </a:extLst>
+          </p:cNvPr>
+          <p:cNvSpPr>
+            <a:spLocks noGrp="1"/>
+          </p:cNvSpPr>
+          <p:nvPr>
+            <p:ph idx="1"/>
+          </p:nvPr>
+        </p:nvSpPr>
+        <p:spPr/>
+        <p:txBody>
+          <a:bodyPr/>
+          <a:lstStyle/>
+          <a:p>
+            <a:r>
+              <a:rPr lang="en-US" dirty="0"/>
+              <a:t>Historical Twitter data is not free</a:t>
+            </a:r>
+          </a:p>
+          <a:p>
+            <a:r>
+              <a:rPr lang="en-US" dirty="0"/>
+              <a:t>There were challenges encountered when applying the parameter language to return tweets in English. Tweets returned on the keyword tornado came in different languages.</a:t>
+            </a:r>
+          </a:p>
+          <a:p>
+            <a:r>
+              <a:rPr lang="en-US" dirty="0"/>
+              <a:t>There are many projects available on GitHub on how to use twitters full archive or enterprise tier Api.</a:t>
+            </a:r>
+          </a:p>
+          <a:p>
+            <a:r>
+              <a:rPr lang="en-US" dirty="0"/>
+              <a:t>Inspite of all its challenges, it is a very powerful Api when using to track or trace what people have been saying about a particular product or company. It helps citizens, marketers, politician and business people make informed decisions.</a:t>
+            </a:r>
+          </a:p>
+        </p:txBody>
+      </p:sp>
+    </p:spTree>
+    <p:extLst>
+      <p:ext uri="{BB962C8B-B14F-4D97-AF65-F5344CB8AC3E}">
+        <p14:creationId xmlns:p14="http://schemas.microsoft.com/office/powerpoint/2010/main" val="2356526961"/>
+      </p:ext>
+    </p:extLst>
+  </p:cSld>
+  <p:clrMapOvr>
+    <a:masterClrMapping/>
+  </p:clrMapOvr>
+</p:sld>
+</file>
+
+<file path=ppt/slides/slide21.xml><?xml version="1.0" encoding="utf-8"?>
 <p:sld xmlns:a="http://schemas.openxmlformats.org/drawingml/2006/main" xmlns:r="http://schemas.openxmlformats.org/officeDocument/2006/relationships" xmlns:p="http://schemas.openxmlformats.org/presentationml/2006/main">
   <p:cSld>
     <p:spTree>
@@ -5667,7 +8412,7 @@
           <a:lstStyle/>
           <a:p>
             <a:pPr algn="ctr"/>
-            <a:endParaRPr lang="en-US"/>
+            <a:endParaRPr lang="en-US" dirty="0"/>
           </a:p>
         </p:txBody>
       </p:sp>
@@ -5721,16 +8466,16 @@
           <a:lstStyle/>
           <a:p>
             <a:pPr algn="ctr"/>
-            <a:endParaRPr lang="en-US"/>
-          </a:p>
-        </p:txBody>
-      </p:sp>
-      <p:sp>
-        <p:nvSpPr>
-          <p:cNvPr id="2" name="TextBox 1">
+            <a:endParaRPr lang="en-US" dirty="0"/>
+          </a:p>
+        </p:txBody>
+      </p:sp>
+      <p:sp>
+        <p:nvSpPr>
+          <p:cNvPr id="3" name="TextBox 2">
             <a:extLst>
               <a:ext uri="{FF2B5EF4-FFF2-40B4-BE49-F238E27FC236}">
-                <a16:creationId xmlns:a16="http://schemas.microsoft.com/office/drawing/2014/main" id="{1D5F4890-75C3-438B-A1FD-3170C6E95958}"/>
+                <a16:creationId xmlns:a16="http://schemas.microsoft.com/office/drawing/2014/main" id="{CBFEEEFA-F9E5-40FB-BC79-42FDE8296259}"/>
               </a:ext>
             </a:extLst>
           </p:cNvPr>
@@ -5739,8 +8484,8 @@
         </p:nvSpPr>
         <p:spPr>
           <a:xfrm>
-            <a:off x="352068" y="172399"/>
-            <a:ext cx="2806768" cy="584775"/>
+            <a:off x="190703" y="2303114"/>
+            <a:ext cx="11456895" cy="2139047"/>
           </a:xfrm>
           <a:prstGeom prst="rect">
             <a:avLst/>
@@ -5753,68 +8498,17 @@
           </a:bodyPr>
           <a:lstStyle/>
           <a:p>
-            <a:r>
-              <a:rPr lang="en-US" sz="3200" b="1" dirty="0"/>
-              <a:t>Summary</a:t>
-            </a:r>
-          </a:p>
-        </p:txBody>
-      </p:sp>
-      <p:sp>
-        <p:nvSpPr>
-          <p:cNvPr id="3" name="TextBox 2">
-            <a:extLst>
-              <a:ext uri="{FF2B5EF4-FFF2-40B4-BE49-F238E27FC236}">
-                <a16:creationId xmlns:a16="http://schemas.microsoft.com/office/drawing/2014/main" id="{BFD160E4-F6C9-4069-9124-7D9239A087D6}"/>
-              </a:ext>
-            </a:extLst>
-          </p:cNvPr>
-          <p:cNvSpPr txBox="1"/>
-          <p:nvPr/>
-        </p:nvSpPr>
-        <p:spPr>
-          <a:xfrm>
-            <a:off x="410747" y="1271358"/>
-            <a:ext cx="10694079" cy="2862322"/>
-          </a:xfrm>
-          <a:prstGeom prst="rect">
-            <a:avLst/>
-          </a:prstGeom>
-          <a:noFill/>
-        </p:spPr>
-        <p:txBody>
-          <a:bodyPr wrap="square" rtlCol="0">
-            <a:spAutoFit/>
-          </a:bodyPr>
-          <a:lstStyle/>
-          <a:p>
-            <a:endParaRPr lang="en-US" dirty="0"/>
-          </a:p>
-          <a:p>
-            <a:endParaRPr lang="en-US" dirty="0"/>
-          </a:p>
-          <a:p>
-            <a:endParaRPr lang="en-US" dirty="0"/>
-          </a:p>
-          <a:p>
-            <a:endParaRPr lang="en-US" dirty="0"/>
-          </a:p>
-          <a:p>
-            <a:endParaRPr lang="en-US" dirty="0"/>
-          </a:p>
-          <a:p>
-            <a:endParaRPr lang="en-US" dirty="0"/>
-          </a:p>
-          <a:p>
-            <a:endParaRPr lang="en-US" dirty="0"/>
-          </a:p>
-          <a:p>
-            <a:endParaRPr lang="en-US" dirty="0"/>
-          </a:p>
-          <a:p>
-            <a:endParaRPr lang="en-US" dirty="0"/>
-          </a:p>
-          <a:p>
+            <a:pPr algn="ctr"/>
+            <a:r>
+              <a:rPr lang="en-US" sz="11500" b="1" dirty="0"/>
+              <a:t>Questions?</a:t>
+            </a:r>
+          </a:p>
+          <a:p>
+            <a:pPr marL="285750" indent="-285750">
+              <a:buFont typeface="Arial" panose="020B0604020202020204" pitchFamily="34" charset="0"/>
+              <a:buChar char="•"/>
+            </a:pPr>
             <a:endParaRPr lang="en-US" dirty="0"/>
           </a:p>
         </p:txBody>
@@ -5822,7 +8516,7 @@
     </p:spTree>
     <p:extLst>
       <p:ext uri="{BB962C8B-B14F-4D97-AF65-F5344CB8AC3E}">
-        <p14:creationId xmlns:p14="http://schemas.microsoft.com/office/powerpoint/2010/main" val="3146639474"/>
+        <p14:creationId xmlns:p14="http://schemas.microsoft.com/office/powerpoint/2010/main" val="497955403"/>
       </p:ext>
     </p:extLst>
   </p:cSld>
@@ -5896,7 +8590,7 @@
           <a:lstStyle/>
           <a:p>
             <a:pPr algn="ctr"/>
-            <a:endParaRPr lang="en-US"/>
+            <a:endParaRPr lang="en-US" dirty="0"/>
           </a:p>
         </p:txBody>
       </p:sp>
@@ -5950,7 +8644,7 @@
           <a:lstStyle/>
           <a:p>
             <a:pPr algn="ctr"/>
-            <a:endParaRPr lang="en-US"/>
+            <a:endParaRPr lang="en-US" dirty="0"/>
           </a:p>
         </p:txBody>
       </p:sp>
@@ -6212,7 +8906,7 @@
           <a:lstStyle/>
           <a:p>
             <a:pPr algn="ctr"/>
-            <a:endParaRPr lang="en-US"/>
+            <a:endParaRPr lang="en-US" dirty="0"/>
           </a:p>
         </p:txBody>
       </p:sp>
@@ -6266,7 +8960,7 @@
           <a:lstStyle/>
           <a:p>
             <a:pPr algn="ctr"/>
-            <a:endParaRPr lang="en-US"/>
+            <a:endParaRPr lang="en-US" dirty="0"/>
           </a:p>
         </p:txBody>
       </p:sp>
@@ -7031,7 +9725,7 @@
           <a:lstStyle/>
           <a:p>
             <a:pPr algn="ctr"/>
-            <a:endParaRPr lang="en-US"/>
+            <a:endParaRPr lang="en-US" dirty="0"/>
           </a:p>
         </p:txBody>
       </p:sp>
@@ -7085,7 +9779,7 @@
           <a:lstStyle/>
           <a:p>
             <a:pPr algn="ctr"/>
-            <a:endParaRPr lang="en-US"/>
+            <a:endParaRPr lang="en-US" dirty="0"/>
           </a:p>
         </p:txBody>
       </p:sp>
@@ -7845,7 +10539,7 @@
           <a:lstStyle/>
           <a:p>
             <a:pPr algn="ctr"/>
-            <a:endParaRPr lang="en-US"/>
+            <a:endParaRPr lang="en-US" dirty="0"/>
           </a:p>
         </p:txBody>
       </p:sp>
@@ -7899,7 +10593,7 @@
           <a:lstStyle/>
           <a:p>
             <a:pPr algn="ctr"/>
-            <a:endParaRPr lang="en-US"/>
+            <a:endParaRPr lang="en-US" dirty="0"/>
           </a:p>
         </p:txBody>
       </p:sp>
@@ -8632,7 +11326,7 @@
           <a:lstStyle/>
           <a:p>
             <a:pPr algn="ctr"/>
-            <a:endParaRPr lang="en-US"/>
+            <a:endParaRPr lang="en-US" dirty="0"/>
           </a:p>
         </p:txBody>
       </p:sp>
@@ -8683,7 +11377,7 @@
           <a:lstStyle/>
           <a:p>
             <a:pPr algn="ctr"/>
-            <a:endParaRPr lang="en-US"/>
+            <a:endParaRPr lang="en-US" dirty="0"/>
           </a:p>
         </p:txBody>
       </p:sp>
@@ -8767,7 +11461,7 @@
           <a:lstStyle/>
           <a:p>
             <a:pPr algn="ctr"/>
-            <a:endParaRPr lang="en-US"/>
+            <a:endParaRPr lang="en-US" dirty="0"/>
           </a:p>
         </p:txBody>
       </p:sp>
@@ -8818,7 +11512,7 @@
           <a:lstStyle/>
           <a:p>
             <a:pPr algn="ctr"/>
-            <a:endParaRPr lang="en-US"/>
+            <a:endParaRPr lang="en-US" dirty="0"/>
           </a:p>
         </p:txBody>
       </p:sp>
@@ -8968,7 +11662,7 @@
           <a:lstStyle/>
           <a:p>
             <a:pPr algn="ctr"/>
-            <a:endParaRPr lang="en-US"/>
+            <a:endParaRPr lang="en-US" dirty="0"/>
           </a:p>
         </p:txBody>
       </p:sp>
@@ -9019,7 +11713,7 @@
           <a:lstStyle/>
           <a:p>
             <a:pPr algn="ctr"/>
-            <a:endParaRPr lang="en-US"/>
+            <a:endParaRPr lang="en-US" dirty="0"/>
           </a:p>
         </p:txBody>
       </p:sp>
@@ -9103,9 +11797,9 @@
 </file>
 
 <file path=ppt/theme/theme1.xml><?xml version="1.0" encoding="utf-8"?>
-<a:theme xmlns:a="http://schemas.openxmlformats.org/drawingml/2006/main" name="Office Theme">
+<a:theme xmlns:a="http://schemas.openxmlformats.org/drawingml/2006/main" name="Gallery">
   <a:themeElements>
-    <a:clrScheme name="Office">
+    <a:clrScheme name="Gallery">
       <a:dk1>
         <a:sysClr val="windowText" lastClr="000000"/>
       </a:dk1>
@@ -9113,39 +11807,39 @@
         <a:sysClr val="window" lastClr="FFFFFF"/>
       </a:lt1>
       <a:dk2>
-        <a:srgbClr val="44546A"/>
+        <a:srgbClr val="454545"/>
       </a:dk2>
       <a:lt2>
-        <a:srgbClr val="E7E6E6"/>
+        <a:srgbClr val="DFDBD5"/>
       </a:lt2>
       <a:accent1>
-        <a:srgbClr val="4472C4"/>
+        <a:srgbClr val="B71E42"/>
       </a:accent1>
       <a:accent2>
-        <a:srgbClr val="ED7D31"/>
+        <a:srgbClr val="DE478E"/>
       </a:accent2>
       <a:accent3>
-        <a:srgbClr val="A5A5A5"/>
+        <a:srgbClr val="BC72F0"/>
       </a:accent3>
       <a:accent4>
-        <a:srgbClr val="FFC000"/>
+        <a:srgbClr val="795FAF"/>
       </a:accent4>
       <a:accent5>
-        <a:srgbClr val="5B9BD5"/>
+        <a:srgbClr val="586EA6"/>
       </a:accent5>
       <a:accent6>
-        <a:srgbClr val="70AD47"/>
+        <a:srgbClr val="6892A0"/>
       </a:accent6>
       <a:hlink>
-        <a:srgbClr val="0563C1"/>
+        <a:srgbClr val="FA2B5C"/>
       </a:hlink>
       <a:folHlink>
-        <a:srgbClr val="954F72"/>
+        <a:srgbClr val="BC658E"/>
       </a:folHlink>
     </a:clrScheme>
-    <a:fontScheme name="Office">
+    <a:fontScheme name="Gallery">
       <a:majorFont>
-        <a:latin typeface="Calibri Light" panose="020F0302020204030204"/>
+        <a:latin typeface="Gill Sans MT" panose="020B0502020104020203"/>
         <a:ea typeface=""/>
         <a:cs typeface=""/>
         <a:font script="Jpan" typeface="游ゴシック Light"/>
@@ -9178,26 +11872,9 @@
         <a:font script="Viet" typeface="Times New Roman"/>
         <a:font script="Uigh" typeface="Microsoft Uighur"/>
         <a:font script="Geor" typeface="Sylfaen"/>
-        <a:font script="Armn" typeface="Arial"/>
-        <a:font script="Bugi" typeface="Leelawadee UI"/>
-        <a:font script="Bopo" typeface="Microsoft JhengHei"/>
-        <a:font script="Java" typeface="Javanese Text"/>
-        <a:font script="Lisu" typeface="Segoe UI"/>
-        <a:font script="Mymr" typeface="Myanmar Text"/>
-        <a:font script="Nkoo" typeface="Ebrima"/>
-        <a:font script="Olck" typeface="Nirmala UI"/>
-        <a:font script="Osma" typeface="Ebrima"/>
-        <a:font script="Phag" typeface="Phagspa"/>
-        <a:font script="Syrn" typeface="Estrangelo Edessa"/>
-        <a:font script="Syrj" typeface="Estrangelo Edessa"/>
-        <a:font script="Syre" typeface="Estrangelo Edessa"/>
-        <a:font script="Sora" typeface="Nirmala UI"/>
-        <a:font script="Tale" typeface="Microsoft Tai Le"/>
-        <a:font script="Talu" typeface="Microsoft New Tai Lue"/>
-        <a:font script="Tfng" typeface="Ebrima"/>
       </a:majorFont>
       <a:minorFont>
-        <a:latin typeface="Calibri" panose="020F0502020204030204"/>
+        <a:latin typeface="Gill Sans MT" panose="020B0502020104020203"/>
         <a:ea typeface=""/>
         <a:cs typeface=""/>
         <a:font script="Jpan" typeface="游ゴシック"/>
@@ -9230,26 +11907,9 @@
         <a:font script="Viet" typeface="Arial"/>
         <a:font script="Uigh" typeface="Microsoft Uighur"/>
         <a:font script="Geor" typeface="Sylfaen"/>
-        <a:font script="Armn" typeface="Arial"/>
-        <a:font script="Bugi" typeface="Leelawadee UI"/>
-        <a:font script="Bopo" typeface="Microsoft JhengHei"/>
-        <a:font script="Java" typeface="Javanese Text"/>
-        <a:font script="Lisu" typeface="Segoe UI"/>
-        <a:font script="Mymr" typeface="Myanmar Text"/>
-        <a:font script="Nkoo" typeface="Ebrima"/>
-        <a:font script="Olck" typeface="Nirmala UI"/>
-        <a:font script="Osma" typeface="Ebrima"/>
-        <a:font script="Phag" typeface="Phagspa"/>
-        <a:font script="Syrn" typeface="Estrangelo Edessa"/>
-        <a:font script="Syrj" typeface="Estrangelo Edessa"/>
-        <a:font script="Syre" typeface="Estrangelo Edessa"/>
-        <a:font script="Sora" typeface="Nirmala UI"/>
-        <a:font script="Tale" typeface="Microsoft Tai Le"/>
-        <a:font script="Talu" typeface="Microsoft New Tai Lue"/>
-        <a:font script="Tfng" typeface="Ebrima"/>
       </a:minorFont>
     </a:fontScheme>
-    <a:fmtScheme name="Office">
+    <a:fmtScheme name="Gallery">
       <a:fillStyleLst>
         <a:solidFill>
           <a:schemeClr val="phClr"/>
@@ -9258,23 +11918,18 @@
           <a:gsLst>
             <a:gs pos="0">
               <a:schemeClr val="phClr">
+                <a:tint val="54000"/>
+                <a:alpha val="100000"/>
+                <a:satMod val="105000"/>
                 <a:lumMod val="110000"/>
-                <a:satMod val="105000"/>
-                <a:tint val="67000"/>
-              </a:schemeClr>
-            </a:gs>
-            <a:gs pos="50000">
-              <a:schemeClr val="phClr">
-                <a:lumMod val="105000"/>
-                <a:satMod val="103000"/>
-                <a:tint val="73000"/>
               </a:schemeClr>
             </a:gs>
             <a:gs pos="100000">
               <a:schemeClr val="phClr">
-                <a:lumMod val="105000"/>
+                <a:tint val="78000"/>
+                <a:alpha val="92000"/>
                 <a:satMod val="109000"/>
-                <a:tint val="81000"/>
+                <a:lumMod val="100000"/>
               </a:schemeClr>
             </a:gs>
           </a:gsLst>
@@ -9284,23 +11939,23 @@
           <a:gsLst>
             <a:gs pos="0">
               <a:schemeClr val="phClr">
-                <a:satMod val="103000"/>
-                <a:lumMod val="102000"/>
-                <a:tint val="94000"/>
+                <a:tint val="98000"/>
+                <a:satMod val="110000"/>
+                <a:lumMod val="104000"/>
               </a:schemeClr>
             </a:gs>
-            <a:gs pos="50000">
+            <a:gs pos="69000">
               <a:schemeClr val="phClr">
-                <a:satMod val="110000"/>
-                <a:lumMod val="100000"/>
-                <a:shade val="100000"/>
+                <a:shade val="88000"/>
+                <a:satMod val="130000"/>
+                <a:lumMod val="92000"/>
               </a:schemeClr>
             </a:gs>
             <a:gs pos="100000">
               <a:schemeClr val="phClr">
-                <a:lumMod val="99000"/>
-                <a:satMod val="120000"/>
                 <a:shade val="78000"/>
+                <a:satMod val="130000"/>
+                <a:lumMod val="92000"/>
               </a:schemeClr>
             </a:gs>
           </a:gsLst>
@@ -9308,26 +11963,23 @@
         </a:gradFill>
       </a:fillStyleLst>
       <a:lnStyleLst>
-        <a:ln w="6350" cap="flat" cmpd="sng" algn="ctr">
+        <a:ln w="9525" cap="flat" cmpd="sng" algn="ctr">
           <a:solidFill>
             <a:schemeClr val="phClr"/>
           </a:solidFill>
           <a:prstDash val="solid"/>
-          <a:miter lim="800000"/>
         </a:ln>
-        <a:ln w="12700" cap="flat" cmpd="sng" algn="ctr">
+        <a:ln w="15875" cap="flat" cmpd="sng" algn="ctr">
           <a:solidFill>
             <a:schemeClr val="phClr"/>
           </a:solidFill>
           <a:prstDash val="solid"/>
-          <a:miter lim="800000"/>
         </a:ln>
-        <a:ln w="19050" cap="flat" cmpd="sng" algn="ctr">
+        <a:ln w="22225" cap="flat" cmpd="sng" algn="ctr">
           <a:solidFill>
             <a:schemeClr val="phClr"/>
           </a:solidFill>
           <a:prstDash val="solid"/>
-          <a:miter lim="800000"/>
         </a:ln>
       </a:lnStyleLst>
       <a:effectStyleLst>
@@ -9339,12 +11991,23 @@
         </a:effectStyle>
         <a:effectStyle>
           <a:effectLst>
-            <a:outerShdw blurRad="57150" dist="19050" dir="5400000" algn="ctr" rotWithShape="0">
+            <a:outerShdw blurRad="50800" dist="50800" dir="5400000" sx="96000" sy="96000" rotWithShape="0">
               <a:srgbClr val="000000">
-                <a:alpha val="63000"/>
+                <a:alpha val="48000"/>
               </a:srgbClr>
             </a:outerShdw>
           </a:effectLst>
+          <a:scene3d>
+            <a:camera prst="orthographicFront">
+              <a:rot lat="0" lon="0" rev="0"/>
+            </a:camera>
+            <a:lightRig rig="balanced" dir="t">
+              <a:rot lat="0" lon="0" rev="1080000"/>
+            </a:lightRig>
+          </a:scene3d>
+          <a:sp3d>
+            <a:bevelT w="38100" h="12700" prst="softRound"/>
+          </a:sp3d>
         </a:effectStyle>
       </a:effectStyleLst>
       <a:bgFillStyleLst>
@@ -9352,37 +12015,26 @@
           <a:schemeClr val="phClr"/>
         </a:solidFill>
         <a:solidFill>
-          <a:schemeClr val="phClr">
-            <a:tint val="95000"/>
-            <a:satMod val="170000"/>
-          </a:schemeClr>
+          <a:schemeClr val="phClr"/>
         </a:solidFill>
         <a:gradFill rotWithShape="1">
           <a:gsLst>
             <a:gs pos="0">
               <a:schemeClr val="phClr">
-                <a:tint val="93000"/>
-                <a:satMod val="150000"/>
-                <a:shade val="98000"/>
-                <a:lumMod val="102000"/>
-              </a:schemeClr>
-            </a:gs>
-            <a:gs pos="50000">
-              <a:schemeClr val="phClr">
-                <a:tint val="98000"/>
-                <a:satMod val="130000"/>
-                <a:shade val="90000"/>
-                <a:lumMod val="103000"/>
+                <a:tint val="94000"/>
+                <a:satMod val="80000"/>
+                <a:lumMod val="106000"/>
               </a:schemeClr>
             </a:gs>
             <a:gs pos="100000">
               <a:schemeClr val="phClr">
-                <a:shade val="63000"/>
-                <a:satMod val="120000"/>
+                <a:shade val="80000"/>
               </a:schemeClr>
             </a:gs>
           </a:gsLst>
-          <a:lin ang="5400000" scaled="0"/>
+          <a:path path="circle">
+            <a:fillToRect l="43000" r="43000" b="100000"/>
+          </a:path>
         </a:gradFill>
       </a:bgFillStyleLst>
     </a:fmtScheme>
@@ -9391,7 +12043,7 @@
   <a:extraClrSchemeLst/>
   <a:extLst>
     <a:ext uri="{05A4C25C-085E-4340-85A3-A5531E510DB2}">
-      <thm15:themeFamily xmlns:thm15="http://schemas.microsoft.com/office/thememl/2012/main" name="Office Theme" id="{62F939B6-93AF-4DB8-9C6B-D6C7DFDC589F}" vid="{4A3C46E8-61CC-4603-A589-7422A47A8E4A}"/>
+      <thm15:themeFamily xmlns:thm15="http://schemas.microsoft.com/office/thememl/2012/main" name="Gallery" id="{BBFCD31E-59A1-489D-B089-A3EAD7CAE12E}" vid="{F5E91637-A7B6-4E27-B710-77DA7014EE1E}"/>
     </a:ext>
   </a:extLst>
 </a:theme>
